--- a/UI완성본(1차).pptx
+++ b/UI완성본(1차).pptx
@@ -3262,53 +3262,6 @@
       </p:sp>
       <p:sp>
         <p:nvSpPr>
-          <p:cNvPr id="25" name="사각형: 둥근 모서리 24">
-            <a:extLst>
-              <a:ext uri="{FF2B5EF4-FFF2-40B4-BE49-F238E27FC236}">
-                <a16:creationId xmlns:a16="http://schemas.microsoft.com/office/drawing/2014/main" id="{AEE0709E-7793-4163-B837-C3558E42D36F}"/>
-              </a:ext>
-            </a:extLst>
-          </p:cNvPr>
-          <p:cNvSpPr/>
-          <p:nvPr/>
-        </p:nvSpPr>
-        <p:spPr>
-          <a:xfrm>
-            <a:off x="0" y="6463208"/>
-            <a:ext cx="5143500" cy="2680792"/>
-          </a:xfrm>
-          <a:prstGeom prst="roundRect">
-            <a:avLst/>
-          </a:prstGeom>
-          <a:noFill/>
-        </p:spPr>
-        <p:style>
-          <a:lnRef idx="2">
-            <a:schemeClr val="accent1">
-              <a:shade val="50000"/>
-            </a:schemeClr>
-          </a:lnRef>
-          <a:fillRef idx="1">
-            <a:schemeClr val="accent1"/>
-          </a:fillRef>
-          <a:effectRef idx="0">
-            <a:schemeClr val="accent1"/>
-          </a:effectRef>
-          <a:fontRef idx="minor">
-            <a:schemeClr val="lt1"/>
-          </a:fontRef>
-        </p:style>
-        <p:txBody>
-          <a:bodyPr rtlCol="0" anchor="ctr"/>
-          <a:lstStyle/>
-          <a:p>
-            <a:pPr algn="ctr"/>
-            <a:endParaRPr lang="ko-KR" altLang="en-US"/>
-          </a:p>
-        </p:txBody>
-      </p:sp>
-      <p:sp>
-        <p:nvSpPr>
           <p:cNvPr id="26" name="TextBox 25">
             <a:extLst>
               <a:ext uri="{FF2B5EF4-FFF2-40B4-BE49-F238E27FC236}">
@@ -3474,115 +3427,6 @@
           </a:p>
         </p:txBody>
       </p:sp>
-      <p:grpSp>
-        <p:nvGrpSpPr>
-          <p:cNvPr id="27" name="그룹 26">
-            <a:extLst>
-              <a:ext uri="{FF2B5EF4-FFF2-40B4-BE49-F238E27FC236}">
-                <a16:creationId xmlns:a16="http://schemas.microsoft.com/office/drawing/2014/main" id="{B37F141F-B306-491E-B03F-3D715281CBFC}"/>
-              </a:ext>
-            </a:extLst>
-          </p:cNvPr>
-          <p:cNvGrpSpPr/>
-          <p:nvPr/>
-        </p:nvGrpSpPr>
-        <p:grpSpPr>
-          <a:xfrm>
-            <a:off x="4505899" y="0"/>
-            <a:ext cx="637601" cy="622525"/>
-            <a:chOff x="4505899" y="0"/>
-            <a:chExt cx="637601" cy="622525"/>
-          </a:xfrm>
-        </p:grpSpPr>
-        <p:sp>
-          <p:nvSpPr>
-            <p:cNvPr id="29" name="순서도: 대체 처리 28">
-              <a:extLst>
-                <a:ext uri="{FF2B5EF4-FFF2-40B4-BE49-F238E27FC236}">
-                  <a16:creationId xmlns:a16="http://schemas.microsoft.com/office/drawing/2014/main" id="{45D9CFAE-C174-4994-8A74-B3C90F3BC96A}"/>
-                </a:ext>
-              </a:extLst>
-            </p:cNvPr>
-            <p:cNvSpPr/>
-            <p:nvPr/>
-          </p:nvSpPr>
-          <p:spPr>
-            <a:xfrm>
-              <a:off x="4505899" y="0"/>
-              <a:ext cx="637601" cy="622525"/>
-            </a:xfrm>
-            <a:prstGeom prst="flowChartAlternateProcess">
-              <a:avLst/>
-            </a:prstGeom>
-            <a:solidFill>
-              <a:schemeClr val="bg1"/>
-            </a:solidFill>
-          </p:spPr>
-          <p:style>
-            <a:lnRef idx="2">
-              <a:schemeClr val="accent1">
-                <a:shade val="50000"/>
-              </a:schemeClr>
-            </a:lnRef>
-            <a:fillRef idx="1">
-              <a:schemeClr val="accent1"/>
-            </a:fillRef>
-            <a:effectRef idx="0">
-              <a:schemeClr val="accent1"/>
-            </a:effectRef>
-            <a:fontRef idx="minor">
-              <a:schemeClr val="lt1"/>
-            </a:fontRef>
-          </p:style>
-          <p:txBody>
-            <a:bodyPr rtlCol="0" anchor="ctr"/>
-            <a:lstStyle/>
-            <a:p>
-              <a:pPr algn="ctr"/>
-              <a:endParaRPr lang="ko-KR" altLang="en-US"/>
-            </a:p>
-          </p:txBody>
-        </p:sp>
-        <p:pic>
-          <p:nvPicPr>
-            <p:cNvPr id="30" name="그래픽 29" descr="돋보기 단색으로 채워진">
-              <a:extLst>
-                <a:ext uri="{FF2B5EF4-FFF2-40B4-BE49-F238E27FC236}">
-                  <a16:creationId xmlns:a16="http://schemas.microsoft.com/office/drawing/2014/main" id="{72EE0AAA-ADAE-4BDD-A531-59BEA0BA8302}"/>
-                </a:ext>
-              </a:extLst>
-            </p:cNvPr>
-            <p:cNvPicPr>
-              <a:picLocks noChangeAspect="1"/>
-            </p:cNvPicPr>
-            <p:nvPr/>
-          </p:nvPicPr>
-          <p:blipFill>
-            <a:blip r:embed="rId3">
-              <a:extLst>
-                <a:ext uri="{28A0092B-C50C-407E-A947-70E740481C1C}">
-                  <a14:useLocalDpi xmlns:a14="http://schemas.microsoft.com/office/drawing/2010/main" val="0"/>
-                </a:ext>
-                <a:ext uri="{96DAC541-7B7A-43D3-8B79-37D633B846F1}">
-                  <asvg:svgBlip xmlns:asvg="http://schemas.microsoft.com/office/drawing/2016/SVG/main" r:embed="rId4"/>
-                </a:ext>
-              </a:extLst>
-            </a:blip>
-            <a:stretch>
-              <a:fillRect/>
-            </a:stretch>
-          </p:blipFill>
-          <p:spPr>
-            <a:xfrm>
-              <a:off x="4531967" y="14423"/>
-              <a:ext cx="585463" cy="585463"/>
-            </a:xfrm>
-            <a:prstGeom prst="rect">
-              <a:avLst/>
-            </a:prstGeom>
-          </p:spPr>
-        </p:pic>
-      </p:grpSp>
       <p:sp>
         <p:nvSpPr>
           <p:cNvPr id="31" name="TextBox 30">
@@ -3810,7 +3654,7 @@
             <p:nvPr/>
           </p:nvPicPr>
           <p:blipFill rotWithShape="1">
-            <a:blip r:embed="rId5">
+            <a:blip r:embed="rId3">
               <a:extLst>
                 <a:ext uri="{28A0092B-C50C-407E-A947-70E740481C1C}">
                   <a14:useLocalDpi xmlns:a14="http://schemas.microsoft.com/office/drawing/2010/main" val="0"/>
@@ -3911,7 +3755,7 @@
             <p:nvPr/>
           </p:nvPicPr>
           <p:blipFill rotWithShape="1">
-            <a:blip r:embed="rId5">
+            <a:blip r:embed="rId3">
               <a:extLst>
                 <a:ext uri="{28A0092B-C50C-407E-A947-70E740481C1C}">
                   <a14:useLocalDpi xmlns:a14="http://schemas.microsoft.com/office/drawing/2010/main" val="0"/>
@@ -4012,7 +3856,7 @@
             <p:nvPr/>
           </p:nvPicPr>
           <p:blipFill rotWithShape="1">
-            <a:blip r:embed="rId5">
+            <a:blip r:embed="rId3">
               <a:extLst>
                 <a:ext uri="{28A0092B-C50C-407E-A947-70E740481C1C}">
                   <a14:useLocalDpi xmlns:a14="http://schemas.microsoft.com/office/drawing/2010/main" val="0"/>
@@ -4113,7 +3957,7 @@
             <p:nvPr/>
           </p:nvPicPr>
           <p:blipFill rotWithShape="1">
-            <a:blip r:embed="rId5">
+            <a:blip r:embed="rId3">
               <a:extLst>
                 <a:ext uri="{28A0092B-C50C-407E-A947-70E740481C1C}">
                   <a14:useLocalDpi xmlns:a14="http://schemas.microsoft.com/office/drawing/2010/main" val="0"/>
@@ -4214,7 +4058,7 @@
             <p:nvPr/>
           </p:nvPicPr>
           <p:blipFill rotWithShape="1">
-            <a:blip r:embed="rId5">
+            <a:blip r:embed="rId3">
               <a:extLst>
                 <a:ext uri="{28A0092B-C50C-407E-A947-70E740481C1C}">
                   <a14:useLocalDpi xmlns:a14="http://schemas.microsoft.com/office/drawing/2010/main" val="0"/>
@@ -4315,7 +4159,7 @@
             <p:nvPr/>
           </p:nvPicPr>
           <p:blipFill rotWithShape="1">
-            <a:blip r:embed="rId5">
+            <a:blip r:embed="rId3">
               <a:extLst>
                 <a:ext uri="{28A0092B-C50C-407E-A947-70E740481C1C}">
                   <a14:useLocalDpi xmlns:a14="http://schemas.microsoft.com/office/drawing/2010/main" val="0"/>
@@ -4416,7 +4260,7 @@
             <p:nvPr/>
           </p:nvPicPr>
           <p:blipFill rotWithShape="1">
-            <a:blip r:embed="rId5">
+            <a:blip r:embed="rId3">
               <a:extLst>
                 <a:ext uri="{28A0092B-C50C-407E-A947-70E740481C1C}">
                   <a14:useLocalDpi xmlns:a14="http://schemas.microsoft.com/office/drawing/2010/main" val="0"/>
@@ -4517,7 +4361,7 @@
             <p:nvPr/>
           </p:nvPicPr>
           <p:blipFill rotWithShape="1">
-            <a:blip r:embed="rId5">
+            <a:blip r:embed="rId3">
               <a:extLst>
                 <a:ext uri="{28A0092B-C50C-407E-A947-70E740481C1C}">
                   <a14:useLocalDpi xmlns:a14="http://schemas.microsoft.com/office/drawing/2010/main" val="0"/>
@@ -4618,7 +4462,7 @@
             <p:nvPr/>
           </p:nvPicPr>
           <p:blipFill rotWithShape="1">
-            <a:blip r:embed="rId5">
+            <a:blip r:embed="rId3">
               <a:extLst>
                 <a:ext uri="{28A0092B-C50C-407E-A947-70E740481C1C}">
                   <a14:useLocalDpi xmlns:a14="http://schemas.microsoft.com/office/drawing/2010/main" val="0"/>
@@ -4719,7 +4563,7 @@
             <p:nvPr/>
           </p:nvPicPr>
           <p:blipFill rotWithShape="1">
-            <a:blip r:embed="rId5">
+            <a:blip r:embed="rId3">
               <a:extLst>
                 <a:ext uri="{28A0092B-C50C-407E-A947-70E740481C1C}">
                   <a14:useLocalDpi xmlns:a14="http://schemas.microsoft.com/office/drawing/2010/main" val="0"/>
@@ -4820,7 +4664,7 @@
             <p:nvPr/>
           </p:nvPicPr>
           <p:blipFill rotWithShape="1">
-            <a:blip r:embed="rId5">
+            <a:blip r:embed="rId3">
               <a:extLst>
                 <a:ext uri="{28A0092B-C50C-407E-A947-70E740481C1C}">
                   <a14:useLocalDpi xmlns:a14="http://schemas.microsoft.com/office/drawing/2010/main" val="0"/>
@@ -4857,13 +4701,13 @@
           <p:nvPr/>
         </p:nvPicPr>
         <p:blipFill>
-          <a:blip r:embed="rId6">
+          <a:blip r:embed="rId4">
             <a:extLst>
               <a:ext uri="{28A0092B-C50C-407E-A947-70E740481C1C}">
                 <a14:useLocalDpi xmlns:a14="http://schemas.microsoft.com/office/drawing/2010/main" val="0"/>
               </a:ext>
               <a:ext uri="{96DAC541-7B7A-43D3-8B79-37D633B846F1}">
-                <asvg:svgBlip xmlns:asvg="http://schemas.microsoft.com/office/drawing/2016/SVG/main" r:embed="rId7"/>
+                <asvg:svgBlip xmlns:asvg="http://schemas.microsoft.com/office/drawing/2016/SVG/main" r:embed="rId5"/>
               </a:ext>
             </a:extLst>
           </a:blip>
@@ -4960,7 +4804,7 @@
             <p:nvPr/>
           </p:nvPicPr>
           <p:blipFill rotWithShape="1">
-            <a:blip r:embed="rId5">
+            <a:blip r:embed="rId3">
               <a:extLst>
                 <a:ext uri="{28A0092B-C50C-407E-A947-70E740481C1C}">
                   <a14:useLocalDpi xmlns:a14="http://schemas.microsoft.com/office/drawing/2010/main" val="0"/>
@@ -4997,13 +4841,13 @@
           <p:nvPr/>
         </p:nvPicPr>
         <p:blipFill>
-          <a:blip r:embed="rId8">
+          <a:blip r:embed="rId6">
             <a:extLst>
               <a:ext uri="{28A0092B-C50C-407E-A947-70E740481C1C}">
                 <a14:useLocalDpi xmlns:a14="http://schemas.microsoft.com/office/drawing/2010/main" val="0"/>
               </a:ext>
               <a:ext uri="{96DAC541-7B7A-43D3-8B79-37D633B846F1}">
-                <asvg:svgBlip xmlns:asvg="http://schemas.microsoft.com/office/drawing/2016/SVG/main" r:embed="rId9"/>
+                <asvg:svgBlip xmlns:asvg="http://schemas.microsoft.com/office/drawing/2016/SVG/main" r:embed="rId7"/>
               </a:ext>
             </a:extLst>
           </a:blip>
@@ -5036,13 +4880,13 @@
           <p:nvPr/>
         </p:nvPicPr>
         <p:blipFill>
-          <a:blip r:embed="rId10">
+          <a:blip r:embed="rId8">
             <a:extLst>
               <a:ext uri="{28A0092B-C50C-407E-A947-70E740481C1C}">
                 <a14:useLocalDpi xmlns:a14="http://schemas.microsoft.com/office/drawing/2010/main" val="0"/>
               </a:ext>
               <a:ext uri="{96DAC541-7B7A-43D3-8B79-37D633B846F1}">
-                <asvg:svgBlip xmlns:asvg="http://schemas.microsoft.com/office/drawing/2016/SVG/main" r:embed="rId11"/>
+                <asvg:svgBlip xmlns:asvg="http://schemas.microsoft.com/office/drawing/2016/SVG/main" r:embed="rId9"/>
               </a:ext>
             </a:extLst>
           </a:blip>
@@ -5149,13 +4993,13 @@
             <p:nvPr/>
           </p:nvPicPr>
           <p:blipFill>
-            <a:blip r:embed="rId12">
+            <a:blip r:embed="rId10">
               <a:extLst>
                 <a:ext uri="{28A0092B-C50C-407E-A947-70E740481C1C}">
                   <a14:useLocalDpi xmlns:a14="http://schemas.microsoft.com/office/drawing/2010/main" val="0"/>
                 </a:ext>
                 <a:ext uri="{96DAC541-7B7A-43D3-8B79-37D633B846F1}">
-                  <asvg:svgBlip xmlns:asvg="http://schemas.microsoft.com/office/drawing/2016/SVG/main" r:embed="rId13"/>
+                  <asvg:svgBlip xmlns:asvg="http://schemas.microsoft.com/office/drawing/2016/SVG/main" r:embed="rId11"/>
                 </a:ext>
               </a:extLst>
             </a:blip>
@@ -5174,6 +5018,162 @@
           </p:spPr>
         </p:pic>
       </p:grpSp>
+      <p:grpSp>
+        <p:nvGrpSpPr>
+          <p:cNvPr id="74" name="그룹 73">
+            <a:extLst>
+              <a:ext uri="{FF2B5EF4-FFF2-40B4-BE49-F238E27FC236}">
+                <a16:creationId xmlns:a16="http://schemas.microsoft.com/office/drawing/2014/main" id="{37348392-E29B-42BF-B7C5-497E32DF1787}"/>
+              </a:ext>
+            </a:extLst>
+          </p:cNvPr>
+          <p:cNvGrpSpPr/>
+          <p:nvPr/>
+        </p:nvGrpSpPr>
+        <p:grpSpPr>
+          <a:xfrm>
+            <a:off x="4494882" y="0"/>
+            <a:ext cx="637601" cy="622525"/>
+            <a:chOff x="4505899" y="0"/>
+            <a:chExt cx="637601" cy="622525"/>
+          </a:xfrm>
+        </p:grpSpPr>
+        <p:sp>
+          <p:nvSpPr>
+            <p:cNvPr id="75" name="순서도: 대체 처리 74">
+              <a:extLst>
+                <a:ext uri="{FF2B5EF4-FFF2-40B4-BE49-F238E27FC236}">
+                  <a16:creationId xmlns:a16="http://schemas.microsoft.com/office/drawing/2014/main" id="{28F01573-18EA-4BF6-9C56-950FBB3373E2}"/>
+                </a:ext>
+              </a:extLst>
+            </p:cNvPr>
+            <p:cNvSpPr/>
+            <p:nvPr/>
+          </p:nvSpPr>
+          <p:spPr>
+            <a:xfrm>
+              <a:off x="4505899" y="0"/>
+              <a:ext cx="637601" cy="622525"/>
+            </a:xfrm>
+            <a:prstGeom prst="flowChartAlternateProcess">
+              <a:avLst/>
+            </a:prstGeom>
+            <a:solidFill>
+              <a:schemeClr val="bg1"/>
+            </a:solidFill>
+          </p:spPr>
+          <p:style>
+            <a:lnRef idx="2">
+              <a:schemeClr val="accent1">
+                <a:shade val="50000"/>
+              </a:schemeClr>
+            </a:lnRef>
+            <a:fillRef idx="1">
+              <a:schemeClr val="accent1"/>
+            </a:fillRef>
+            <a:effectRef idx="0">
+              <a:schemeClr val="accent1"/>
+            </a:effectRef>
+            <a:fontRef idx="minor">
+              <a:schemeClr val="lt1"/>
+            </a:fontRef>
+          </p:style>
+          <p:txBody>
+            <a:bodyPr rtlCol="0" anchor="ctr"/>
+            <a:lstStyle/>
+            <a:p>
+              <a:pPr algn="ctr"/>
+              <a:endParaRPr lang="ko-KR" altLang="en-US"/>
+            </a:p>
+          </p:txBody>
+        </p:sp>
+        <p:pic>
+          <p:nvPicPr>
+            <p:cNvPr id="76" name="그래픽 75" descr="돋보기 단색으로 채워진">
+              <a:extLst>
+                <a:ext uri="{FF2B5EF4-FFF2-40B4-BE49-F238E27FC236}">
+                  <a16:creationId xmlns:a16="http://schemas.microsoft.com/office/drawing/2014/main" id="{7110E892-FCA7-46E8-9099-3E37B25B9F84}"/>
+                </a:ext>
+              </a:extLst>
+            </p:cNvPr>
+            <p:cNvPicPr>
+              <a:picLocks noChangeAspect="1"/>
+            </p:cNvPicPr>
+            <p:nvPr/>
+          </p:nvPicPr>
+          <p:blipFill>
+            <a:blip r:embed="rId12">
+              <a:extLst>
+                <a:ext uri="{28A0092B-C50C-407E-A947-70E740481C1C}">
+                  <a14:useLocalDpi xmlns:a14="http://schemas.microsoft.com/office/drawing/2010/main" val="0"/>
+                </a:ext>
+                <a:ext uri="{96DAC541-7B7A-43D3-8B79-37D633B846F1}">
+                  <asvg:svgBlip xmlns:asvg="http://schemas.microsoft.com/office/drawing/2016/SVG/main" r:embed="rId13"/>
+                </a:ext>
+              </a:extLst>
+            </a:blip>
+            <a:stretch>
+              <a:fillRect/>
+            </a:stretch>
+          </p:blipFill>
+          <p:spPr>
+            <a:xfrm>
+              <a:off x="4531967" y="14423"/>
+              <a:ext cx="585463" cy="585463"/>
+            </a:xfrm>
+            <a:prstGeom prst="rect">
+              <a:avLst/>
+            </a:prstGeom>
+          </p:spPr>
+        </p:pic>
+      </p:grpSp>
+      <p:sp>
+        <p:nvSpPr>
+          <p:cNvPr id="77" name="사각형: 둥근 모서리 76">
+            <a:extLst>
+              <a:ext uri="{FF2B5EF4-FFF2-40B4-BE49-F238E27FC236}">
+                <a16:creationId xmlns:a16="http://schemas.microsoft.com/office/drawing/2014/main" id="{07B4FCAE-0E51-4630-BE09-23F1022B78AF}"/>
+              </a:ext>
+            </a:extLst>
+          </p:cNvPr>
+          <p:cNvSpPr/>
+          <p:nvPr/>
+        </p:nvSpPr>
+        <p:spPr>
+          <a:xfrm>
+            <a:off x="0" y="6460778"/>
+            <a:ext cx="5132483" cy="2659888"/>
+          </a:xfrm>
+          <a:prstGeom prst="roundRect">
+            <a:avLst/>
+          </a:prstGeom>
+          <a:noFill/>
+        </p:spPr>
+        <p:style>
+          <a:lnRef idx="2">
+            <a:schemeClr val="accent1">
+              <a:shade val="50000"/>
+            </a:schemeClr>
+          </a:lnRef>
+          <a:fillRef idx="1">
+            <a:schemeClr val="accent1"/>
+          </a:fillRef>
+          <a:effectRef idx="0">
+            <a:schemeClr val="accent1"/>
+          </a:effectRef>
+          <a:fontRef idx="minor">
+            <a:schemeClr val="lt1"/>
+          </a:fontRef>
+        </p:style>
+        <p:txBody>
+          <a:bodyPr rtlCol="0" anchor="ctr"/>
+          <a:lstStyle/>
+          <a:p>
+            <a:pPr algn="ctr"/>
+            <a:endParaRPr lang="ko-KR" altLang="en-US"/>
+          </a:p>
+        </p:txBody>
+      </p:sp>
     </p:spTree>
     <p:extLst>
       <p:ext uri="{BB962C8B-B14F-4D97-AF65-F5344CB8AC3E}">
@@ -5274,8 +5274,8 @@
         </p:nvSpPr>
         <p:spPr>
           <a:xfrm>
-            <a:off x="0" y="6444867"/>
-            <a:ext cx="5143500" cy="2699133"/>
+            <a:off x="0" y="6460778"/>
+            <a:ext cx="5132483" cy="2659888"/>
           </a:xfrm>
           <a:prstGeom prst="roundRect">
             <a:avLst/>
@@ -5676,7 +5676,7 @@
         </p:nvGrpSpPr>
         <p:grpSpPr>
           <a:xfrm>
-            <a:off x="4505899" y="0"/>
+            <a:off x="4494882" y="0"/>
             <a:ext cx="637601" cy="622525"/>
             <a:chOff x="4505899" y="0"/>
             <a:chExt cx="637601" cy="622525"/>
@@ -8236,55 +8236,6 @@
       </p:sp>
       <p:sp>
         <p:nvSpPr>
-          <p:cNvPr id="25" name="사각형: 둥근 모서리 24">
-            <a:extLst>
-              <a:ext uri="{FF2B5EF4-FFF2-40B4-BE49-F238E27FC236}">
-                <a16:creationId xmlns:a16="http://schemas.microsoft.com/office/drawing/2014/main" id="{AEE0709E-7793-4163-B837-C3558E42D36F}"/>
-              </a:ext>
-            </a:extLst>
-          </p:cNvPr>
-          <p:cNvSpPr/>
-          <p:nvPr/>
-        </p:nvSpPr>
-        <p:spPr>
-          <a:xfrm>
-            <a:off x="0" y="7531018"/>
-            <a:ext cx="5143500" cy="1612981"/>
-          </a:xfrm>
-          <a:prstGeom prst="roundRect">
-            <a:avLst/>
-          </a:prstGeom>
-          <a:solidFill>
-            <a:schemeClr val="bg1"/>
-          </a:solidFill>
-        </p:spPr>
-        <p:style>
-          <a:lnRef idx="2">
-            <a:schemeClr val="accent1">
-              <a:shade val="50000"/>
-            </a:schemeClr>
-          </a:lnRef>
-          <a:fillRef idx="1">
-            <a:schemeClr val="accent1"/>
-          </a:fillRef>
-          <a:effectRef idx="0">
-            <a:schemeClr val="accent1"/>
-          </a:effectRef>
-          <a:fontRef idx="minor">
-            <a:schemeClr val="lt1"/>
-          </a:fontRef>
-        </p:style>
-        <p:txBody>
-          <a:bodyPr rtlCol="0" anchor="ctr"/>
-          <a:lstStyle/>
-          <a:p>
-            <a:pPr algn="ctr"/>
-            <a:endParaRPr lang="ko-KR" altLang="en-US" dirty="0"/>
-          </a:p>
-        </p:txBody>
-      </p:sp>
-      <p:sp>
-        <p:nvSpPr>
           <p:cNvPr id="32" name="TextBox 31">
             <a:extLst>
               <a:ext uri="{FF2B5EF4-FFF2-40B4-BE49-F238E27FC236}">
@@ -8326,115 +8277,6 @@
           </a:p>
         </p:txBody>
       </p:sp>
-      <p:grpSp>
-        <p:nvGrpSpPr>
-          <p:cNvPr id="23" name="그룹 22">
-            <a:extLst>
-              <a:ext uri="{FF2B5EF4-FFF2-40B4-BE49-F238E27FC236}">
-                <a16:creationId xmlns:a16="http://schemas.microsoft.com/office/drawing/2014/main" id="{0A431B97-6F3C-4C7B-99A9-59A7A1279C45}"/>
-              </a:ext>
-            </a:extLst>
-          </p:cNvPr>
-          <p:cNvGrpSpPr/>
-          <p:nvPr/>
-        </p:nvGrpSpPr>
-        <p:grpSpPr>
-          <a:xfrm>
-            <a:off x="4505899" y="0"/>
-            <a:ext cx="637601" cy="622525"/>
-            <a:chOff x="4505899" y="0"/>
-            <a:chExt cx="637601" cy="622525"/>
-          </a:xfrm>
-        </p:grpSpPr>
-        <p:sp>
-          <p:nvSpPr>
-            <p:cNvPr id="2" name="순서도: 대체 처리 1">
-              <a:extLst>
-                <a:ext uri="{FF2B5EF4-FFF2-40B4-BE49-F238E27FC236}">
-                  <a16:creationId xmlns:a16="http://schemas.microsoft.com/office/drawing/2014/main" id="{990CEF20-5D2F-4E30-91FC-3DA85F942919}"/>
-                </a:ext>
-              </a:extLst>
-            </p:cNvPr>
-            <p:cNvSpPr/>
-            <p:nvPr/>
-          </p:nvSpPr>
-          <p:spPr>
-            <a:xfrm>
-              <a:off x="4505899" y="0"/>
-              <a:ext cx="637601" cy="622525"/>
-            </a:xfrm>
-            <a:prstGeom prst="flowChartAlternateProcess">
-              <a:avLst/>
-            </a:prstGeom>
-            <a:solidFill>
-              <a:schemeClr val="bg1"/>
-            </a:solidFill>
-          </p:spPr>
-          <p:style>
-            <a:lnRef idx="2">
-              <a:schemeClr val="accent1">
-                <a:shade val="50000"/>
-              </a:schemeClr>
-            </a:lnRef>
-            <a:fillRef idx="1">
-              <a:schemeClr val="accent1"/>
-            </a:fillRef>
-            <a:effectRef idx="0">
-              <a:schemeClr val="accent1"/>
-            </a:effectRef>
-            <a:fontRef idx="minor">
-              <a:schemeClr val="lt1"/>
-            </a:fontRef>
-          </p:style>
-          <p:txBody>
-            <a:bodyPr rtlCol="0" anchor="ctr"/>
-            <a:lstStyle/>
-            <a:p>
-              <a:pPr algn="ctr"/>
-              <a:endParaRPr lang="ko-KR" altLang="en-US"/>
-            </a:p>
-          </p:txBody>
-        </p:sp>
-        <p:pic>
-          <p:nvPicPr>
-            <p:cNvPr id="7" name="그래픽 6" descr="돋보기 단색으로 채워진">
-              <a:extLst>
-                <a:ext uri="{FF2B5EF4-FFF2-40B4-BE49-F238E27FC236}">
-                  <a16:creationId xmlns:a16="http://schemas.microsoft.com/office/drawing/2014/main" id="{B82E5C64-4949-4EF2-900B-E2CD4DE095D7}"/>
-                </a:ext>
-              </a:extLst>
-            </p:cNvPr>
-            <p:cNvPicPr>
-              <a:picLocks noChangeAspect="1"/>
-            </p:cNvPicPr>
-            <p:nvPr/>
-          </p:nvPicPr>
-          <p:blipFill>
-            <a:blip r:embed="rId3">
-              <a:extLst>
-                <a:ext uri="{28A0092B-C50C-407E-A947-70E740481C1C}">
-                  <a14:useLocalDpi xmlns:a14="http://schemas.microsoft.com/office/drawing/2010/main" val="0"/>
-                </a:ext>
-                <a:ext uri="{96DAC541-7B7A-43D3-8B79-37D633B846F1}">
-                  <asvg:svgBlip xmlns:asvg="http://schemas.microsoft.com/office/drawing/2016/SVG/main" r:embed="rId4"/>
-                </a:ext>
-              </a:extLst>
-            </a:blip>
-            <a:stretch>
-              <a:fillRect/>
-            </a:stretch>
-          </p:blipFill>
-          <p:spPr>
-            <a:xfrm>
-              <a:off x="4531967" y="14423"/>
-              <a:ext cx="585463" cy="585463"/>
-            </a:xfrm>
-            <a:prstGeom prst="rect">
-              <a:avLst/>
-            </a:prstGeom>
-          </p:spPr>
-        </p:pic>
-      </p:grpSp>
       <p:pic>
         <p:nvPicPr>
           <p:cNvPr id="5" name="그래픽 4" descr="표식 단색으로 채워진">
@@ -8450,13 +8292,13 @@
           <p:nvPr/>
         </p:nvPicPr>
         <p:blipFill>
-          <a:blip r:embed="rId5">
+          <a:blip r:embed="rId3">
             <a:extLst>
               <a:ext uri="{28A0092B-C50C-407E-A947-70E740481C1C}">
                 <a14:useLocalDpi xmlns:a14="http://schemas.microsoft.com/office/drawing/2010/main" val="0"/>
               </a:ext>
               <a:ext uri="{96DAC541-7B7A-43D3-8B79-37D633B846F1}">
-                <asvg:svgBlip xmlns:asvg="http://schemas.microsoft.com/office/drawing/2016/SVG/main" r:embed="rId6"/>
+                <asvg:svgBlip xmlns:asvg="http://schemas.microsoft.com/office/drawing/2016/SVG/main" r:embed="rId4"/>
               </a:ext>
             </a:extLst>
           </a:blip>
@@ -8602,13 +8444,13 @@
           <p:nvPr/>
         </p:nvPicPr>
         <p:blipFill>
-          <a:blip r:embed="rId7">
+          <a:blip r:embed="rId5">
             <a:extLst>
               <a:ext uri="{28A0092B-C50C-407E-A947-70E740481C1C}">
                 <a14:useLocalDpi xmlns:a14="http://schemas.microsoft.com/office/drawing/2010/main" val="0"/>
               </a:ext>
               <a:ext uri="{96DAC541-7B7A-43D3-8B79-37D633B846F1}">
-                <asvg:svgBlip xmlns:asvg="http://schemas.microsoft.com/office/drawing/2016/SVG/main" r:embed="rId8"/>
+                <asvg:svgBlip xmlns:asvg="http://schemas.microsoft.com/office/drawing/2016/SVG/main" r:embed="rId6"/>
               </a:ext>
             </a:extLst>
           </a:blip>
@@ -8827,13 +8669,13 @@
             <p:nvPr/>
           </p:nvPicPr>
           <p:blipFill>
-            <a:blip r:embed="rId9">
+            <a:blip r:embed="rId7">
               <a:extLst>
                 <a:ext uri="{28A0092B-C50C-407E-A947-70E740481C1C}">
                   <a14:useLocalDpi xmlns:a14="http://schemas.microsoft.com/office/drawing/2010/main" val="0"/>
                 </a:ext>
                 <a:ext uri="{96DAC541-7B7A-43D3-8B79-37D633B846F1}">
-                  <asvg:svgBlip xmlns:asvg="http://schemas.microsoft.com/office/drawing/2016/SVG/main" r:embed="rId10"/>
+                  <asvg:svgBlip xmlns:asvg="http://schemas.microsoft.com/office/drawing/2016/SVG/main" r:embed="rId8"/>
                 </a:ext>
               </a:extLst>
             </a:blip>
@@ -8852,820 +8694,12 @@
           </p:spPr>
         </p:pic>
       </p:grpSp>
-    </p:spTree>
-    <p:extLst>
-      <p:ext uri="{BB962C8B-B14F-4D97-AF65-F5344CB8AC3E}">
-        <p14:creationId xmlns:p14="http://schemas.microsoft.com/office/powerpoint/2010/main" val="1221963465"/>
-      </p:ext>
-    </p:extLst>
-  </p:cSld>
-  <p:clrMapOvr>
-    <a:masterClrMapping/>
-  </p:clrMapOvr>
-</p:sld>
-</file>
-
-<file path=ppt/slides/slide6.xml><?xml version="1.0" encoding="utf-8"?>
-<p:sld xmlns:a="http://schemas.openxmlformats.org/drawingml/2006/main" xmlns:r="http://schemas.openxmlformats.org/officeDocument/2006/relationships" xmlns:p="http://schemas.openxmlformats.org/presentationml/2006/main">
-  <p:cSld>
-    <p:spTree>
-      <p:nvGrpSpPr>
-        <p:cNvPr id="1" name=""/>
-        <p:cNvGrpSpPr/>
-        <p:nvPr/>
-      </p:nvGrpSpPr>
-      <p:grpSpPr>
-        <a:xfrm>
-          <a:off x="0" y="0"/>
-          <a:ext cx="0" cy="0"/>
-          <a:chOff x="0" y="0"/>
-          <a:chExt cx="0" cy="0"/>
-        </a:xfrm>
-      </p:grpSpPr>
-      <p:pic>
-        <p:nvPicPr>
-          <p:cNvPr id="4" name="그림 3" descr="지도이(가) 표시된 사진&#10;&#10;자동 생성된 설명">
-            <a:extLst>
-              <a:ext uri="{FF2B5EF4-FFF2-40B4-BE49-F238E27FC236}">
-                <a16:creationId xmlns:a16="http://schemas.microsoft.com/office/drawing/2014/main" id="{FB194A60-CF7F-4718-84CF-8997B1A48449}"/>
-              </a:ext>
-            </a:extLst>
-          </p:cNvPr>
-          <p:cNvPicPr>
-            <a:picLocks noChangeAspect="1"/>
-          </p:cNvPicPr>
-          <p:nvPr/>
-        </p:nvPicPr>
-        <p:blipFill rotWithShape="1">
-          <a:blip r:embed="rId2">
-            <a:extLst>
-              <a:ext uri="{28A0092B-C50C-407E-A947-70E740481C1C}">
-                <a14:useLocalDpi xmlns:a14="http://schemas.microsoft.com/office/drawing/2010/main" val="0"/>
-              </a:ext>
-            </a:extLst>
-          </a:blip>
-          <a:srcRect t="13310" b="24698"/>
-          <a:stretch/>
-        </p:blipFill>
-        <p:spPr>
-          <a:xfrm>
-            <a:off x="1" y="622526"/>
-            <a:ext cx="5143499" cy="6908493"/>
-          </a:xfrm>
-          <a:prstGeom prst="rect">
-            <a:avLst/>
-          </a:prstGeom>
-        </p:spPr>
-      </p:pic>
-      <p:sp>
-        <p:nvSpPr>
-          <p:cNvPr id="6" name="TextBox 5">
-            <a:extLst>
-              <a:ext uri="{FF2B5EF4-FFF2-40B4-BE49-F238E27FC236}">
-                <a16:creationId xmlns:a16="http://schemas.microsoft.com/office/drawing/2014/main" id="{83A3AC0A-1B4E-4D47-8AAA-5E9078CED316}"/>
-              </a:ext>
-            </a:extLst>
-          </p:cNvPr>
-          <p:cNvSpPr txBox="1"/>
-          <p:nvPr/>
-        </p:nvSpPr>
-        <p:spPr>
-          <a:xfrm>
-            <a:off x="952556" y="122488"/>
-            <a:ext cx="3238387" cy="369332"/>
-          </a:xfrm>
-          <a:prstGeom prst="rect">
-            <a:avLst/>
-          </a:prstGeom>
-          <a:noFill/>
-        </p:spPr>
-        <p:txBody>
-          <a:bodyPr wrap="none" rtlCol="0">
-            <a:spAutoFit/>
-          </a:bodyPr>
-          <a:lstStyle/>
-          <a:p>
-            <a:r>
-              <a:rPr lang="ko-KR" altLang="en-US" dirty="0"/>
-              <a:t>성균관대학교 자연과학캠퍼스</a:t>
-            </a:r>
-          </a:p>
-        </p:txBody>
-      </p:sp>
-      <p:sp>
-        <p:nvSpPr>
-          <p:cNvPr id="9" name="타원 8">
-            <a:extLst>
-              <a:ext uri="{FF2B5EF4-FFF2-40B4-BE49-F238E27FC236}">
-                <a16:creationId xmlns:a16="http://schemas.microsoft.com/office/drawing/2014/main" id="{AB6B584B-2E03-4BD6-AA43-826515B44D8E}"/>
-              </a:ext>
-            </a:extLst>
-          </p:cNvPr>
-          <p:cNvSpPr/>
-          <p:nvPr/>
-        </p:nvSpPr>
-        <p:spPr>
-          <a:xfrm>
-            <a:off x="6026870" y="3196692"/>
-            <a:ext cx="236220" cy="229381"/>
-          </a:xfrm>
-          <a:prstGeom prst="ellipse">
-            <a:avLst/>
-          </a:prstGeom>
-        </p:spPr>
-        <p:style>
-          <a:lnRef idx="2">
-            <a:schemeClr val="accent6"/>
-          </a:lnRef>
-          <a:fillRef idx="1">
-            <a:schemeClr val="lt1"/>
-          </a:fillRef>
-          <a:effectRef idx="0">
-            <a:schemeClr val="accent6"/>
-          </a:effectRef>
-          <a:fontRef idx="minor">
-            <a:schemeClr val="dk1"/>
-          </a:fontRef>
-        </p:style>
-        <p:txBody>
-          <a:bodyPr rtlCol="0" anchor="ctr"/>
-          <a:lstStyle/>
-          <a:p>
-            <a:pPr algn="ctr"/>
-            <a:endParaRPr lang="ko-KR" altLang="en-US"/>
-          </a:p>
-        </p:txBody>
-      </p:sp>
-      <p:sp>
-        <p:nvSpPr>
-          <p:cNvPr id="10" name="타원 9">
-            <a:extLst>
-              <a:ext uri="{FF2B5EF4-FFF2-40B4-BE49-F238E27FC236}">
-                <a16:creationId xmlns:a16="http://schemas.microsoft.com/office/drawing/2014/main" id="{C2175F0C-BFB6-4C11-9DFA-E03398B86DDD}"/>
-              </a:ext>
-            </a:extLst>
-          </p:cNvPr>
-          <p:cNvSpPr/>
-          <p:nvPr/>
-        </p:nvSpPr>
-        <p:spPr>
-          <a:xfrm>
-            <a:off x="6403108" y="3577692"/>
-            <a:ext cx="236220" cy="229381"/>
-          </a:xfrm>
-          <a:prstGeom prst="ellipse">
-            <a:avLst/>
-          </a:prstGeom>
-        </p:spPr>
-        <p:style>
-          <a:lnRef idx="2">
-            <a:schemeClr val="accent6"/>
-          </a:lnRef>
-          <a:fillRef idx="1">
-            <a:schemeClr val="lt1"/>
-          </a:fillRef>
-          <a:effectRef idx="0">
-            <a:schemeClr val="accent6"/>
-          </a:effectRef>
-          <a:fontRef idx="minor">
-            <a:schemeClr val="dk1"/>
-          </a:fontRef>
-        </p:style>
-        <p:txBody>
-          <a:bodyPr rtlCol="0" anchor="ctr"/>
-          <a:lstStyle/>
-          <a:p>
-            <a:pPr algn="ctr"/>
-            <a:endParaRPr lang="ko-KR" altLang="en-US"/>
-          </a:p>
-        </p:txBody>
-      </p:sp>
-      <p:sp>
-        <p:nvSpPr>
-          <p:cNvPr id="11" name="타원 10">
-            <a:extLst>
-              <a:ext uri="{FF2B5EF4-FFF2-40B4-BE49-F238E27FC236}">
-                <a16:creationId xmlns:a16="http://schemas.microsoft.com/office/drawing/2014/main" id="{05099A18-FB7D-4DDF-AD28-9D2875B7E893}"/>
-              </a:ext>
-            </a:extLst>
-          </p:cNvPr>
-          <p:cNvSpPr/>
-          <p:nvPr/>
-        </p:nvSpPr>
-        <p:spPr>
-          <a:xfrm>
-            <a:off x="6850783" y="3953930"/>
-            <a:ext cx="236220" cy="229381"/>
-          </a:xfrm>
-          <a:prstGeom prst="ellipse">
-            <a:avLst/>
-          </a:prstGeom>
-        </p:spPr>
-        <p:style>
-          <a:lnRef idx="2">
-            <a:schemeClr val="accent6"/>
-          </a:lnRef>
-          <a:fillRef idx="1">
-            <a:schemeClr val="lt1"/>
-          </a:fillRef>
-          <a:effectRef idx="0">
-            <a:schemeClr val="accent6"/>
-          </a:effectRef>
-          <a:fontRef idx="minor">
-            <a:schemeClr val="dk1"/>
-          </a:fontRef>
-        </p:style>
-        <p:txBody>
-          <a:bodyPr rtlCol="0" anchor="ctr"/>
-          <a:lstStyle/>
-          <a:p>
-            <a:pPr algn="ctr"/>
-            <a:endParaRPr lang="ko-KR" altLang="en-US"/>
-          </a:p>
-        </p:txBody>
-      </p:sp>
-      <p:sp>
-        <p:nvSpPr>
-          <p:cNvPr id="12" name="타원 11">
-            <a:extLst>
-              <a:ext uri="{FF2B5EF4-FFF2-40B4-BE49-F238E27FC236}">
-                <a16:creationId xmlns:a16="http://schemas.microsoft.com/office/drawing/2014/main" id="{CBE4B9EB-459D-46BA-9C2D-99ED9297724D}"/>
-              </a:ext>
-            </a:extLst>
-          </p:cNvPr>
-          <p:cNvSpPr/>
-          <p:nvPr/>
-        </p:nvSpPr>
-        <p:spPr>
-          <a:xfrm>
-            <a:off x="7208922" y="4396843"/>
-            <a:ext cx="236220" cy="229381"/>
-          </a:xfrm>
-          <a:prstGeom prst="ellipse">
-            <a:avLst/>
-          </a:prstGeom>
-        </p:spPr>
-        <p:style>
-          <a:lnRef idx="2">
-            <a:schemeClr val="accent6"/>
-          </a:lnRef>
-          <a:fillRef idx="1">
-            <a:schemeClr val="lt1"/>
-          </a:fillRef>
-          <a:effectRef idx="0">
-            <a:schemeClr val="accent6"/>
-          </a:effectRef>
-          <a:fontRef idx="minor">
-            <a:schemeClr val="dk1"/>
-          </a:fontRef>
-        </p:style>
-        <p:txBody>
-          <a:bodyPr rtlCol="0" anchor="ctr"/>
-          <a:lstStyle/>
-          <a:p>
-            <a:pPr algn="ctr"/>
-            <a:endParaRPr lang="ko-KR" altLang="en-US"/>
-          </a:p>
-        </p:txBody>
-      </p:sp>
-      <p:sp>
-        <p:nvSpPr>
-          <p:cNvPr id="13" name="타원 12">
-            <a:extLst>
-              <a:ext uri="{FF2B5EF4-FFF2-40B4-BE49-F238E27FC236}">
-                <a16:creationId xmlns:a16="http://schemas.microsoft.com/office/drawing/2014/main" id="{B7F4FC33-8A6B-4B1F-8447-9DE8E51DD3ED}"/>
-              </a:ext>
-            </a:extLst>
-          </p:cNvPr>
-          <p:cNvSpPr/>
-          <p:nvPr/>
-        </p:nvSpPr>
-        <p:spPr>
-          <a:xfrm>
-            <a:off x="6908885" y="4726236"/>
-            <a:ext cx="236220" cy="229381"/>
-          </a:xfrm>
-          <a:prstGeom prst="ellipse">
-            <a:avLst/>
-          </a:prstGeom>
-        </p:spPr>
-        <p:style>
-          <a:lnRef idx="2">
-            <a:schemeClr val="accent6"/>
-          </a:lnRef>
-          <a:fillRef idx="1">
-            <a:schemeClr val="lt1"/>
-          </a:fillRef>
-          <a:effectRef idx="0">
-            <a:schemeClr val="accent6"/>
-          </a:effectRef>
-          <a:fontRef idx="minor">
-            <a:schemeClr val="dk1"/>
-          </a:fontRef>
-        </p:style>
-        <p:txBody>
-          <a:bodyPr rtlCol="0" anchor="ctr"/>
-          <a:lstStyle/>
-          <a:p>
-            <a:pPr algn="ctr"/>
-            <a:endParaRPr lang="ko-KR" altLang="en-US"/>
-          </a:p>
-        </p:txBody>
-      </p:sp>
-      <p:sp>
-        <p:nvSpPr>
-          <p:cNvPr id="14" name="타원 13">
-            <a:extLst>
-              <a:ext uri="{FF2B5EF4-FFF2-40B4-BE49-F238E27FC236}">
-                <a16:creationId xmlns:a16="http://schemas.microsoft.com/office/drawing/2014/main" id="{9AFF05C3-BA39-4463-90E4-1543F196919B}"/>
-              </a:ext>
-            </a:extLst>
-          </p:cNvPr>
-          <p:cNvSpPr/>
-          <p:nvPr/>
-        </p:nvSpPr>
-        <p:spPr>
-          <a:xfrm>
-            <a:off x="5545858" y="4626224"/>
-            <a:ext cx="236220" cy="229381"/>
-          </a:xfrm>
-          <a:prstGeom prst="ellipse">
-            <a:avLst/>
-          </a:prstGeom>
-        </p:spPr>
-        <p:style>
-          <a:lnRef idx="2">
-            <a:schemeClr val="accent6"/>
-          </a:lnRef>
-          <a:fillRef idx="1">
-            <a:schemeClr val="lt1"/>
-          </a:fillRef>
-          <a:effectRef idx="0">
-            <a:schemeClr val="accent6"/>
-          </a:effectRef>
-          <a:fontRef idx="minor">
-            <a:schemeClr val="dk1"/>
-          </a:fontRef>
-        </p:style>
-        <p:txBody>
-          <a:bodyPr rtlCol="0" anchor="ctr"/>
-          <a:lstStyle/>
-          <a:p>
-            <a:pPr algn="ctr"/>
-            <a:endParaRPr lang="ko-KR" altLang="en-US"/>
-          </a:p>
-        </p:txBody>
-      </p:sp>
-      <p:sp>
-        <p:nvSpPr>
-          <p:cNvPr id="15" name="타원 14">
-            <a:extLst>
-              <a:ext uri="{FF2B5EF4-FFF2-40B4-BE49-F238E27FC236}">
-                <a16:creationId xmlns:a16="http://schemas.microsoft.com/office/drawing/2014/main" id="{CD65E81F-C36F-4A03-8B1F-3A59CF79861E}"/>
-              </a:ext>
-            </a:extLst>
-          </p:cNvPr>
-          <p:cNvSpPr/>
-          <p:nvPr/>
-        </p:nvSpPr>
-        <p:spPr>
-          <a:xfrm>
-            <a:off x="8924824" y="3459463"/>
-            <a:ext cx="236220" cy="229381"/>
-          </a:xfrm>
-          <a:prstGeom prst="ellipse">
-            <a:avLst/>
-          </a:prstGeom>
-        </p:spPr>
-        <p:style>
-          <a:lnRef idx="2">
-            <a:schemeClr val="accent6"/>
-          </a:lnRef>
-          <a:fillRef idx="1">
-            <a:schemeClr val="lt1"/>
-          </a:fillRef>
-          <a:effectRef idx="0">
-            <a:schemeClr val="accent6"/>
-          </a:effectRef>
-          <a:fontRef idx="minor">
-            <a:schemeClr val="dk1"/>
-          </a:fontRef>
-        </p:style>
-        <p:txBody>
-          <a:bodyPr rtlCol="0" anchor="ctr"/>
-          <a:lstStyle/>
-          <a:p>
-            <a:pPr algn="ctr"/>
-            <a:endParaRPr lang="ko-KR" altLang="en-US"/>
-          </a:p>
-        </p:txBody>
-      </p:sp>
-      <p:sp>
-        <p:nvSpPr>
-          <p:cNvPr id="16" name="타원 15">
-            <a:extLst>
-              <a:ext uri="{FF2B5EF4-FFF2-40B4-BE49-F238E27FC236}">
-                <a16:creationId xmlns:a16="http://schemas.microsoft.com/office/drawing/2014/main" id="{64A2EBDD-55BD-4AE3-A7BC-4F1159A3C170}"/>
-              </a:ext>
-            </a:extLst>
-          </p:cNvPr>
-          <p:cNvSpPr/>
-          <p:nvPr/>
-        </p:nvSpPr>
-        <p:spPr>
-          <a:xfrm>
-            <a:off x="7517475" y="2645024"/>
-            <a:ext cx="236220" cy="229381"/>
-          </a:xfrm>
-          <a:prstGeom prst="ellipse">
-            <a:avLst/>
-          </a:prstGeom>
-        </p:spPr>
-        <p:style>
-          <a:lnRef idx="2">
-            <a:schemeClr val="accent6"/>
-          </a:lnRef>
-          <a:fillRef idx="1">
-            <a:schemeClr val="lt1"/>
-          </a:fillRef>
-          <a:effectRef idx="0">
-            <a:schemeClr val="accent6"/>
-          </a:effectRef>
-          <a:fontRef idx="minor">
-            <a:schemeClr val="dk1"/>
-          </a:fontRef>
-        </p:style>
-        <p:txBody>
-          <a:bodyPr rtlCol="0" anchor="ctr"/>
-          <a:lstStyle/>
-          <a:p>
-            <a:pPr algn="ctr"/>
-            <a:endParaRPr lang="ko-KR" altLang="en-US"/>
-          </a:p>
-        </p:txBody>
-      </p:sp>
-      <p:sp>
-        <p:nvSpPr>
-          <p:cNvPr id="17" name="타원 16">
-            <a:extLst>
-              <a:ext uri="{FF2B5EF4-FFF2-40B4-BE49-F238E27FC236}">
-                <a16:creationId xmlns:a16="http://schemas.microsoft.com/office/drawing/2014/main" id="{8271486A-1A1C-4BB8-95B8-064C4C2E7CC9}"/>
-              </a:ext>
-            </a:extLst>
-          </p:cNvPr>
-          <p:cNvSpPr/>
-          <p:nvPr/>
-        </p:nvSpPr>
-        <p:spPr>
-          <a:xfrm>
-            <a:off x="7794710" y="3126036"/>
-            <a:ext cx="236220" cy="229381"/>
-          </a:xfrm>
-          <a:prstGeom prst="ellipse">
-            <a:avLst/>
-          </a:prstGeom>
-        </p:spPr>
-        <p:style>
-          <a:lnRef idx="2">
-            <a:schemeClr val="accent6"/>
-          </a:lnRef>
-          <a:fillRef idx="1">
-            <a:schemeClr val="lt1"/>
-          </a:fillRef>
-          <a:effectRef idx="0">
-            <a:schemeClr val="accent6"/>
-          </a:effectRef>
-          <a:fontRef idx="minor">
-            <a:schemeClr val="dk1"/>
-          </a:fontRef>
-        </p:style>
-        <p:txBody>
-          <a:bodyPr rtlCol="0" anchor="ctr"/>
-          <a:lstStyle/>
-          <a:p>
-            <a:pPr algn="ctr"/>
-            <a:endParaRPr lang="ko-KR" altLang="en-US"/>
-          </a:p>
-        </p:txBody>
-      </p:sp>
-      <p:sp>
-        <p:nvSpPr>
-          <p:cNvPr id="18" name="타원 17">
-            <a:extLst>
-              <a:ext uri="{FF2B5EF4-FFF2-40B4-BE49-F238E27FC236}">
-                <a16:creationId xmlns:a16="http://schemas.microsoft.com/office/drawing/2014/main" id="{3D73E149-A34A-41B4-8260-A1FC2D3F8B54}"/>
-              </a:ext>
-            </a:extLst>
-          </p:cNvPr>
-          <p:cNvSpPr/>
-          <p:nvPr/>
-        </p:nvSpPr>
-        <p:spPr>
-          <a:xfrm>
-            <a:off x="6645995" y="2797424"/>
-            <a:ext cx="236220" cy="229381"/>
-          </a:xfrm>
-          <a:prstGeom prst="ellipse">
-            <a:avLst/>
-          </a:prstGeom>
-        </p:spPr>
-        <p:style>
-          <a:lnRef idx="2">
-            <a:schemeClr val="accent6"/>
-          </a:lnRef>
-          <a:fillRef idx="1">
-            <a:schemeClr val="lt1"/>
-          </a:fillRef>
-          <a:effectRef idx="0">
-            <a:schemeClr val="accent6"/>
-          </a:effectRef>
-          <a:fontRef idx="minor">
-            <a:schemeClr val="dk1"/>
-          </a:fontRef>
-        </p:style>
-        <p:txBody>
-          <a:bodyPr rtlCol="0" anchor="ctr"/>
-          <a:lstStyle/>
-          <a:p>
-            <a:pPr algn="ctr"/>
-            <a:endParaRPr lang="ko-KR" altLang="en-US"/>
-          </a:p>
-        </p:txBody>
-      </p:sp>
-      <p:sp>
-        <p:nvSpPr>
-          <p:cNvPr id="19" name="타원 18">
-            <a:extLst>
-              <a:ext uri="{FF2B5EF4-FFF2-40B4-BE49-F238E27FC236}">
-                <a16:creationId xmlns:a16="http://schemas.microsoft.com/office/drawing/2014/main" id="{69F2E55C-2B57-4682-B288-2B177D0BDA98}"/>
-              </a:ext>
-            </a:extLst>
-          </p:cNvPr>
-          <p:cNvSpPr/>
-          <p:nvPr/>
-        </p:nvSpPr>
-        <p:spPr>
-          <a:xfrm>
-            <a:off x="8767213" y="4106551"/>
-            <a:ext cx="236220" cy="229381"/>
-          </a:xfrm>
-          <a:prstGeom prst="ellipse">
-            <a:avLst/>
-          </a:prstGeom>
-        </p:spPr>
-        <p:style>
-          <a:lnRef idx="2">
-            <a:schemeClr val="accent6"/>
-          </a:lnRef>
-          <a:fillRef idx="1">
-            <a:schemeClr val="lt1"/>
-          </a:fillRef>
-          <a:effectRef idx="0">
-            <a:schemeClr val="accent6"/>
-          </a:effectRef>
-          <a:fontRef idx="minor">
-            <a:schemeClr val="dk1"/>
-          </a:fontRef>
-        </p:style>
-        <p:txBody>
-          <a:bodyPr rtlCol="0" anchor="ctr"/>
-          <a:lstStyle/>
-          <a:p>
-            <a:pPr algn="ctr"/>
-            <a:endParaRPr lang="ko-KR" altLang="en-US"/>
-          </a:p>
-        </p:txBody>
-      </p:sp>
-      <p:sp>
-        <p:nvSpPr>
-          <p:cNvPr id="20" name="타원 19">
-            <a:extLst>
-              <a:ext uri="{FF2B5EF4-FFF2-40B4-BE49-F238E27FC236}">
-                <a16:creationId xmlns:a16="http://schemas.microsoft.com/office/drawing/2014/main" id="{E47EBACE-8207-4F23-AF37-40FA71528483}"/>
-              </a:ext>
-            </a:extLst>
-          </p:cNvPr>
-          <p:cNvSpPr/>
-          <p:nvPr/>
-        </p:nvSpPr>
-        <p:spPr>
-          <a:xfrm>
-            <a:off x="8717626" y="4511533"/>
-            <a:ext cx="236220" cy="229381"/>
-          </a:xfrm>
-          <a:prstGeom prst="ellipse">
-            <a:avLst/>
-          </a:prstGeom>
-        </p:spPr>
-        <p:style>
-          <a:lnRef idx="2">
-            <a:schemeClr val="accent6"/>
-          </a:lnRef>
-          <a:fillRef idx="1">
-            <a:schemeClr val="lt1"/>
-          </a:fillRef>
-          <a:effectRef idx="0">
-            <a:schemeClr val="accent6"/>
-          </a:effectRef>
-          <a:fontRef idx="minor">
-            <a:schemeClr val="dk1"/>
-          </a:fontRef>
-        </p:style>
-        <p:txBody>
-          <a:bodyPr rtlCol="0" anchor="ctr"/>
-          <a:lstStyle/>
-          <a:p>
-            <a:pPr algn="ctr"/>
-            <a:endParaRPr lang="ko-KR" altLang="en-US"/>
-          </a:p>
-        </p:txBody>
-      </p:sp>
-      <p:sp>
-        <p:nvSpPr>
-          <p:cNvPr id="21" name="타원 20">
-            <a:extLst>
-              <a:ext uri="{FF2B5EF4-FFF2-40B4-BE49-F238E27FC236}">
-                <a16:creationId xmlns:a16="http://schemas.microsoft.com/office/drawing/2014/main" id="{40CD71E5-166E-4581-9311-7588D44C5BE1}"/>
-              </a:ext>
-            </a:extLst>
-          </p:cNvPr>
-          <p:cNvSpPr/>
-          <p:nvPr/>
-        </p:nvSpPr>
-        <p:spPr>
-          <a:xfrm>
-            <a:off x="8481406" y="5163774"/>
-            <a:ext cx="236220" cy="229381"/>
-          </a:xfrm>
-          <a:prstGeom prst="ellipse">
-            <a:avLst/>
-          </a:prstGeom>
-        </p:spPr>
-        <p:style>
-          <a:lnRef idx="2">
-            <a:schemeClr val="accent6"/>
-          </a:lnRef>
-          <a:fillRef idx="1">
-            <a:schemeClr val="lt1"/>
-          </a:fillRef>
-          <a:effectRef idx="0">
-            <a:schemeClr val="accent6"/>
-          </a:effectRef>
-          <a:fontRef idx="minor">
-            <a:schemeClr val="dk1"/>
-          </a:fontRef>
-        </p:style>
-        <p:txBody>
-          <a:bodyPr rtlCol="0" anchor="ctr"/>
-          <a:lstStyle/>
-          <a:p>
-            <a:pPr algn="ctr"/>
-            <a:endParaRPr lang="ko-KR" altLang="en-US"/>
-          </a:p>
-        </p:txBody>
-      </p:sp>
-      <p:sp>
-        <p:nvSpPr>
-          <p:cNvPr id="22" name="타원 21">
-            <a:extLst>
-              <a:ext uri="{FF2B5EF4-FFF2-40B4-BE49-F238E27FC236}">
-                <a16:creationId xmlns:a16="http://schemas.microsoft.com/office/drawing/2014/main" id="{0F95D2CE-1979-4B15-BC3F-92A0E50E35F5}"/>
-              </a:ext>
-            </a:extLst>
-          </p:cNvPr>
-          <p:cNvSpPr/>
-          <p:nvPr/>
-        </p:nvSpPr>
-        <p:spPr>
-          <a:xfrm>
-            <a:off x="9140088" y="4955617"/>
-            <a:ext cx="236220" cy="229381"/>
-          </a:xfrm>
-          <a:prstGeom prst="ellipse">
-            <a:avLst/>
-          </a:prstGeom>
-        </p:spPr>
-        <p:style>
-          <a:lnRef idx="2">
-            <a:schemeClr val="accent6"/>
-          </a:lnRef>
-          <a:fillRef idx="1">
-            <a:schemeClr val="lt1"/>
-          </a:fillRef>
-          <a:effectRef idx="0">
-            <a:schemeClr val="accent6"/>
-          </a:effectRef>
-          <a:fontRef idx="minor">
-            <a:schemeClr val="dk1"/>
-          </a:fontRef>
-        </p:style>
-        <p:txBody>
-          <a:bodyPr rtlCol="0" anchor="ctr"/>
-          <a:lstStyle/>
-          <a:p>
-            <a:pPr algn="ctr"/>
-            <a:endParaRPr lang="ko-KR" altLang="en-US"/>
-          </a:p>
-        </p:txBody>
-      </p:sp>
-      <p:sp>
-        <p:nvSpPr>
-          <p:cNvPr id="25" name="사각형: 둥근 모서리 24">
-            <a:extLst>
-              <a:ext uri="{FF2B5EF4-FFF2-40B4-BE49-F238E27FC236}">
-                <a16:creationId xmlns:a16="http://schemas.microsoft.com/office/drawing/2014/main" id="{AEE0709E-7793-4163-B837-C3558E42D36F}"/>
-              </a:ext>
-            </a:extLst>
-          </p:cNvPr>
-          <p:cNvSpPr/>
-          <p:nvPr/>
-        </p:nvSpPr>
-        <p:spPr>
-          <a:xfrm>
-            <a:off x="0" y="7531018"/>
-            <a:ext cx="5143500" cy="1612981"/>
-          </a:xfrm>
-          <a:prstGeom prst="roundRect">
-            <a:avLst/>
-          </a:prstGeom>
-          <a:solidFill>
-            <a:schemeClr val="bg1"/>
-          </a:solidFill>
-        </p:spPr>
-        <p:style>
-          <a:lnRef idx="2">
-            <a:schemeClr val="accent1">
-              <a:shade val="50000"/>
-            </a:schemeClr>
-          </a:lnRef>
-          <a:fillRef idx="1">
-            <a:schemeClr val="accent1"/>
-          </a:fillRef>
-          <a:effectRef idx="0">
-            <a:schemeClr val="accent1"/>
-          </a:effectRef>
-          <a:fontRef idx="minor">
-            <a:schemeClr val="lt1"/>
-          </a:fontRef>
-        </p:style>
-        <p:txBody>
-          <a:bodyPr rtlCol="0" anchor="ctr"/>
-          <a:lstStyle/>
-          <a:p>
-            <a:pPr algn="ctr"/>
-            <a:endParaRPr lang="ko-KR" altLang="en-US" dirty="0"/>
-          </a:p>
-        </p:txBody>
-      </p:sp>
-      <p:sp>
-        <p:nvSpPr>
-          <p:cNvPr id="32" name="TextBox 31">
-            <a:extLst>
-              <a:ext uri="{FF2B5EF4-FFF2-40B4-BE49-F238E27FC236}">
-                <a16:creationId xmlns:a16="http://schemas.microsoft.com/office/drawing/2014/main" id="{A4DF6EA8-EC07-43BA-A80A-8C2A9144B629}"/>
-              </a:ext>
-            </a:extLst>
-          </p:cNvPr>
-          <p:cNvSpPr txBox="1"/>
-          <p:nvPr/>
-        </p:nvSpPr>
-        <p:spPr>
-          <a:xfrm>
-            <a:off x="214149" y="7628833"/>
-            <a:ext cx="2775119" cy="369332"/>
-          </a:xfrm>
-          <a:prstGeom prst="rect">
-            <a:avLst/>
-          </a:prstGeom>
-          <a:noFill/>
-        </p:spPr>
-        <p:txBody>
-          <a:bodyPr wrap="none" rtlCol="0">
-            <a:spAutoFit/>
-          </a:bodyPr>
-          <a:lstStyle/>
-          <a:p>
-            <a:r>
-              <a:rPr lang="ko-KR" altLang="en-US" dirty="0"/>
-              <a:t>검색한 강의실 이름 </a:t>
-            </a:r>
-            <a:r>
-              <a:rPr lang="en-US" altLang="ko-KR" dirty="0"/>
-              <a:t>- </a:t>
-            </a:r>
-            <a:r>
-              <a:rPr lang="ko-KR" altLang="en-US" dirty="0"/>
-              <a:t>번호</a:t>
-            </a:r>
-          </a:p>
-        </p:txBody>
-      </p:sp>
       <p:grpSp>
         <p:nvGrpSpPr>
-          <p:cNvPr id="23" name="그룹 22">
-            <a:extLst>
-              <a:ext uri="{FF2B5EF4-FFF2-40B4-BE49-F238E27FC236}">
-                <a16:creationId xmlns:a16="http://schemas.microsoft.com/office/drawing/2014/main" id="{0A431B97-6F3C-4C7B-99A9-59A7A1279C45}"/>
+          <p:cNvPr id="33" name="그룹 32">
+            <a:extLst>
+              <a:ext uri="{FF2B5EF4-FFF2-40B4-BE49-F238E27FC236}">
+                <a16:creationId xmlns:a16="http://schemas.microsoft.com/office/drawing/2014/main" id="{05DF51F7-45DD-4801-B71A-EF192521F189}"/>
               </a:ext>
             </a:extLst>
           </p:cNvPr>
@@ -9674,7 +8708,7 @@
         </p:nvGrpSpPr>
         <p:grpSpPr>
           <a:xfrm>
-            <a:off x="4505899" y="0"/>
+            <a:off x="4494882" y="0"/>
             <a:ext cx="637601" cy="622525"/>
             <a:chOff x="4505899" y="0"/>
             <a:chExt cx="637601" cy="622525"/>
@@ -9682,10 +8716,10 @@
         </p:grpSpPr>
         <p:sp>
           <p:nvSpPr>
-            <p:cNvPr id="2" name="순서도: 대체 처리 1">
+            <p:cNvPr id="34" name="순서도: 대체 처리 33">
               <a:extLst>
                 <a:ext uri="{FF2B5EF4-FFF2-40B4-BE49-F238E27FC236}">
-                  <a16:creationId xmlns:a16="http://schemas.microsoft.com/office/drawing/2014/main" id="{990CEF20-5D2F-4E30-91FC-3DA85F942919}"/>
+                  <a16:creationId xmlns:a16="http://schemas.microsoft.com/office/drawing/2014/main" id="{79FCE44E-D07A-430B-BF84-530087D7D1F5}"/>
                 </a:ext>
               </a:extLst>
             </p:cNvPr>
@@ -9731,10 +8765,10 @@
         </p:sp>
         <p:pic>
           <p:nvPicPr>
-            <p:cNvPr id="7" name="그래픽 6" descr="돋보기 단색으로 채워진">
+            <p:cNvPr id="35" name="그래픽 34" descr="돋보기 단색으로 채워진">
               <a:extLst>
                 <a:ext uri="{FF2B5EF4-FFF2-40B4-BE49-F238E27FC236}">
-                  <a16:creationId xmlns:a16="http://schemas.microsoft.com/office/drawing/2014/main" id="{B82E5C64-4949-4EF2-900B-E2CD4DE095D7}"/>
+                  <a16:creationId xmlns:a16="http://schemas.microsoft.com/office/drawing/2014/main" id="{AE0EB0AB-61AD-4093-B4EB-F70D34B8A37F}"/>
                 </a:ext>
               </a:extLst>
             </p:cNvPr>
@@ -9744,13 +8778,13 @@
             <p:nvPr/>
           </p:nvPicPr>
           <p:blipFill>
-            <a:blip r:embed="rId3">
+            <a:blip r:embed="rId9">
               <a:extLst>
                 <a:ext uri="{28A0092B-C50C-407E-A947-70E740481C1C}">
                   <a14:useLocalDpi xmlns:a14="http://schemas.microsoft.com/office/drawing/2010/main" val="0"/>
                 </a:ext>
                 <a:ext uri="{96DAC541-7B7A-43D3-8B79-37D633B846F1}">
-                  <asvg:svgBlip xmlns:asvg="http://schemas.microsoft.com/office/drawing/2016/SVG/main" r:embed="rId4"/>
+                  <asvg:svgBlip xmlns:asvg="http://schemas.microsoft.com/office/drawing/2016/SVG/main" r:embed="rId10"/>
                 </a:ext>
               </a:extLst>
             </a:blip>
@@ -9769,6 +8803,812 @@
           </p:spPr>
         </p:pic>
       </p:grpSp>
+      <p:sp>
+        <p:nvSpPr>
+          <p:cNvPr id="39" name="사각형: 둥근 모서리 38">
+            <a:extLst>
+              <a:ext uri="{FF2B5EF4-FFF2-40B4-BE49-F238E27FC236}">
+                <a16:creationId xmlns:a16="http://schemas.microsoft.com/office/drawing/2014/main" id="{F46F93A1-9DD3-46E7-B798-3DED9498B2EC}"/>
+              </a:ext>
+            </a:extLst>
+          </p:cNvPr>
+          <p:cNvSpPr/>
+          <p:nvPr/>
+        </p:nvSpPr>
+        <p:spPr>
+          <a:xfrm>
+            <a:off x="0" y="7531018"/>
+            <a:ext cx="5132483" cy="1589647"/>
+          </a:xfrm>
+          <a:prstGeom prst="roundRect">
+            <a:avLst/>
+          </a:prstGeom>
+          <a:noFill/>
+        </p:spPr>
+        <p:style>
+          <a:lnRef idx="2">
+            <a:schemeClr val="accent1">
+              <a:shade val="50000"/>
+            </a:schemeClr>
+          </a:lnRef>
+          <a:fillRef idx="1">
+            <a:schemeClr val="accent1"/>
+          </a:fillRef>
+          <a:effectRef idx="0">
+            <a:schemeClr val="accent1"/>
+          </a:effectRef>
+          <a:fontRef idx="minor">
+            <a:schemeClr val="lt1"/>
+          </a:fontRef>
+        </p:style>
+        <p:txBody>
+          <a:bodyPr rtlCol="0" anchor="ctr"/>
+          <a:lstStyle/>
+          <a:p>
+            <a:pPr algn="ctr"/>
+            <a:endParaRPr lang="ko-KR" altLang="en-US"/>
+          </a:p>
+        </p:txBody>
+      </p:sp>
+    </p:spTree>
+    <p:extLst>
+      <p:ext uri="{BB962C8B-B14F-4D97-AF65-F5344CB8AC3E}">
+        <p14:creationId xmlns:p14="http://schemas.microsoft.com/office/powerpoint/2010/main" val="1221963465"/>
+      </p:ext>
+    </p:extLst>
+  </p:cSld>
+  <p:clrMapOvr>
+    <a:masterClrMapping/>
+  </p:clrMapOvr>
+</p:sld>
+</file>
+
+<file path=ppt/slides/slide6.xml><?xml version="1.0" encoding="utf-8"?>
+<p:sld xmlns:a="http://schemas.openxmlformats.org/drawingml/2006/main" xmlns:r="http://schemas.openxmlformats.org/officeDocument/2006/relationships" xmlns:p="http://schemas.openxmlformats.org/presentationml/2006/main">
+  <p:cSld>
+    <p:spTree>
+      <p:nvGrpSpPr>
+        <p:cNvPr id="1" name=""/>
+        <p:cNvGrpSpPr/>
+        <p:nvPr/>
+      </p:nvGrpSpPr>
+      <p:grpSpPr>
+        <a:xfrm>
+          <a:off x="0" y="0"/>
+          <a:ext cx="0" cy="0"/>
+          <a:chOff x="0" y="0"/>
+          <a:chExt cx="0" cy="0"/>
+        </a:xfrm>
+      </p:grpSpPr>
+      <p:pic>
+        <p:nvPicPr>
+          <p:cNvPr id="4" name="그림 3" descr="지도이(가) 표시된 사진&#10;&#10;자동 생성된 설명">
+            <a:extLst>
+              <a:ext uri="{FF2B5EF4-FFF2-40B4-BE49-F238E27FC236}">
+                <a16:creationId xmlns:a16="http://schemas.microsoft.com/office/drawing/2014/main" id="{FB194A60-CF7F-4718-84CF-8997B1A48449}"/>
+              </a:ext>
+            </a:extLst>
+          </p:cNvPr>
+          <p:cNvPicPr>
+            <a:picLocks noChangeAspect="1"/>
+          </p:cNvPicPr>
+          <p:nvPr/>
+        </p:nvPicPr>
+        <p:blipFill rotWithShape="1">
+          <a:blip r:embed="rId2">
+            <a:extLst>
+              <a:ext uri="{28A0092B-C50C-407E-A947-70E740481C1C}">
+                <a14:useLocalDpi xmlns:a14="http://schemas.microsoft.com/office/drawing/2010/main" val="0"/>
+              </a:ext>
+            </a:extLst>
+          </a:blip>
+          <a:srcRect t="13310" b="24698"/>
+          <a:stretch/>
+        </p:blipFill>
+        <p:spPr>
+          <a:xfrm>
+            <a:off x="1" y="622526"/>
+            <a:ext cx="5143499" cy="6908493"/>
+          </a:xfrm>
+          <a:prstGeom prst="rect">
+            <a:avLst/>
+          </a:prstGeom>
+        </p:spPr>
+      </p:pic>
+      <p:sp>
+        <p:nvSpPr>
+          <p:cNvPr id="6" name="TextBox 5">
+            <a:extLst>
+              <a:ext uri="{FF2B5EF4-FFF2-40B4-BE49-F238E27FC236}">
+                <a16:creationId xmlns:a16="http://schemas.microsoft.com/office/drawing/2014/main" id="{83A3AC0A-1B4E-4D47-8AAA-5E9078CED316}"/>
+              </a:ext>
+            </a:extLst>
+          </p:cNvPr>
+          <p:cNvSpPr txBox="1"/>
+          <p:nvPr/>
+        </p:nvSpPr>
+        <p:spPr>
+          <a:xfrm>
+            <a:off x="952556" y="122488"/>
+            <a:ext cx="3238387" cy="369332"/>
+          </a:xfrm>
+          <a:prstGeom prst="rect">
+            <a:avLst/>
+          </a:prstGeom>
+          <a:noFill/>
+        </p:spPr>
+        <p:txBody>
+          <a:bodyPr wrap="none" rtlCol="0">
+            <a:spAutoFit/>
+          </a:bodyPr>
+          <a:lstStyle/>
+          <a:p>
+            <a:r>
+              <a:rPr lang="ko-KR" altLang="en-US" dirty="0"/>
+              <a:t>성균관대학교 자연과학캠퍼스</a:t>
+            </a:r>
+          </a:p>
+        </p:txBody>
+      </p:sp>
+      <p:sp>
+        <p:nvSpPr>
+          <p:cNvPr id="9" name="타원 8">
+            <a:extLst>
+              <a:ext uri="{FF2B5EF4-FFF2-40B4-BE49-F238E27FC236}">
+                <a16:creationId xmlns:a16="http://schemas.microsoft.com/office/drawing/2014/main" id="{AB6B584B-2E03-4BD6-AA43-826515B44D8E}"/>
+              </a:ext>
+            </a:extLst>
+          </p:cNvPr>
+          <p:cNvSpPr/>
+          <p:nvPr/>
+        </p:nvSpPr>
+        <p:spPr>
+          <a:xfrm>
+            <a:off x="6026870" y="3196692"/>
+            <a:ext cx="236220" cy="229381"/>
+          </a:xfrm>
+          <a:prstGeom prst="ellipse">
+            <a:avLst/>
+          </a:prstGeom>
+        </p:spPr>
+        <p:style>
+          <a:lnRef idx="2">
+            <a:schemeClr val="accent6"/>
+          </a:lnRef>
+          <a:fillRef idx="1">
+            <a:schemeClr val="lt1"/>
+          </a:fillRef>
+          <a:effectRef idx="0">
+            <a:schemeClr val="accent6"/>
+          </a:effectRef>
+          <a:fontRef idx="minor">
+            <a:schemeClr val="dk1"/>
+          </a:fontRef>
+        </p:style>
+        <p:txBody>
+          <a:bodyPr rtlCol="0" anchor="ctr"/>
+          <a:lstStyle/>
+          <a:p>
+            <a:pPr algn="ctr"/>
+            <a:endParaRPr lang="ko-KR" altLang="en-US"/>
+          </a:p>
+        </p:txBody>
+      </p:sp>
+      <p:sp>
+        <p:nvSpPr>
+          <p:cNvPr id="10" name="타원 9">
+            <a:extLst>
+              <a:ext uri="{FF2B5EF4-FFF2-40B4-BE49-F238E27FC236}">
+                <a16:creationId xmlns:a16="http://schemas.microsoft.com/office/drawing/2014/main" id="{C2175F0C-BFB6-4C11-9DFA-E03398B86DDD}"/>
+              </a:ext>
+            </a:extLst>
+          </p:cNvPr>
+          <p:cNvSpPr/>
+          <p:nvPr/>
+        </p:nvSpPr>
+        <p:spPr>
+          <a:xfrm>
+            <a:off x="6403108" y="3577692"/>
+            <a:ext cx="236220" cy="229381"/>
+          </a:xfrm>
+          <a:prstGeom prst="ellipse">
+            <a:avLst/>
+          </a:prstGeom>
+        </p:spPr>
+        <p:style>
+          <a:lnRef idx="2">
+            <a:schemeClr val="accent6"/>
+          </a:lnRef>
+          <a:fillRef idx="1">
+            <a:schemeClr val="lt1"/>
+          </a:fillRef>
+          <a:effectRef idx="0">
+            <a:schemeClr val="accent6"/>
+          </a:effectRef>
+          <a:fontRef idx="minor">
+            <a:schemeClr val="dk1"/>
+          </a:fontRef>
+        </p:style>
+        <p:txBody>
+          <a:bodyPr rtlCol="0" anchor="ctr"/>
+          <a:lstStyle/>
+          <a:p>
+            <a:pPr algn="ctr"/>
+            <a:endParaRPr lang="ko-KR" altLang="en-US"/>
+          </a:p>
+        </p:txBody>
+      </p:sp>
+      <p:sp>
+        <p:nvSpPr>
+          <p:cNvPr id="11" name="타원 10">
+            <a:extLst>
+              <a:ext uri="{FF2B5EF4-FFF2-40B4-BE49-F238E27FC236}">
+                <a16:creationId xmlns:a16="http://schemas.microsoft.com/office/drawing/2014/main" id="{05099A18-FB7D-4DDF-AD28-9D2875B7E893}"/>
+              </a:ext>
+            </a:extLst>
+          </p:cNvPr>
+          <p:cNvSpPr/>
+          <p:nvPr/>
+        </p:nvSpPr>
+        <p:spPr>
+          <a:xfrm>
+            <a:off x="6850783" y="3953930"/>
+            <a:ext cx="236220" cy="229381"/>
+          </a:xfrm>
+          <a:prstGeom prst="ellipse">
+            <a:avLst/>
+          </a:prstGeom>
+        </p:spPr>
+        <p:style>
+          <a:lnRef idx="2">
+            <a:schemeClr val="accent6"/>
+          </a:lnRef>
+          <a:fillRef idx="1">
+            <a:schemeClr val="lt1"/>
+          </a:fillRef>
+          <a:effectRef idx="0">
+            <a:schemeClr val="accent6"/>
+          </a:effectRef>
+          <a:fontRef idx="minor">
+            <a:schemeClr val="dk1"/>
+          </a:fontRef>
+        </p:style>
+        <p:txBody>
+          <a:bodyPr rtlCol="0" anchor="ctr"/>
+          <a:lstStyle/>
+          <a:p>
+            <a:pPr algn="ctr"/>
+            <a:endParaRPr lang="ko-KR" altLang="en-US"/>
+          </a:p>
+        </p:txBody>
+      </p:sp>
+      <p:sp>
+        <p:nvSpPr>
+          <p:cNvPr id="12" name="타원 11">
+            <a:extLst>
+              <a:ext uri="{FF2B5EF4-FFF2-40B4-BE49-F238E27FC236}">
+                <a16:creationId xmlns:a16="http://schemas.microsoft.com/office/drawing/2014/main" id="{CBE4B9EB-459D-46BA-9C2D-99ED9297724D}"/>
+              </a:ext>
+            </a:extLst>
+          </p:cNvPr>
+          <p:cNvSpPr/>
+          <p:nvPr/>
+        </p:nvSpPr>
+        <p:spPr>
+          <a:xfrm>
+            <a:off x="7208922" y="4396843"/>
+            <a:ext cx="236220" cy="229381"/>
+          </a:xfrm>
+          <a:prstGeom prst="ellipse">
+            <a:avLst/>
+          </a:prstGeom>
+        </p:spPr>
+        <p:style>
+          <a:lnRef idx="2">
+            <a:schemeClr val="accent6"/>
+          </a:lnRef>
+          <a:fillRef idx="1">
+            <a:schemeClr val="lt1"/>
+          </a:fillRef>
+          <a:effectRef idx="0">
+            <a:schemeClr val="accent6"/>
+          </a:effectRef>
+          <a:fontRef idx="minor">
+            <a:schemeClr val="dk1"/>
+          </a:fontRef>
+        </p:style>
+        <p:txBody>
+          <a:bodyPr rtlCol="0" anchor="ctr"/>
+          <a:lstStyle/>
+          <a:p>
+            <a:pPr algn="ctr"/>
+            <a:endParaRPr lang="ko-KR" altLang="en-US"/>
+          </a:p>
+        </p:txBody>
+      </p:sp>
+      <p:sp>
+        <p:nvSpPr>
+          <p:cNvPr id="13" name="타원 12">
+            <a:extLst>
+              <a:ext uri="{FF2B5EF4-FFF2-40B4-BE49-F238E27FC236}">
+                <a16:creationId xmlns:a16="http://schemas.microsoft.com/office/drawing/2014/main" id="{B7F4FC33-8A6B-4B1F-8447-9DE8E51DD3ED}"/>
+              </a:ext>
+            </a:extLst>
+          </p:cNvPr>
+          <p:cNvSpPr/>
+          <p:nvPr/>
+        </p:nvSpPr>
+        <p:spPr>
+          <a:xfrm>
+            <a:off x="6908885" y="4726236"/>
+            <a:ext cx="236220" cy="229381"/>
+          </a:xfrm>
+          <a:prstGeom prst="ellipse">
+            <a:avLst/>
+          </a:prstGeom>
+        </p:spPr>
+        <p:style>
+          <a:lnRef idx="2">
+            <a:schemeClr val="accent6"/>
+          </a:lnRef>
+          <a:fillRef idx="1">
+            <a:schemeClr val="lt1"/>
+          </a:fillRef>
+          <a:effectRef idx="0">
+            <a:schemeClr val="accent6"/>
+          </a:effectRef>
+          <a:fontRef idx="minor">
+            <a:schemeClr val="dk1"/>
+          </a:fontRef>
+        </p:style>
+        <p:txBody>
+          <a:bodyPr rtlCol="0" anchor="ctr"/>
+          <a:lstStyle/>
+          <a:p>
+            <a:pPr algn="ctr"/>
+            <a:endParaRPr lang="ko-KR" altLang="en-US"/>
+          </a:p>
+        </p:txBody>
+      </p:sp>
+      <p:sp>
+        <p:nvSpPr>
+          <p:cNvPr id="14" name="타원 13">
+            <a:extLst>
+              <a:ext uri="{FF2B5EF4-FFF2-40B4-BE49-F238E27FC236}">
+                <a16:creationId xmlns:a16="http://schemas.microsoft.com/office/drawing/2014/main" id="{9AFF05C3-BA39-4463-90E4-1543F196919B}"/>
+              </a:ext>
+            </a:extLst>
+          </p:cNvPr>
+          <p:cNvSpPr/>
+          <p:nvPr/>
+        </p:nvSpPr>
+        <p:spPr>
+          <a:xfrm>
+            <a:off x="5545858" y="4626224"/>
+            <a:ext cx="236220" cy="229381"/>
+          </a:xfrm>
+          <a:prstGeom prst="ellipse">
+            <a:avLst/>
+          </a:prstGeom>
+        </p:spPr>
+        <p:style>
+          <a:lnRef idx="2">
+            <a:schemeClr val="accent6"/>
+          </a:lnRef>
+          <a:fillRef idx="1">
+            <a:schemeClr val="lt1"/>
+          </a:fillRef>
+          <a:effectRef idx="0">
+            <a:schemeClr val="accent6"/>
+          </a:effectRef>
+          <a:fontRef idx="minor">
+            <a:schemeClr val="dk1"/>
+          </a:fontRef>
+        </p:style>
+        <p:txBody>
+          <a:bodyPr rtlCol="0" anchor="ctr"/>
+          <a:lstStyle/>
+          <a:p>
+            <a:pPr algn="ctr"/>
+            <a:endParaRPr lang="ko-KR" altLang="en-US"/>
+          </a:p>
+        </p:txBody>
+      </p:sp>
+      <p:sp>
+        <p:nvSpPr>
+          <p:cNvPr id="15" name="타원 14">
+            <a:extLst>
+              <a:ext uri="{FF2B5EF4-FFF2-40B4-BE49-F238E27FC236}">
+                <a16:creationId xmlns:a16="http://schemas.microsoft.com/office/drawing/2014/main" id="{CD65E81F-C36F-4A03-8B1F-3A59CF79861E}"/>
+              </a:ext>
+            </a:extLst>
+          </p:cNvPr>
+          <p:cNvSpPr/>
+          <p:nvPr/>
+        </p:nvSpPr>
+        <p:spPr>
+          <a:xfrm>
+            <a:off x="8924824" y="3459463"/>
+            <a:ext cx="236220" cy="229381"/>
+          </a:xfrm>
+          <a:prstGeom prst="ellipse">
+            <a:avLst/>
+          </a:prstGeom>
+        </p:spPr>
+        <p:style>
+          <a:lnRef idx="2">
+            <a:schemeClr val="accent6"/>
+          </a:lnRef>
+          <a:fillRef idx="1">
+            <a:schemeClr val="lt1"/>
+          </a:fillRef>
+          <a:effectRef idx="0">
+            <a:schemeClr val="accent6"/>
+          </a:effectRef>
+          <a:fontRef idx="minor">
+            <a:schemeClr val="dk1"/>
+          </a:fontRef>
+        </p:style>
+        <p:txBody>
+          <a:bodyPr rtlCol="0" anchor="ctr"/>
+          <a:lstStyle/>
+          <a:p>
+            <a:pPr algn="ctr"/>
+            <a:endParaRPr lang="ko-KR" altLang="en-US"/>
+          </a:p>
+        </p:txBody>
+      </p:sp>
+      <p:sp>
+        <p:nvSpPr>
+          <p:cNvPr id="16" name="타원 15">
+            <a:extLst>
+              <a:ext uri="{FF2B5EF4-FFF2-40B4-BE49-F238E27FC236}">
+                <a16:creationId xmlns:a16="http://schemas.microsoft.com/office/drawing/2014/main" id="{64A2EBDD-55BD-4AE3-A7BC-4F1159A3C170}"/>
+              </a:ext>
+            </a:extLst>
+          </p:cNvPr>
+          <p:cNvSpPr/>
+          <p:nvPr/>
+        </p:nvSpPr>
+        <p:spPr>
+          <a:xfrm>
+            <a:off x="7517475" y="2645024"/>
+            <a:ext cx="236220" cy="229381"/>
+          </a:xfrm>
+          <a:prstGeom prst="ellipse">
+            <a:avLst/>
+          </a:prstGeom>
+        </p:spPr>
+        <p:style>
+          <a:lnRef idx="2">
+            <a:schemeClr val="accent6"/>
+          </a:lnRef>
+          <a:fillRef idx="1">
+            <a:schemeClr val="lt1"/>
+          </a:fillRef>
+          <a:effectRef idx="0">
+            <a:schemeClr val="accent6"/>
+          </a:effectRef>
+          <a:fontRef idx="minor">
+            <a:schemeClr val="dk1"/>
+          </a:fontRef>
+        </p:style>
+        <p:txBody>
+          <a:bodyPr rtlCol="0" anchor="ctr"/>
+          <a:lstStyle/>
+          <a:p>
+            <a:pPr algn="ctr"/>
+            <a:endParaRPr lang="ko-KR" altLang="en-US"/>
+          </a:p>
+        </p:txBody>
+      </p:sp>
+      <p:sp>
+        <p:nvSpPr>
+          <p:cNvPr id="17" name="타원 16">
+            <a:extLst>
+              <a:ext uri="{FF2B5EF4-FFF2-40B4-BE49-F238E27FC236}">
+                <a16:creationId xmlns:a16="http://schemas.microsoft.com/office/drawing/2014/main" id="{8271486A-1A1C-4BB8-95B8-064C4C2E7CC9}"/>
+              </a:ext>
+            </a:extLst>
+          </p:cNvPr>
+          <p:cNvSpPr/>
+          <p:nvPr/>
+        </p:nvSpPr>
+        <p:spPr>
+          <a:xfrm>
+            <a:off x="7794710" y="3126036"/>
+            <a:ext cx="236220" cy="229381"/>
+          </a:xfrm>
+          <a:prstGeom prst="ellipse">
+            <a:avLst/>
+          </a:prstGeom>
+        </p:spPr>
+        <p:style>
+          <a:lnRef idx="2">
+            <a:schemeClr val="accent6"/>
+          </a:lnRef>
+          <a:fillRef idx="1">
+            <a:schemeClr val="lt1"/>
+          </a:fillRef>
+          <a:effectRef idx="0">
+            <a:schemeClr val="accent6"/>
+          </a:effectRef>
+          <a:fontRef idx="minor">
+            <a:schemeClr val="dk1"/>
+          </a:fontRef>
+        </p:style>
+        <p:txBody>
+          <a:bodyPr rtlCol="0" anchor="ctr"/>
+          <a:lstStyle/>
+          <a:p>
+            <a:pPr algn="ctr"/>
+            <a:endParaRPr lang="ko-KR" altLang="en-US"/>
+          </a:p>
+        </p:txBody>
+      </p:sp>
+      <p:sp>
+        <p:nvSpPr>
+          <p:cNvPr id="18" name="타원 17">
+            <a:extLst>
+              <a:ext uri="{FF2B5EF4-FFF2-40B4-BE49-F238E27FC236}">
+                <a16:creationId xmlns:a16="http://schemas.microsoft.com/office/drawing/2014/main" id="{3D73E149-A34A-41B4-8260-A1FC2D3F8B54}"/>
+              </a:ext>
+            </a:extLst>
+          </p:cNvPr>
+          <p:cNvSpPr/>
+          <p:nvPr/>
+        </p:nvSpPr>
+        <p:spPr>
+          <a:xfrm>
+            <a:off x="6645995" y="2797424"/>
+            <a:ext cx="236220" cy="229381"/>
+          </a:xfrm>
+          <a:prstGeom prst="ellipse">
+            <a:avLst/>
+          </a:prstGeom>
+        </p:spPr>
+        <p:style>
+          <a:lnRef idx="2">
+            <a:schemeClr val="accent6"/>
+          </a:lnRef>
+          <a:fillRef idx="1">
+            <a:schemeClr val="lt1"/>
+          </a:fillRef>
+          <a:effectRef idx="0">
+            <a:schemeClr val="accent6"/>
+          </a:effectRef>
+          <a:fontRef idx="minor">
+            <a:schemeClr val="dk1"/>
+          </a:fontRef>
+        </p:style>
+        <p:txBody>
+          <a:bodyPr rtlCol="0" anchor="ctr"/>
+          <a:lstStyle/>
+          <a:p>
+            <a:pPr algn="ctr"/>
+            <a:endParaRPr lang="ko-KR" altLang="en-US"/>
+          </a:p>
+        </p:txBody>
+      </p:sp>
+      <p:sp>
+        <p:nvSpPr>
+          <p:cNvPr id="19" name="타원 18">
+            <a:extLst>
+              <a:ext uri="{FF2B5EF4-FFF2-40B4-BE49-F238E27FC236}">
+                <a16:creationId xmlns:a16="http://schemas.microsoft.com/office/drawing/2014/main" id="{69F2E55C-2B57-4682-B288-2B177D0BDA98}"/>
+              </a:ext>
+            </a:extLst>
+          </p:cNvPr>
+          <p:cNvSpPr/>
+          <p:nvPr/>
+        </p:nvSpPr>
+        <p:spPr>
+          <a:xfrm>
+            <a:off x="8767213" y="4106551"/>
+            <a:ext cx="236220" cy="229381"/>
+          </a:xfrm>
+          <a:prstGeom prst="ellipse">
+            <a:avLst/>
+          </a:prstGeom>
+        </p:spPr>
+        <p:style>
+          <a:lnRef idx="2">
+            <a:schemeClr val="accent6"/>
+          </a:lnRef>
+          <a:fillRef idx="1">
+            <a:schemeClr val="lt1"/>
+          </a:fillRef>
+          <a:effectRef idx="0">
+            <a:schemeClr val="accent6"/>
+          </a:effectRef>
+          <a:fontRef idx="minor">
+            <a:schemeClr val="dk1"/>
+          </a:fontRef>
+        </p:style>
+        <p:txBody>
+          <a:bodyPr rtlCol="0" anchor="ctr"/>
+          <a:lstStyle/>
+          <a:p>
+            <a:pPr algn="ctr"/>
+            <a:endParaRPr lang="ko-KR" altLang="en-US"/>
+          </a:p>
+        </p:txBody>
+      </p:sp>
+      <p:sp>
+        <p:nvSpPr>
+          <p:cNvPr id="20" name="타원 19">
+            <a:extLst>
+              <a:ext uri="{FF2B5EF4-FFF2-40B4-BE49-F238E27FC236}">
+                <a16:creationId xmlns:a16="http://schemas.microsoft.com/office/drawing/2014/main" id="{E47EBACE-8207-4F23-AF37-40FA71528483}"/>
+              </a:ext>
+            </a:extLst>
+          </p:cNvPr>
+          <p:cNvSpPr/>
+          <p:nvPr/>
+        </p:nvSpPr>
+        <p:spPr>
+          <a:xfrm>
+            <a:off x="8717626" y="4511533"/>
+            <a:ext cx="236220" cy="229381"/>
+          </a:xfrm>
+          <a:prstGeom prst="ellipse">
+            <a:avLst/>
+          </a:prstGeom>
+        </p:spPr>
+        <p:style>
+          <a:lnRef idx="2">
+            <a:schemeClr val="accent6"/>
+          </a:lnRef>
+          <a:fillRef idx="1">
+            <a:schemeClr val="lt1"/>
+          </a:fillRef>
+          <a:effectRef idx="0">
+            <a:schemeClr val="accent6"/>
+          </a:effectRef>
+          <a:fontRef idx="minor">
+            <a:schemeClr val="dk1"/>
+          </a:fontRef>
+        </p:style>
+        <p:txBody>
+          <a:bodyPr rtlCol="0" anchor="ctr"/>
+          <a:lstStyle/>
+          <a:p>
+            <a:pPr algn="ctr"/>
+            <a:endParaRPr lang="ko-KR" altLang="en-US"/>
+          </a:p>
+        </p:txBody>
+      </p:sp>
+      <p:sp>
+        <p:nvSpPr>
+          <p:cNvPr id="21" name="타원 20">
+            <a:extLst>
+              <a:ext uri="{FF2B5EF4-FFF2-40B4-BE49-F238E27FC236}">
+                <a16:creationId xmlns:a16="http://schemas.microsoft.com/office/drawing/2014/main" id="{40CD71E5-166E-4581-9311-7588D44C5BE1}"/>
+              </a:ext>
+            </a:extLst>
+          </p:cNvPr>
+          <p:cNvSpPr/>
+          <p:nvPr/>
+        </p:nvSpPr>
+        <p:spPr>
+          <a:xfrm>
+            <a:off x="8481406" y="5163774"/>
+            <a:ext cx="236220" cy="229381"/>
+          </a:xfrm>
+          <a:prstGeom prst="ellipse">
+            <a:avLst/>
+          </a:prstGeom>
+        </p:spPr>
+        <p:style>
+          <a:lnRef idx="2">
+            <a:schemeClr val="accent6"/>
+          </a:lnRef>
+          <a:fillRef idx="1">
+            <a:schemeClr val="lt1"/>
+          </a:fillRef>
+          <a:effectRef idx="0">
+            <a:schemeClr val="accent6"/>
+          </a:effectRef>
+          <a:fontRef idx="minor">
+            <a:schemeClr val="dk1"/>
+          </a:fontRef>
+        </p:style>
+        <p:txBody>
+          <a:bodyPr rtlCol="0" anchor="ctr"/>
+          <a:lstStyle/>
+          <a:p>
+            <a:pPr algn="ctr"/>
+            <a:endParaRPr lang="ko-KR" altLang="en-US"/>
+          </a:p>
+        </p:txBody>
+      </p:sp>
+      <p:sp>
+        <p:nvSpPr>
+          <p:cNvPr id="22" name="타원 21">
+            <a:extLst>
+              <a:ext uri="{FF2B5EF4-FFF2-40B4-BE49-F238E27FC236}">
+                <a16:creationId xmlns:a16="http://schemas.microsoft.com/office/drawing/2014/main" id="{0F95D2CE-1979-4B15-BC3F-92A0E50E35F5}"/>
+              </a:ext>
+            </a:extLst>
+          </p:cNvPr>
+          <p:cNvSpPr/>
+          <p:nvPr/>
+        </p:nvSpPr>
+        <p:spPr>
+          <a:xfrm>
+            <a:off x="9140088" y="4955617"/>
+            <a:ext cx="236220" cy="229381"/>
+          </a:xfrm>
+          <a:prstGeom prst="ellipse">
+            <a:avLst/>
+          </a:prstGeom>
+        </p:spPr>
+        <p:style>
+          <a:lnRef idx="2">
+            <a:schemeClr val="accent6"/>
+          </a:lnRef>
+          <a:fillRef idx="1">
+            <a:schemeClr val="lt1"/>
+          </a:fillRef>
+          <a:effectRef idx="0">
+            <a:schemeClr val="accent6"/>
+          </a:effectRef>
+          <a:fontRef idx="minor">
+            <a:schemeClr val="dk1"/>
+          </a:fontRef>
+        </p:style>
+        <p:txBody>
+          <a:bodyPr rtlCol="0" anchor="ctr"/>
+          <a:lstStyle/>
+          <a:p>
+            <a:pPr algn="ctr"/>
+            <a:endParaRPr lang="ko-KR" altLang="en-US"/>
+          </a:p>
+        </p:txBody>
+      </p:sp>
+      <p:sp>
+        <p:nvSpPr>
+          <p:cNvPr id="32" name="TextBox 31">
+            <a:extLst>
+              <a:ext uri="{FF2B5EF4-FFF2-40B4-BE49-F238E27FC236}">
+                <a16:creationId xmlns:a16="http://schemas.microsoft.com/office/drawing/2014/main" id="{A4DF6EA8-EC07-43BA-A80A-8C2A9144B629}"/>
+              </a:ext>
+            </a:extLst>
+          </p:cNvPr>
+          <p:cNvSpPr txBox="1"/>
+          <p:nvPr/>
+        </p:nvSpPr>
+        <p:spPr>
+          <a:xfrm>
+            <a:off x="214149" y="7628833"/>
+            <a:ext cx="2775119" cy="369332"/>
+          </a:xfrm>
+          <a:prstGeom prst="rect">
+            <a:avLst/>
+          </a:prstGeom>
+          <a:noFill/>
+        </p:spPr>
+        <p:txBody>
+          <a:bodyPr wrap="none" rtlCol="0">
+            <a:spAutoFit/>
+          </a:bodyPr>
+          <a:lstStyle/>
+          <a:p>
+            <a:r>
+              <a:rPr lang="ko-KR" altLang="en-US" dirty="0"/>
+              <a:t>검색한 강의실 이름 </a:t>
+            </a:r>
+            <a:r>
+              <a:rPr lang="en-US" altLang="ko-KR" dirty="0"/>
+              <a:t>- </a:t>
+            </a:r>
+            <a:r>
+              <a:rPr lang="ko-KR" altLang="en-US" dirty="0"/>
+              <a:t>번호</a:t>
+            </a:r>
+          </a:p>
+        </p:txBody>
+      </p:sp>
       <p:grpSp>
         <p:nvGrpSpPr>
           <p:cNvPr id="26" name="그룹 25">
@@ -10065,13 +9905,13 @@
           <p:nvPr/>
         </p:nvPicPr>
         <p:blipFill>
-          <a:blip r:embed="rId5">
+          <a:blip r:embed="rId3">
             <a:extLst>
               <a:ext uri="{28A0092B-C50C-407E-A947-70E740481C1C}">
                 <a14:useLocalDpi xmlns:a14="http://schemas.microsoft.com/office/drawing/2010/main" val="0"/>
               </a:ext>
               <a:ext uri="{96DAC541-7B7A-43D3-8B79-37D633B846F1}">
-                <asvg:svgBlip xmlns:asvg="http://schemas.microsoft.com/office/drawing/2016/SVG/main" r:embed="rId6"/>
+                <asvg:svgBlip xmlns:asvg="http://schemas.microsoft.com/office/drawing/2016/SVG/main" r:embed="rId4"/>
               </a:ext>
             </a:extLst>
           </a:blip>
@@ -10104,13 +9944,13 @@
           <p:nvPr/>
         </p:nvPicPr>
         <p:blipFill>
-          <a:blip r:embed="rId7">
+          <a:blip r:embed="rId5">
             <a:extLst>
               <a:ext uri="{28A0092B-C50C-407E-A947-70E740481C1C}">
                 <a14:useLocalDpi xmlns:a14="http://schemas.microsoft.com/office/drawing/2010/main" val="0"/>
               </a:ext>
               <a:ext uri="{96DAC541-7B7A-43D3-8B79-37D633B846F1}">
-                <asvg:svgBlip xmlns:asvg="http://schemas.microsoft.com/office/drawing/2016/SVG/main" r:embed="rId8"/>
+                <asvg:svgBlip xmlns:asvg="http://schemas.microsoft.com/office/drawing/2016/SVG/main" r:embed="rId6"/>
               </a:ext>
             </a:extLst>
           </a:blip>
@@ -10217,13 +10057,13 @@
             <p:nvPr/>
           </p:nvPicPr>
           <p:blipFill>
-            <a:blip r:embed="rId9">
+            <a:blip r:embed="rId7">
               <a:extLst>
                 <a:ext uri="{28A0092B-C50C-407E-A947-70E740481C1C}">
                   <a14:useLocalDpi xmlns:a14="http://schemas.microsoft.com/office/drawing/2010/main" val="0"/>
                 </a:ext>
                 <a:ext uri="{96DAC541-7B7A-43D3-8B79-37D633B846F1}">
-                  <asvg:svgBlip xmlns:asvg="http://schemas.microsoft.com/office/drawing/2016/SVG/main" r:embed="rId10"/>
+                  <asvg:svgBlip xmlns:asvg="http://schemas.microsoft.com/office/drawing/2016/SVG/main" r:embed="rId8"/>
                 </a:ext>
               </a:extLst>
             </a:blip>
@@ -10242,6 +10082,162 @@
           </p:spPr>
         </p:pic>
       </p:grpSp>
+      <p:grpSp>
+        <p:nvGrpSpPr>
+          <p:cNvPr id="34" name="그룹 33">
+            <a:extLst>
+              <a:ext uri="{FF2B5EF4-FFF2-40B4-BE49-F238E27FC236}">
+                <a16:creationId xmlns:a16="http://schemas.microsoft.com/office/drawing/2014/main" id="{9D3BAF4D-2BFF-48A8-B96B-F9A77EB94DC7}"/>
+              </a:ext>
+            </a:extLst>
+          </p:cNvPr>
+          <p:cNvGrpSpPr/>
+          <p:nvPr/>
+        </p:nvGrpSpPr>
+        <p:grpSpPr>
+          <a:xfrm>
+            <a:off x="4494882" y="0"/>
+            <a:ext cx="637601" cy="622525"/>
+            <a:chOff x="4505899" y="0"/>
+            <a:chExt cx="637601" cy="622525"/>
+          </a:xfrm>
+        </p:grpSpPr>
+        <p:sp>
+          <p:nvSpPr>
+            <p:cNvPr id="35" name="순서도: 대체 처리 34">
+              <a:extLst>
+                <a:ext uri="{FF2B5EF4-FFF2-40B4-BE49-F238E27FC236}">
+                  <a16:creationId xmlns:a16="http://schemas.microsoft.com/office/drawing/2014/main" id="{3E856BC0-EADF-41B5-AEEA-DA7EE7D7B1A0}"/>
+                </a:ext>
+              </a:extLst>
+            </p:cNvPr>
+            <p:cNvSpPr/>
+            <p:nvPr/>
+          </p:nvSpPr>
+          <p:spPr>
+            <a:xfrm>
+              <a:off x="4505899" y="0"/>
+              <a:ext cx="637601" cy="622525"/>
+            </a:xfrm>
+            <a:prstGeom prst="flowChartAlternateProcess">
+              <a:avLst/>
+            </a:prstGeom>
+            <a:solidFill>
+              <a:schemeClr val="bg1"/>
+            </a:solidFill>
+          </p:spPr>
+          <p:style>
+            <a:lnRef idx="2">
+              <a:schemeClr val="accent1">
+                <a:shade val="50000"/>
+              </a:schemeClr>
+            </a:lnRef>
+            <a:fillRef idx="1">
+              <a:schemeClr val="accent1"/>
+            </a:fillRef>
+            <a:effectRef idx="0">
+              <a:schemeClr val="accent1"/>
+            </a:effectRef>
+            <a:fontRef idx="minor">
+              <a:schemeClr val="lt1"/>
+            </a:fontRef>
+          </p:style>
+          <p:txBody>
+            <a:bodyPr rtlCol="0" anchor="ctr"/>
+            <a:lstStyle/>
+            <a:p>
+              <a:pPr algn="ctr"/>
+              <a:endParaRPr lang="ko-KR" altLang="en-US"/>
+            </a:p>
+          </p:txBody>
+        </p:sp>
+        <p:pic>
+          <p:nvPicPr>
+            <p:cNvPr id="39" name="그래픽 38" descr="돋보기 단색으로 채워진">
+              <a:extLst>
+                <a:ext uri="{FF2B5EF4-FFF2-40B4-BE49-F238E27FC236}">
+                  <a16:creationId xmlns:a16="http://schemas.microsoft.com/office/drawing/2014/main" id="{6C6FC151-CB3C-4C4E-937D-30FA882D647C}"/>
+                </a:ext>
+              </a:extLst>
+            </p:cNvPr>
+            <p:cNvPicPr>
+              <a:picLocks noChangeAspect="1"/>
+            </p:cNvPicPr>
+            <p:nvPr/>
+          </p:nvPicPr>
+          <p:blipFill>
+            <a:blip r:embed="rId9">
+              <a:extLst>
+                <a:ext uri="{28A0092B-C50C-407E-A947-70E740481C1C}">
+                  <a14:useLocalDpi xmlns:a14="http://schemas.microsoft.com/office/drawing/2010/main" val="0"/>
+                </a:ext>
+                <a:ext uri="{96DAC541-7B7A-43D3-8B79-37D633B846F1}">
+                  <asvg:svgBlip xmlns:asvg="http://schemas.microsoft.com/office/drawing/2016/SVG/main" r:embed="rId10"/>
+                </a:ext>
+              </a:extLst>
+            </a:blip>
+            <a:stretch>
+              <a:fillRect/>
+            </a:stretch>
+          </p:blipFill>
+          <p:spPr>
+            <a:xfrm>
+              <a:off x="4531967" y="14423"/>
+              <a:ext cx="585463" cy="585463"/>
+            </a:xfrm>
+            <a:prstGeom prst="rect">
+              <a:avLst/>
+            </a:prstGeom>
+          </p:spPr>
+        </p:pic>
+      </p:grpSp>
+      <p:sp>
+        <p:nvSpPr>
+          <p:cNvPr id="40" name="사각형: 둥근 모서리 39">
+            <a:extLst>
+              <a:ext uri="{FF2B5EF4-FFF2-40B4-BE49-F238E27FC236}">
+                <a16:creationId xmlns:a16="http://schemas.microsoft.com/office/drawing/2014/main" id="{1F207DF1-DC66-4631-9303-7C2D0F8C7E32}"/>
+              </a:ext>
+            </a:extLst>
+          </p:cNvPr>
+          <p:cNvSpPr/>
+          <p:nvPr/>
+        </p:nvSpPr>
+        <p:spPr>
+          <a:xfrm>
+            <a:off x="0" y="7531018"/>
+            <a:ext cx="5132483" cy="1589647"/>
+          </a:xfrm>
+          <a:prstGeom prst="roundRect">
+            <a:avLst/>
+          </a:prstGeom>
+          <a:noFill/>
+        </p:spPr>
+        <p:style>
+          <a:lnRef idx="2">
+            <a:schemeClr val="accent1">
+              <a:shade val="50000"/>
+            </a:schemeClr>
+          </a:lnRef>
+          <a:fillRef idx="1">
+            <a:schemeClr val="accent1"/>
+          </a:fillRef>
+          <a:effectRef idx="0">
+            <a:schemeClr val="accent1"/>
+          </a:effectRef>
+          <a:fontRef idx="minor">
+            <a:schemeClr val="lt1"/>
+          </a:fontRef>
+        </p:style>
+        <p:txBody>
+          <a:bodyPr rtlCol="0" anchor="ctr"/>
+          <a:lstStyle/>
+          <a:p>
+            <a:pPr algn="ctr"/>
+            <a:endParaRPr lang="ko-KR" altLang="en-US"/>
+          </a:p>
+        </p:txBody>
+      </p:sp>
     </p:spTree>
     <p:extLst>
       <p:ext uri="{BB962C8B-B14F-4D97-AF65-F5344CB8AC3E}">
@@ -10814,12 +10810,399 @@
           </a:p>
         </p:txBody>
       </p:sp>
+      <p:sp>
+        <p:nvSpPr>
+          <p:cNvPr id="46" name="TextBox 45">
+            <a:extLst>
+              <a:ext uri="{FF2B5EF4-FFF2-40B4-BE49-F238E27FC236}">
+                <a16:creationId xmlns:a16="http://schemas.microsoft.com/office/drawing/2014/main" id="{6C0C6694-5EE2-4A51-BECA-7BC33719973C}"/>
+              </a:ext>
+            </a:extLst>
+          </p:cNvPr>
+          <p:cNvSpPr txBox="1"/>
+          <p:nvPr/>
+        </p:nvSpPr>
+        <p:spPr>
+          <a:xfrm>
+            <a:off x="0" y="5929435"/>
+            <a:ext cx="5412059" cy="369332"/>
+          </a:xfrm>
+          <a:prstGeom prst="rect">
+            <a:avLst/>
+          </a:prstGeom>
+          <a:noFill/>
+        </p:spPr>
+        <p:txBody>
+          <a:bodyPr wrap="none" rtlCol="0">
+            <a:spAutoFit/>
+          </a:bodyPr>
+          <a:lstStyle/>
+          <a:p>
+            <a:r>
+              <a:rPr lang="ko-KR" altLang="en-US" u="sng" dirty="0"/>
+              <a:t>이전 검색 기록들                                                            </a:t>
+            </a:r>
+            <a:r>
+              <a:rPr lang="en-US" altLang="ko-KR" u="sng" dirty="0"/>
+              <a:t>X</a:t>
+            </a:r>
+            <a:r>
+              <a:rPr lang="ko-KR" altLang="en-US" u="sng" dirty="0"/>
+              <a:t> </a:t>
+            </a:r>
+          </a:p>
+        </p:txBody>
+      </p:sp>
+      <p:sp>
+        <p:nvSpPr>
+          <p:cNvPr id="47" name="TextBox 46">
+            <a:extLst>
+              <a:ext uri="{FF2B5EF4-FFF2-40B4-BE49-F238E27FC236}">
+                <a16:creationId xmlns:a16="http://schemas.microsoft.com/office/drawing/2014/main" id="{A907B19A-97B3-4A67-8B6B-970FB5D9164D}"/>
+              </a:ext>
+            </a:extLst>
+          </p:cNvPr>
+          <p:cNvSpPr txBox="1"/>
+          <p:nvPr/>
+        </p:nvSpPr>
+        <p:spPr>
+          <a:xfrm>
+            <a:off x="0" y="6323254"/>
+            <a:ext cx="5412059" cy="369332"/>
+          </a:xfrm>
+          <a:prstGeom prst="rect">
+            <a:avLst/>
+          </a:prstGeom>
+          <a:noFill/>
+        </p:spPr>
+        <p:txBody>
+          <a:bodyPr wrap="none" rtlCol="0">
+            <a:spAutoFit/>
+          </a:bodyPr>
+          <a:lstStyle/>
+          <a:p>
+            <a:r>
+              <a:rPr lang="ko-KR" altLang="en-US" u="sng" dirty="0"/>
+              <a:t>이전 검색 기록들                                                            </a:t>
+            </a:r>
+            <a:r>
+              <a:rPr lang="en-US" altLang="ko-KR" u="sng" dirty="0"/>
+              <a:t>X</a:t>
+            </a:r>
+            <a:r>
+              <a:rPr lang="ko-KR" altLang="en-US" u="sng" dirty="0"/>
+              <a:t> </a:t>
+            </a:r>
+          </a:p>
+        </p:txBody>
+      </p:sp>
+      <p:sp>
+        <p:nvSpPr>
+          <p:cNvPr id="48" name="TextBox 47">
+            <a:extLst>
+              <a:ext uri="{FF2B5EF4-FFF2-40B4-BE49-F238E27FC236}">
+                <a16:creationId xmlns:a16="http://schemas.microsoft.com/office/drawing/2014/main" id="{90712475-B6D1-430A-8F64-7C748BE88DE0}"/>
+              </a:ext>
+            </a:extLst>
+          </p:cNvPr>
+          <p:cNvSpPr txBox="1"/>
+          <p:nvPr/>
+        </p:nvSpPr>
+        <p:spPr>
+          <a:xfrm>
+            <a:off x="0" y="6717073"/>
+            <a:ext cx="5412059" cy="369332"/>
+          </a:xfrm>
+          <a:prstGeom prst="rect">
+            <a:avLst/>
+          </a:prstGeom>
+          <a:noFill/>
+        </p:spPr>
+        <p:txBody>
+          <a:bodyPr wrap="none" rtlCol="0">
+            <a:spAutoFit/>
+          </a:bodyPr>
+          <a:lstStyle/>
+          <a:p>
+            <a:r>
+              <a:rPr lang="ko-KR" altLang="en-US" u="sng" dirty="0"/>
+              <a:t>이전 검색 기록들                                                            </a:t>
+            </a:r>
+            <a:r>
+              <a:rPr lang="en-US" altLang="ko-KR" u="sng" dirty="0"/>
+              <a:t>X</a:t>
+            </a:r>
+            <a:r>
+              <a:rPr lang="ko-KR" altLang="en-US" u="sng" dirty="0"/>
+              <a:t> </a:t>
+            </a:r>
+          </a:p>
+        </p:txBody>
+      </p:sp>
+      <p:sp>
+        <p:nvSpPr>
+          <p:cNvPr id="49" name="TextBox 48">
+            <a:extLst>
+              <a:ext uri="{FF2B5EF4-FFF2-40B4-BE49-F238E27FC236}">
+                <a16:creationId xmlns:a16="http://schemas.microsoft.com/office/drawing/2014/main" id="{E4FAE8B4-F17E-4500-95B3-5EBCD75D5E8A}"/>
+              </a:ext>
+            </a:extLst>
+          </p:cNvPr>
+          <p:cNvSpPr txBox="1"/>
+          <p:nvPr/>
+        </p:nvSpPr>
+        <p:spPr>
+          <a:xfrm>
+            <a:off x="0" y="7110892"/>
+            <a:ext cx="5412059" cy="369332"/>
+          </a:xfrm>
+          <a:prstGeom prst="rect">
+            <a:avLst/>
+          </a:prstGeom>
+          <a:noFill/>
+        </p:spPr>
+        <p:txBody>
+          <a:bodyPr wrap="none" rtlCol="0">
+            <a:spAutoFit/>
+          </a:bodyPr>
+          <a:lstStyle/>
+          <a:p>
+            <a:r>
+              <a:rPr lang="ko-KR" altLang="en-US" u="sng" dirty="0"/>
+              <a:t>이전 검색 기록들                                                            </a:t>
+            </a:r>
+            <a:r>
+              <a:rPr lang="en-US" altLang="ko-KR" u="sng" dirty="0"/>
+              <a:t>X</a:t>
+            </a:r>
+            <a:r>
+              <a:rPr lang="ko-KR" altLang="en-US" u="sng" dirty="0"/>
+              <a:t> </a:t>
+            </a:r>
+          </a:p>
+        </p:txBody>
+      </p:sp>
+      <p:sp>
+        <p:nvSpPr>
+          <p:cNvPr id="50" name="TextBox 49">
+            <a:extLst>
+              <a:ext uri="{FF2B5EF4-FFF2-40B4-BE49-F238E27FC236}">
+                <a16:creationId xmlns:a16="http://schemas.microsoft.com/office/drawing/2014/main" id="{C119B2C6-8F9B-484A-BF3E-1CE1DBE09AD8}"/>
+              </a:ext>
+            </a:extLst>
+          </p:cNvPr>
+          <p:cNvSpPr txBox="1"/>
+          <p:nvPr/>
+        </p:nvSpPr>
+        <p:spPr>
+          <a:xfrm>
+            <a:off x="0" y="7493840"/>
+            <a:ext cx="5412059" cy="369332"/>
+          </a:xfrm>
+          <a:prstGeom prst="rect">
+            <a:avLst/>
+          </a:prstGeom>
+          <a:noFill/>
+        </p:spPr>
+        <p:txBody>
+          <a:bodyPr wrap="none" rtlCol="0">
+            <a:spAutoFit/>
+          </a:bodyPr>
+          <a:lstStyle/>
+          <a:p>
+            <a:r>
+              <a:rPr lang="ko-KR" altLang="en-US" u="sng" dirty="0"/>
+              <a:t>이전 검색 기록들                                                            </a:t>
+            </a:r>
+            <a:r>
+              <a:rPr lang="en-US" altLang="ko-KR" u="sng" dirty="0"/>
+              <a:t>X</a:t>
+            </a:r>
+            <a:r>
+              <a:rPr lang="ko-KR" altLang="en-US" u="sng" dirty="0"/>
+              <a:t> </a:t>
+            </a:r>
+          </a:p>
+        </p:txBody>
+      </p:sp>
+      <p:sp>
+        <p:nvSpPr>
+          <p:cNvPr id="51" name="TextBox 50">
+            <a:extLst>
+              <a:ext uri="{FF2B5EF4-FFF2-40B4-BE49-F238E27FC236}">
+                <a16:creationId xmlns:a16="http://schemas.microsoft.com/office/drawing/2014/main" id="{2AD3D306-D8F8-4F00-978C-7C870254B389}"/>
+              </a:ext>
+            </a:extLst>
+          </p:cNvPr>
+          <p:cNvSpPr txBox="1"/>
+          <p:nvPr/>
+        </p:nvSpPr>
+        <p:spPr>
+          <a:xfrm>
+            <a:off x="0" y="7887659"/>
+            <a:ext cx="5412059" cy="369332"/>
+          </a:xfrm>
+          <a:prstGeom prst="rect">
+            <a:avLst/>
+          </a:prstGeom>
+          <a:noFill/>
+        </p:spPr>
+        <p:txBody>
+          <a:bodyPr wrap="none" rtlCol="0">
+            <a:spAutoFit/>
+          </a:bodyPr>
+          <a:lstStyle/>
+          <a:p>
+            <a:r>
+              <a:rPr lang="ko-KR" altLang="en-US" u="sng" dirty="0"/>
+              <a:t>이전 검색 기록들                                                            </a:t>
+            </a:r>
+            <a:r>
+              <a:rPr lang="en-US" altLang="ko-KR" u="sng" dirty="0"/>
+              <a:t>X</a:t>
+            </a:r>
+            <a:r>
+              <a:rPr lang="ko-KR" altLang="en-US" u="sng" dirty="0"/>
+              <a:t> </a:t>
+            </a:r>
+          </a:p>
+        </p:txBody>
+      </p:sp>
+      <p:sp>
+        <p:nvSpPr>
+          <p:cNvPr id="52" name="TextBox 51">
+            <a:extLst>
+              <a:ext uri="{FF2B5EF4-FFF2-40B4-BE49-F238E27FC236}">
+                <a16:creationId xmlns:a16="http://schemas.microsoft.com/office/drawing/2014/main" id="{628A7F05-0E6E-488B-87D5-0556CB362C03}"/>
+              </a:ext>
+            </a:extLst>
+          </p:cNvPr>
+          <p:cNvSpPr txBox="1"/>
+          <p:nvPr/>
+        </p:nvSpPr>
+        <p:spPr>
+          <a:xfrm>
+            <a:off x="0" y="8281478"/>
+            <a:ext cx="5412059" cy="369332"/>
+          </a:xfrm>
+          <a:prstGeom prst="rect">
+            <a:avLst/>
+          </a:prstGeom>
+          <a:noFill/>
+        </p:spPr>
+        <p:txBody>
+          <a:bodyPr wrap="none" rtlCol="0">
+            <a:spAutoFit/>
+          </a:bodyPr>
+          <a:lstStyle/>
+          <a:p>
+            <a:r>
+              <a:rPr lang="ko-KR" altLang="en-US" u="sng" dirty="0"/>
+              <a:t>이전 검색 기록들                                                            </a:t>
+            </a:r>
+            <a:r>
+              <a:rPr lang="en-US" altLang="ko-KR" u="sng" dirty="0"/>
+              <a:t>X</a:t>
+            </a:r>
+            <a:r>
+              <a:rPr lang="ko-KR" altLang="en-US" u="sng" dirty="0"/>
+              <a:t> </a:t>
+            </a:r>
+          </a:p>
+        </p:txBody>
+      </p:sp>
+      <p:sp>
+        <p:nvSpPr>
+          <p:cNvPr id="53" name="TextBox 52">
+            <a:extLst>
+              <a:ext uri="{FF2B5EF4-FFF2-40B4-BE49-F238E27FC236}">
+                <a16:creationId xmlns:a16="http://schemas.microsoft.com/office/drawing/2014/main" id="{7E07A302-84B0-48FA-8C0F-A4434DA8EB65}"/>
+              </a:ext>
+            </a:extLst>
+          </p:cNvPr>
+          <p:cNvSpPr txBox="1"/>
+          <p:nvPr/>
+        </p:nvSpPr>
+        <p:spPr>
+          <a:xfrm>
+            <a:off x="0" y="8675297"/>
+            <a:ext cx="5412059" cy="369332"/>
+          </a:xfrm>
+          <a:prstGeom prst="rect">
+            <a:avLst/>
+          </a:prstGeom>
+          <a:noFill/>
+        </p:spPr>
+        <p:txBody>
+          <a:bodyPr wrap="none" rtlCol="0">
+            <a:spAutoFit/>
+          </a:bodyPr>
+          <a:lstStyle/>
+          <a:p>
+            <a:r>
+              <a:rPr lang="ko-KR" altLang="en-US" u="sng" dirty="0"/>
+              <a:t>이전 검색 기록들                                                            </a:t>
+            </a:r>
+            <a:r>
+              <a:rPr lang="en-US" altLang="ko-KR" u="sng" dirty="0"/>
+              <a:t>X</a:t>
+            </a:r>
+            <a:r>
+              <a:rPr lang="ko-KR" altLang="en-US" u="sng" dirty="0"/>
+              <a:t> </a:t>
+            </a:r>
+          </a:p>
+        </p:txBody>
+      </p:sp>
+      <p:sp>
+        <p:nvSpPr>
+          <p:cNvPr id="54" name="TextBox 53">
+            <a:extLst>
+              <a:ext uri="{FF2B5EF4-FFF2-40B4-BE49-F238E27FC236}">
+                <a16:creationId xmlns:a16="http://schemas.microsoft.com/office/drawing/2014/main" id="{A3F48903-5E00-488F-8DB9-13EC9C9AFFA2}"/>
+              </a:ext>
+            </a:extLst>
+          </p:cNvPr>
+          <p:cNvSpPr txBox="1"/>
+          <p:nvPr/>
+        </p:nvSpPr>
+        <p:spPr>
+          <a:xfrm>
+            <a:off x="0" y="5535506"/>
+            <a:ext cx="5412059" cy="369332"/>
+          </a:xfrm>
+          <a:prstGeom prst="rect">
+            <a:avLst/>
+          </a:prstGeom>
+          <a:noFill/>
+        </p:spPr>
+        <p:txBody>
+          <a:bodyPr wrap="none" rtlCol="0">
+            <a:spAutoFit/>
+          </a:bodyPr>
+          <a:lstStyle/>
+          <a:p>
+            <a:r>
+              <a:rPr lang="ko-KR" altLang="en-US" u="sng" dirty="0"/>
+              <a:t>이전 검색 기록들                                                            </a:t>
+            </a:r>
+            <a:r>
+              <a:rPr lang="en-US" altLang="ko-KR" u="sng" dirty="0"/>
+              <a:t>X</a:t>
+            </a:r>
+            <a:r>
+              <a:rPr lang="ko-KR" altLang="en-US" u="sng" dirty="0"/>
+              <a:t> </a:t>
+            </a:r>
+          </a:p>
+        </p:txBody>
+      </p:sp>
       <p:grpSp>
         <p:nvGrpSpPr>
-          <p:cNvPr id="42" name="그룹 41">
-            <a:extLst>
-              <a:ext uri="{FF2B5EF4-FFF2-40B4-BE49-F238E27FC236}">
-                <a16:creationId xmlns:a16="http://schemas.microsoft.com/office/drawing/2014/main" id="{E67282A5-E1CF-46E5-A834-7175CAECEC15}"/>
+          <p:cNvPr id="23" name="그룹 22">
+            <a:extLst>
+              <a:ext uri="{FF2B5EF4-FFF2-40B4-BE49-F238E27FC236}">
+                <a16:creationId xmlns:a16="http://schemas.microsoft.com/office/drawing/2014/main" id="{96004A41-DAB7-4E34-B81E-69EBBC6FFCB0}"/>
               </a:ext>
             </a:extLst>
           </p:cNvPr>
@@ -10828,7 +11211,7 @@
         </p:nvGrpSpPr>
         <p:grpSpPr>
           <a:xfrm>
-            <a:off x="4505899" y="0"/>
+            <a:off x="4494882" y="0"/>
             <a:ext cx="637601" cy="622525"/>
             <a:chOff x="4505899" y="0"/>
             <a:chExt cx="637601" cy="622525"/>
@@ -10836,10 +11219,10 @@
         </p:grpSpPr>
         <p:sp>
           <p:nvSpPr>
-            <p:cNvPr id="43" name="순서도: 대체 처리 42">
+            <p:cNvPr id="24" name="순서도: 대체 처리 23">
               <a:extLst>
                 <a:ext uri="{FF2B5EF4-FFF2-40B4-BE49-F238E27FC236}">
-                  <a16:creationId xmlns:a16="http://schemas.microsoft.com/office/drawing/2014/main" id="{1A655DC8-CA44-4719-AE46-551B6D7BCD90}"/>
+                  <a16:creationId xmlns:a16="http://schemas.microsoft.com/office/drawing/2014/main" id="{17CFEEE9-2170-4801-BD27-365D543134AF}"/>
                 </a:ext>
               </a:extLst>
             </p:cNvPr>
@@ -10885,10 +11268,10 @@
         </p:sp>
         <p:pic>
           <p:nvPicPr>
-            <p:cNvPr id="44" name="그래픽 43" descr="돋보기 단색으로 채워진">
+            <p:cNvPr id="25" name="그래픽 24" descr="돋보기 단색으로 채워진">
               <a:extLst>
                 <a:ext uri="{FF2B5EF4-FFF2-40B4-BE49-F238E27FC236}">
-                  <a16:creationId xmlns:a16="http://schemas.microsoft.com/office/drawing/2014/main" id="{BD46FA88-2AA6-4725-9B8F-1A333ED77C15}"/>
+                  <a16:creationId xmlns:a16="http://schemas.microsoft.com/office/drawing/2014/main" id="{3ABC906E-8BFC-46E4-854E-DA14303DC03C}"/>
                 </a:ext>
               </a:extLst>
             </p:cNvPr>
@@ -10923,393 +11306,6 @@
           </p:spPr>
         </p:pic>
       </p:grpSp>
-      <p:sp>
-        <p:nvSpPr>
-          <p:cNvPr id="46" name="TextBox 45">
-            <a:extLst>
-              <a:ext uri="{FF2B5EF4-FFF2-40B4-BE49-F238E27FC236}">
-                <a16:creationId xmlns:a16="http://schemas.microsoft.com/office/drawing/2014/main" id="{6C0C6694-5EE2-4A51-BECA-7BC33719973C}"/>
-              </a:ext>
-            </a:extLst>
-          </p:cNvPr>
-          <p:cNvSpPr txBox="1"/>
-          <p:nvPr/>
-        </p:nvSpPr>
-        <p:spPr>
-          <a:xfrm>
-            <a:off x="0" y="5929435"/>
-            <a:ext cx="5412059" cy="369332"/>
-          </a:xfrm>
-          <a:prstGeom prst="rect">
-            <a:avLst/>
-          </a:prstGeom>
-          <a:noFill/>
-        </p:spPr>
-        <p:txBody>
-          <a:bodyPr wrap="none" rtlCol="0">
-            <a:spAutoFit/>
-          </a:bodyPr>
-          <a:lstStyle/>
-          <a:p>
-            <a:r>
-              <a:rPr lang="ko-KR" altLang="en-US" u="sng" dirty="0"/>
-              <a:t>이전 검색 기록들                                                            </a:t>
-            </a:r>
-            <a:r>
-              <a:rPr lang="en-US" altLang="ko-KR" u="sng" dirty="0"/>
-              <a:t>X</a:t>
-            </a:r>
-            <a:r>
-              <a:rPr lang="ko-KR" altLang="en-US" u="sng" dirty="0"/>
-              <a:t> </a:t>
-            </a:r>
-          </a:p>
-        </p:txBody>
-      </p:sp>
-      <p:sp>
-        <p:nvSpPr>
-          <p:cNvPr id="47" name="TextBox 46">
-            <a:extLst>
-              <a:ext uri="{FF2B5EF4-FFF2-40B4-BE49-F238E27FC236}">
-                <a16:creationId xmlns:a16="http://schemas.microsoft.com/office/drawing/2014/main" id="{A907B19A-97B3-4A67-8B6B-970FB5D9164D}"/>
-              </a:ext>
-            </a:extLst>
-          </p:cNvPr>
-          <p:cNvSpPr txBox="1"/>
-          <p:nvPr/>
-        </p:nvSpPr>
-        <p:spPr>
-          <a:xfrm>
-            <a:off x="0" y="6323254"/>
-            <a:ext cx="5412059" cy="369332"/>
-          </a:xfrm>
-          <a:prstGeom prst="rect">
-            <a:avLst/>
-          </a:prstGeom>
-          <a:noFill/>
-        </p:spPr>
-        <p:txBody>
-          <a:bodyPr wrap="none" rtlCol="0">
-            <a:spAutoFit/>
-          </a:bodyPr>
-          <a:lstStyle/>
-          <a:p>
-            <a:r>
-              <a:rPr lang="ko-KR" altLang="en-US" u="sng" dirty="0"/>
-              <a:t>이전 검색 기록들                                                            </a:t>
-            </a:r>
-            <a:r>
-              <a:rPr lang="en-US" altLang="ko-KR" u="sng" dirty="0"/>
-              <a:t>X</a:t>
-            </a:r>
-            <a:r>
-              <a:rPr lang="ko-KR" altLang="en-US" u="sng" dirty="0"/>
-              <a:t> </a:t>
-            </a:r>
-          </a:p>
-        </p:txBody>
-      </p:sp>
-      <p:sp>
-        <p:nvSpPr>
-          <p:cNvPr id="48" name="TextBox 47">
-            <a:extLst>
-              <a:ext uri="{FF2B5EF4-FFF2-40B4-BE49-F238E27FC236}">
-                <a16:creationId xmlns:a16="http://schemas.microsoft.com/office/drawing/2014/main" id="{90712475-B6D1-430A-8F64-7C748BE88DE0}"/>
-              </a:ext>
-            </a:extLst>
-          </p:cNvPr>
-          <p:cNvSpPr txBox="1"/>
-          <p:nvPr/>
-        </p:nvSpPr>
-        <p:spPr>
-          <a:xfrm>
-            <a:off x="0" y="6717073"/>
-            <a:ext cx="5412059" cy="369332"/>
-          </a:xfrm>
-          <a:prstGeom prst="rect">
-            <a:avLst/>
-          </a:prstGeom>
-          <a:noFill/>
-        </p:spPr>
-        <p:txBody>
-          <a:bodyPr wrap="none" rtlCol="0">
-            <a:spAutoFit/>
-          </a:bodyPr>
-          <a:lstStyle/>
-          <a:p>
-            <a:r>
-              <a:rPr lang="ko-KR" altLang="en-US" u="sng" dirty="0"/>
-              <a:t>이전 검색 기록들                                                            </a:t>
-            </a:r>
-            <a:r>
-              <a:rPr lang="en-US" altLang="ko-KR" u="sng" dirty="0"/>
-              <a:t>X</a:t>
-            </a:r>
-            <a:r>
-              <a:rPr lang="ko-KR" altLang="en-US" u="sng" dirty="0"/>
-              <a:t> </a:t>
-            </a:r>
-          </a:p>
-        </p:txBody>
-      </p:sp>
-      <p:sp>
-        <p:nvSpPr>
-          <p:cNvPr id="49" name="TextBox 48">
-            <a:extLst>
-              <a:ext uri="{FF2B5EF4-FFF2-40B4-BE49-F238E27FC236}">
-                <a16:creationId xmlns:a16="http://schemas.microsoft.com/office/drawing/2014/main" id="{E4FAE8B4-F17E-4500-95B3-5EBCD75D5E8A}"/>
-              </a:ext>
-            </a:extLst>
-          </p:cNvPr>
-          <p:cNvSpPr txBox="1"/>
-          <p:nvPr/>
-        </p:nvSpPr>
-        <p:spPr>
-          <a:xfrm>
-            <a:off x="0" y="7110892"/>
-            <a:ext cx="5412059" cy="369332"/>
-          </a:xfrm>
-          <a:prstGeom prst="rect">
-            <a:avLst/>
-          </a:prstGeom>
-          <a:noFill/>
-        </p:spPr>
-        <p:txBody>
-          <a:bodyPr wrap="none" rtlCol="0">
-            <a:spAutoFit/>
-          </a:bodyPr>
-          <a:lstStyle/>
-          <a:p>
-            <a:r>
-              <a:rPr lang="ko-KR" altLang="en-US" u="sng" dirty="0"/>
-              <a:t>이전 검색 기록들                                                            </a:t>
-            </a:r>
-            <a:r>
-              <a:rPr lang="en-US" altLang="ko-KR" u="sng" dirty="0"/>
-              <a:t>X</a:t>
-            </a:r>
-            <a:r>
-              <a:rPr lang="ko-KR" altLang="en-US" u="sng" dirty="0"/>
-              <a:t> </a:t>
-            </a:r>
-          </a:p>
-        </p:txBody>
-      </p:sp>
-      <p:sp>
-        <p:nvSpPr>
-          <p:cNvPr id="50" name="TextBox 49">
-            <a:extLst>
-              <a:ext uri="{FF2B5EF4-FFF2-40B4-BE49-F238E27FC236}">
-                <a16:creationId xmlns:a16="http://schemas.microsoft.com/office/drawing/2014/main" id="{C119B2C6-8F9B-484A-BF3E-1CE1DBE09AD8}"/>
-              </a:ext>
-            </a:extLst>
-          </p:cNvPr>
-          <p:cNvSpPr txBox="1"/>
-          <p:nvPr/>
-        </p:nvSpPr>
-        <p:spPr>
-          <a:xfrm>
-            <a:off x="0" y="7493840"/>
-            <a:ext cx="5412059" cy="369332"/>
-          </a:xfrm>
-          <a:prstGeom prst="rect">
-            <a:avLst/>
-          </a:prstGeom>
-          <a:noFill/>
-        </p:spPr>
-        <p:txBody>
-          <a:bodyPr wrap="none" rtlCol="0">
-            <a:spAutoFit/>
-          </a:bodyPr>
-          <a:lstStyle/>
-          <a:p>
-            <a:r>
-              <a:rPr lang="ko-KR" altLang="en-US" u="sng" dirty="0"/>
-              <a:t>이전 검색 기록들                                                            </a:t>
-            </a:r>
-            <a:r>
-              <a:rPr lang="en-US" altLang="ko-KR" u="sng" dirty="0"/>
-              <a:t>X</a:t>
-            </a:r>
-            <a:r>
-              <a:rPr lang="ko-KR" altLang="en-US" u="sng" dirty="0"/>
-              <a:t> </a:t>
-            </a:r>
-          </a:p>
-        </p:txBody>
-      </p:sp>
-      <p:sp>
-        <p:nvSpPr>
-          <p:cNvPr id="51" name="TextBox 50">
-            <a:extLst>
-              <a:ext uri="{FF2B5EF4-FFF2-40B4-BE49-F238E27FC236}">
-                <a16:creationId xmlns:a16="http://schemas.microsoft.com/office/drawing/2014/main" id="{2AD3D306-D8F8-4F00-978C-7C870254B389}"/>
-              </a:ext>
-            </a:extLst>
-          </p:cNvPr>
-          <p:cNvSpPr txBox="1"/>
-          <p:nvPr/>
-        </p:nvSpPr>
-        <p:spPr>
-          <a:xfrm>
-            <a:off x="0" y="7887659"/>
-            <a:ext cx="5412059" cy="369332"/>
-          </a:xfrm>
-          <a:prstGeom prst="rect">
-            <a:avLst/>
-          </a:prstGeom>
-          <a:noFill/>
-        </p:spPr>
-        <p:txBody>
-          <a:bodyPr wrap="none" rtlCol="0">
-            <a:spAutoFit/>
-          </a:bodyPr>
-          <a:lstStyle/>
-          <a:p>
-            <a:r>
-              <a:rPr lang="ko-KR" altLang="en-US" u="sng" dirty="0"/>
-              <a:t>이전 검색 기록들                                                            </a:t>
-            </a:r>
-            <a:r>
-              <a:rPr lang="en-US" altLang="ko-KR" u="sng" dirty="0"/>
-              <a:t>X</a:t>
-            </a:r>
-            <a:r>
-              <a:rPr lang="ko-KR" altLang="en-US" u="sng" dirty="0"/>
-              <a:t> </a:t>
-            </a:r>
-          </a:p>
-        </p:txBody>
-      </p:sp>
-      <p:sp>
-        <p:nvSpPr>
-          <p:cNvPr id="52" name="TextBox 51">
-            <a:extLst>
-              <a:ext uri="{FF2B5EF4-FFF2-40B4-BE49-F238E27FC236}">
-                <a16:creationId xmlns:a16="http://schemas.microsoft.com/office/drawing/2014/main" id="{628A7F05-0E6E-488B-87D5-0556CB362C03}"/>
-              </a:ext>
-            </a:extLst>
-          </p:cNvPr>
-          <p:cNvSpPr txBox="1"/>
-          <p:nvPr/>
-        </p:nvSpPr>
-        <p:spPr>
-          <a:xfrm>
-            <a:off x="0" y="8281478"/>
-            <a:ext cx="5412059" cy="369332"/>
-          </a:xfrm>
-          <a:prstGeom prst="rect">
-            <a:avLst/>
-          </a:prstGeom>
-          <a:noFill/>
-        </p:spPr>
-        <p:txBody>
-          <a:bodyPr wrap="none" rtlCol="0">
-            <a:spAutoFit/>
-          </a:bodyPr>
-          <a:lstStyle/>
-          <a:p>
-            <a:r>
-              <a:rPr lang="ko-KR" altLang="en-US" u="sng" dirty="0"/>
-              <a:t>이전 검색 기록들                                                            </a:t>
-            </a:r>
-            <a:r>
-              <a:rPr lang="en-US" altLang="ko-KR" u="sng" dirty="0"/>
-              <a:t>X</a:t>
-            </a:r>
-            <a:r>
-              <a:rPr lang="ko-KR" altLang="en-US" u="sng" dirty="0"/>
-              <a:t> </a:t>
-            </a:r>
-          </a:p>
-        </p:txBody>
-      </p:sp>
-      <p:sp>
-        <p:nvSpPr>
-          <p:cNvPr id="53" name="TextBox 52">
-            <a:extLst>
-              <a:ext uri="{FF2B5EF4-FFF2-40B4-BE49-F238E27FC236}">
-                <a16:creationId xmlns:a16="http://schemas.microsoft.com/office/drawing/2014/main" id="{7E07A302-84B0-48FA-8C0F-A4434DA8EB65}"/>
-              </a:ext>
-            </a:extLst>
-          </p:cNvPr>
-          <p:cNvSpPr txBox="1"/>
-          <p:nvPr/>
-        </p:nvSpPr>
-        <p:spPr>
-          <a:xfrm>
-            <a:off x="0" y="8675297"/>
-            <a:ext cx="5412059" cy="369332"/>
-          </a:xfrm>
-          <a:prstGeom prst="rect">
-            <a:avLst/>
-          </a:prstGeom>
-          <a:noFill/>
-        </p:spPr>
-        <p:txBody>
-          <a:bodyPr wrap="none" rtlCol="0">
-            <a:spAutoFit/>
-          </a:bodyPr>
-          <a:lstStyle/>
-          <a:p>
-            <a:r>
-              <a:rPr lang="ko-KR" altLang="en-US" u="sng" dirty="0"/>
-              <a:t>이전 검색 기록들                                                            </a:t>
-            </a:r>
-            <a:r>
-              <a:rPr lang="en-US" altLang="ko-KR" u="sng" dirty="0"/>
-              <a:t>X</a:t>
-            </a:r>
-            <a:r>
-              <a:rPr lang="ko-KR" altLang="en-US" u="sng" dirty="0"/>
-              <a:t> </a:t>
-            </a:r>
-          </a:p>
-        </p:txBody>
-      </p:sp>
-      <p:sp>
-        <p:nvSpPr>
-          <p:cNvPr id="54" name="TextBox 53">
-            <a:extLst>
-              <a:ext uri="{FF2B5EF4-FFF2-40B4-BE49-F238E27FC236}">
-                <a16:creationId xmlns:a16="http://schemas.microsoft.com/office/drawing/2014/main" id="{A3F48903-5E00-488F-8DB9-13EC9C9AFFA2}"/>
-              </a:ext>
-            </a:extLst>
-          </p:cNvPr>
-          <p:cNvSpPr txBox="1"/>
-          <p:nvPr/>
-        </p:nvSpPr>
-        <p:spPr>
-          <a:xfrm>
-            <a:off x="0" y="5535506"/>
-            <a:ext cx="5412059" cy="369332"/>
-          </a:xfrm>
-          <a:prstGeom prst="rect">
-            <a:avLst/>
-          </a:prstGeom>
-          <a:noFill/>
-        </p:spPr>
-        <p:txBody>
-          <a:bodyPr wrap="none" rtlCol="0">
-            <a:spAutoFit/>
-          </a:bodyPr>
-          <a:lstStyle/>
-          <a:p>
-            <a:r>
-              <a:rPr lang="ko-KR" altLang="en-US" u="sng" dirty="0"/>
-              <a:t>이전 검색 기록들                                                            </a:t>
-            </a:r>
-            <a:r>
-              <a:rPr lang="en-US" altLang="ko-KR" u="sng" dirty="0"/>
-              <a:t>X</a:t>
-            </a:r>
-            <a:r>
-              <a:rPr lang="ko-KR" altLang="en-US" u="sng" dirty="0"/>
-              <a:t> </a:t>
-            </a:r>
-          </a:p>
-        </p:txBody>
-      </p:sp>
     </p:spTree>
     <p:extLst>
       <p:ext uri="{BB962C8B-B14F-4D97-AF65-F5344CB8AC3E}">
@@ -12272,115 +12268,6 @@
           </a:p>
         </p:txBody>
       </p:sp>
-      <p:grpSp>
-        <p:nvGrpSpPr>
-          <p:cNvPr id="23" name="그룹 22">
-            <a:extLst>
-              <a:ext uri="{FF2B5EF4-FFF2-40B4-BE49-F238E27FC236}">
-                <a16:creationId xmlns:a16="http://schemas.microsoft.com/office/drawing/2014/main" id="{0A431B97-6F3C-4C7B-99A9-59A7A1279C45}"/>
-              </a:ext>
-            </a:extLst>
-          </p:cNvPr>
-          <p:cNvGrpSpPr/>
-          <p:nvPr/>
-        </p:nvGrpSpPr>
-        <p:grpSpPr>
-          <a:xfrm>
-            <a:off x="4505899" y="0"/>
-            <a:ext cx="637601" cy="622525"/>
-            <a:chOff x="4505899" y="0"/>
-            <a:chExt cx="637601" cy="622525"/>
-          </a:xfrm>
-        </p:grpSpPr>
-        <p:sp>
-          <p:nvSpPr>
-            <p:cNvPr id="2" name="순서도: 대체 처리 1">
-              <a:extLst>
-                <a:ext uri="{FF2B5EF4-FFF2-40B4-BE49-F238E27FC236}">
-                  <a16:creationId xmlns:a16="http://schemas.microsoft.com/office/drawing/2014/main" id="{990CEF20-5D2F-4E30-91FC-3DA85F942919}"/>
-                </a:ext>
-              </a:extLst>
-            </p:cNvPr>
-            <p:cNvSpPr/>
-            <p:nvPr/>
-          </p:nvSpPr>
-          <p:spPr>
-            <a:xfrm>
-              <a:off x="4505899" y="0"/>
-              <a:ext cx="637601" cy="622525"/>
-            </a:xfrm>
-            <a:prstGeom prst="flowChartAlternateProcess">
-              <a:avLst/>
-            </a:prstGeom>
-            <a:solidFill>
-              <a:schemeClr val="bg1"/>
-            </a:solidFill>
-          </p:spPr>
-          <p:style>
-            <a:lnRef idx="2">
-              <a:schemeClr val="accent1">
-                <a:shade val="50000"/>
-              </a:schemeClr>
-            </a:lnRef>
-            <a:fillRef idx="1">
-              <a:schemeClr val="accent1"/>
-            </a:fillRef>
-            <a:effectRef idx="0">
-              <a:schemeClr val="accent1"/>
-            </a:effectRef>
-            <a:fontRef idx="minor">
-              <a:schemeClr val="lt1"/>
-            </a:fontRef>
-          </p:style>
-          <p:txBody>
-            <a:bodyPr rtlCol="0" anchor="ctr"/>
-            <a:lstStyle/>
-            <a:p>
-              <a:pPr algn="ctr"/>
-              <a:endParaRPr lang="ko-KR" altLang="en-US"/>
-            </a:p>
-          </p:txBody>
-        </p:sp>
-        <p:pic>
-          <p:nvPicPr>
-            <p:cNvPr id="7" name="그래픽 6" descr="돋보기 단색으로 채워진">
-              <a:extLst>
-                <a:ext uri="{FF2B5EF4-FFF2-40B4-BE49-F238E27FC236}">
-                  <a16:creationId xmlns:a16="http://schemas.microsoft.com/office/drawing/2014/main" id="{B82E5C64-4949-4EF2-900B-E2CD4DE095D7}"/>
-                </a:ext>
-              </a:extLst>
-            </p:cNvPr>
-            <p:cNvPicPr>
-              <a:picLocks noChangeAspect="1"/>
-            </p:cNvPicPr>
-            <p:nvPr/>
-          </p:nvPicPr>
-          <p:blipFill>
-            <a:blip r:embed="rId3">
-              <a:extLst>
-                <a:ext uri="{28A0092B-C50C-407E-A947-70E740481C1C}">
-                  <a14:useLocalDpi xmlns:a14="http://schemas.microsoft.com/office/drawing/2010/main" val="0"/>
-                </a:ext>
-                <a:ext uri="{96DAC541-7B7A-43D3-8B79-37D633B846F1}">
-                  <asvg:svgBlip xmlns:asvg="http://schemas.microsoft.com/office/drawing/2016/SVG/main" r:embed="rId4"/>
-                </a:ext>
-              </a:extLst>
-            </a:blip>
-            <a:stretch>
-              <a:fillRect/>
-            </a:stretch>
-          </p:blipFill>
-          <p:spPr>
-            <a:xfrm>
-              <a:off x="4531967" y="14423"/>
-              <a:ext cx="585463" cy="585463"/>
-            </a:xfrm>
-            <a:prstGeom prst="rect">
-              <a:avLst/>
-            </a:prstGeom>
-          </p:spPr>
-        </p:pic>
-      </p:grpSp>
       <p:pic>
         <p:nvPicPr>
           <p:cNvPr id="27" name="그래픽 26" descr="표식 단색으로 채워진">
@@ -12396,13 +12283,13 @@
           <p:nvPr/>
         </p:nvPicPr>
         <p:blipFill>
-          <a:blip r:embed="rId5">
+          <a:blip r:embed="rId3">
             <a:extLst>
               <a:ext uri="{28A0092B-C50C-407E-A947-70E740481C1C}">
                 <a14:useLocalDpi xmlns:a14="http://schemas.microsoft.com/office/drawing/2010/main" val="0"/>
               </a:ext>
               <a:ext uri="{96DAC541-7B7A-43D3-8B79-37D633B846F1}">
-                <asvg:svgBlip xmlns:asvg="http://schemas.microsoft.com/office/drawing/2016/SVG/main" r:embed="rId6"/>
+                <asvg:svgBlip xmlns:asvg="http://schemas.microsoft.com/office/drawing/2016/SVG/main" r:embed="rId4"/>
               </a:ext>
             </a:extLst>
           </a:blip>
@@ -12624,55 +12511,6 @@
       </p:cxnSp>
       <p:sp>
         <p:nvSpPr>
-          <p:cNvPr id="36" name="사각형: 둥근 모서리 35">
-            <a:extLst>
-              <a:ext uri="{FF2B5EF4-FFF2-40B4-BE49-F238E27FC236}">
-                <a16:creationId xmlns:a16="http://schemas.microsoft.com/office/drawing/2014/main" id="{83E69167-4151-4253-9BC3-53A3EA989F63}"/>
-              </a:ext>
-            </a:extLst>
-          </p:cNvPr>
-          <p:cNvSpPr/>
-          <p:nvPr/>
-        </p:nvSpPr>
-        <p:spPr>
-          <a:xfrm>
-            <a:off x="0" y="7531018"/>
-            <a:ext cx="5143500" cy="1612981"/>
-          </a:xfrm>
-          <a:prstGeom prst="roundRect">
-            <a:avLst/>
-          </a:prstGeom>
-          <a:solidFill>
-            <a:schemeClr val="bg1"/>
-          </a:solidFill>
-        </p:spPr>
-        <p:style>
-          <a:lnRef idx="2">
-            <a:schemeClr val="accent1">
-              <a:shade val="50000"/>
-            </a:schemeClr>
-          </a:lnRef>
-          <a:fillRef idx="1">
-            <a:schemeClr val="accent1"/>
-          </a:fillRef>
-          <a:effectRef idx="0">
-            <a:schemeClr val="accent1"/>
-          </a:effectRef>
-          <a:fontRef idx="minor">
-            <a:schemeClr val="lt1"/>
-          </a:fontRef>
-        </p:style>
-        <p:txBody>
-          <a:bodyPr rtlCol="0" anchor="ctr"/>
-          <a:lstStyle/>
-          <a:p>
-            <a:pPr algn="ctr"/>
-            <a:endParaRPr lang="ko-KR" altLang="en-US" dirty="0"/>
-          </a:p>
-        </p:txBody>
-      </p:sp>
-      <p:sp>
-        <p:nvSpPr>
           <p:cNvPr id="37" name="TextBox 36">
             <a:extLst>
               <a:ext uri="{FF2B5EF4-FFF2-40B4-BE49-F238E27FC236}">
@@ -12808,13 +12646,13 @@
           <p:nvPr/>
         </p:nvPicPr>
         <p:blipFill>
-          <a:blip r:embed="rId7">
+          <a:blip r:embed="rId5">
             <a:extLst>
               <a:ext uri="{28A0092B-C50C-407E-A947-70E740481C1C}">
                 <a14:useLocalDpi xmlns:a14="http://schemas.microsoft.com/office/drawing/2010/main" val="0"/>
               </a:ext>
               <a:ext uri="{96DAC541-7B7A-43D3-8B79-37D633B846F1}">
-                <asvg:svgBlip xmlns:asvg="http://schemas.microsoft.com/office/drawing/2016/SVG/main" r:embed="rId8"/>
+                <asvg:svgBlip xmlns:asvg="http://schemas.microsoft.com/office/drawing/2016/SVG/main" r:embed="rId6"/>
               </a:ext>
             </a:extLst>
           </a:blip>
@@ -12921,13 +12759,13 @@
             <p:nvPr/>
           </p:nvPicPr>
           <p:blipFill>
-            <a:blip r:embed="rId9">
+            <a:blip r:embed="rId7">
               <a:extLst>
                 <a:ext uri="{28A0092B-C50C-407E-A947-70E740481C1C}">
                   <a14:useLocalDpi xmlns:a14="http://schemas.microsoft.com/office/drawing/2010/main" val="0"/>
                 </a:ext>
                 <a:ext uri="{96DAC541-7B7A-43D3-8B79-37D633B846F1}">
-                  <asvg:svgBlip xmlns:asvg="http://schemas.microsoft.com/office/drawing/2016/SVG/main" r:embed="rId10"/>
+                  <asvg:svgBlip xmlns:asvg="http://schemas.microsoft.com/office/drawing/2016/SVG/main" r:embed="rId8"/>
                 </a:ext>
               </a:extLst>
             </a:blip>
@@ -12946,693 +12784,12 @@
           </p:spPr>
         </p:pic>
       </p:grpSp>
-    </p:spTree>
-    <p:extLst>
-      <p:ext uri="{BB962C8B-B14F-4D97-AF65-F5344CB8AC3E}">
-        <p14:creationId xmlns:p14="http://schemas.microsoft.com/office/powerpoint/2010/main" val="798762582"/>
-      </p:ext>
-    </p:extLst>
-  </p:cSld>
-  <p:clrMapOvr>
-    <a:masterClrMapping/>
-  </p:clrMapOvr>
-</p:sld>
-</file>
-
-<file path=ppt/slides/slide9.xml><?xml version="1.0" encoding="utf-8"?>
-<p:sld xmlns:a="http://schemas.openxmlformats.org/drawingml/2006/main" xmlns:r="http://schemas.openxmlformats.org/officeDocument/2006/relationships" xmlns:p="http://schemas.openxmlformats.org/presentationml/2006/main">
-  <p:cSld>
-    <p:spTree>
-      <p:nvGrpSpPr>
-        <p:cNvPr id="1" name=""/>
-        <p:cNvGrpSpPr/>
-        <p:nvPr/>
-      </p:nvGrpSpPr>
-      <p:grpSpPr>
-        <a:xfrm>
-          <a:off x="0" y="0"/>
-          <a:ext cx="0" cy="0"/>
-          <a:chOff x="0" y="0"/>
-          <a:chExt cx="0" cy="0"/>
-        </a:xfrm>
-      </p:grpSpPr>
-      <p:sp>
-        <p:nvSpPr>
-          <p:cNvPr id="6" name="TextBox 5">
-            <a:extLst>
-              <a:ext uri="{FF2B5EF4-FFF2-40B4-BE49-F238E27FC236}">
-                <a16:creationId xmlns:a16="http://schemas.microsoft.com/office/drawing/2014/main" id="{83A3AC0A-1B4E-4D47-8AAA-5E9078CED316}"/>
-              </a:ext>
-            </a:extLst>
-          </p:cNvPr>
-          <p:cNvSpPr txBox="1"/>
-          <p:nvPr/>
-        </p:nvSpPr>
-        <p:spPr>
-          <a:xfrm>
-            <a:off x="952556" y="122488"/>
-            <a:ext cx="3238387" cy="369332"/>
-          </a:xfrm>
-          <a:prstGeom prst="rect">
-            <a:avLst/>
-          </a:prstGeom>
-          <a:noFill/>
-        </p:spPr>
-        <p:txBody>
-          <a:bodyPr wrap="none" rtlCol="0">
-            <a:spAutoFit/>
-          </a:bodyPr>
-          <a:lstStyle/>
-          <a:p>
-            <a:r>
-              <a:rPr lang="ko-KR" altLang="en-US" dirty="0"/>
-              <a:t>성균관대학교 자연과학캠퍼스</a:t>
-            </a:r>
-          </a:p>
-        </p:txBody>
-      </p:sp>
-      <p:sp>
-        <p:nvSpPr>
-          <p:cNvPr id="9" name="타원 8">
-            <a:extLst>
-              <a:ext uri="{FF2B5EF4-FFF2-40B4-BE49-F238E27FC236}">
-                <a16:creationId xmlns:a16="http://schemas.microsoft.com/office/drawing/2014/main" id="{AB6B584B-2E03-4BD6-AA43-826515B44D8E}"/>
-              </a:ext>
-            </a:extLst>
-          </p:cNvPr>
-          <p:cNvSpPr/>
-          <p:nvPr/>
-        </p:nvSpPr>
-        <p:spPr>
-          <a:xfrm>
-            <a:off x="6026870" y="3196692"/>
-            <a:ext cx="236220" cy="229381"/>
-          </a:xfrm>
-          <a:prstGeom prst="ellipse">
-            <a:avLst/>
-          </a:prstGeom>
-        </p:spPr>
-        <p:style>
-          <a:lnRef idx="2">
-            <a:schemeClr val="accent6"/>
-          </a:lnRef>
-          <a:fillRef idx="1">
-            <a:schemeClr val="lt1"/>
-          </a:fillRef>
-          <a:effectRef idx="0">
-            <a:schemeClr val="accent6"/>
-          </a:effectRef>
-          <a:fontRef idx="minor">
-            <a:schemeClr val="dk1"/>
-          </a:fontRef>
-        </p:style>
-        <p:txBody>
-          <a:bodyPr rtlCol="0" anchor="ctr"/>
-          <a:lstStyle/>
-          <a:p>
-            <a:pPr algn="ctr"/>
-            <a:endParaRPr lang="ko-KR" altLang="en-US"/>
-          </a:p>
-        </p:txBody>
-      </p:sp>
-      <p:sp>
-        <p:nvSpPr>
-          <p:cNvPr id="10" name="타원 9">
-            <a:extLst>
-              <a:ext uri="{FF2B5EF4-FFF2-40B4-BE49-F238E27FC236}">
-                <a16:creationId xmlns:a16="http://schemas.microsoft.com/office/drawing/2014/main" id="{C2175F0C-BFB6-4C11-9DFA-E03398B86DDD}"/>
-              </a:ext>
-            </a:extLst>
-          </p:cNvPr>
-          <p:cNvSpPr/>
-          <p:nvPr/>
-        </p:nvSpPr>
-        <p:spPr>
-          <a:xfrm>
-            <a:off x="6403108" y="3577692"/>
-            <a:ext cx="236220" cy="229381"/>
-          </a:xfrm>
-          <a:prstGeom prst="ellipse">
-            <a:avLst/>
-          </a:prstGeom>
-        </p:spPr>
-        <p:style>
-          <a:lnRef idx="2">
-            <a:schemeClr val="accent6"/>
-          </a:lnRef>
-          <a:fillRef idx="1">
-            <a:schemeClr val="lt1"/>
-          </a:fillRef>
-          <a:effectRef idx="0">
-            <a:schemeClr val="accent6"/>
-          </a:effectRef>
-          <a:fontRef idx="minor">
-            <a:schemeClr val="dk1"/>
-          </a:fontRef>
-        </p:style>
-        <p:txBody>
-          <a:bodyPr rtlCol="0" anchor="ctr"/>
-          <a:lstStyle/>
-          <a:p>
-            <a:pPr algn="ctr"/>
-            <a:endParaRPr lang="ko-KR" altLang="en-US"/>
-          </a:p>
-        </p:txBody>
-      </p:sp>
-      <p:sp>
-        <p:nvSpPr>
-          <p:cNvPr id="11" name="타원 10">
-            <a:extLst>
-              <a:ext uri="{FF2B5EF4-FFF2-40B4-BE49-F238E27FC236}">
-                <a16:creationId xmlns:a16="http://schemas.microsoft.com/office/drawing/2014/main" id="{05099A18-FB7D-4DDF-AD28-9D2875B7E893}"/>
-              </a:ext>
-            </a:extLst>
-          </p:cNvPr>
-          <p:cNvSpPr/>
-          <p:nvPr/>
-        </p:nvSpPr>
-        <p:spPr>
-          <a:xfrm>
-            <a:off x="6850783" y="3953930"/>
-            <a:ext cx="236220" cy="229381"/>
-          </a:xfrm>
-          <a:prstGeom prst="ellipse">
-            <a:avLst/>
-          </a:prstGeom>
-        </p:spPr>
-        <p:style>
-          <a:lnRef idx="2">
-            <a:schemeClr val="accent6"/>
-          </a:lnRef>
-          <a:fillRef idx="1">
-            <a:schemeClr val="lt1"/>
-          </a:fillRef>
-          <a:effectRef idx="0">
-            <a:schemeClr val="accent6"/>
-          </a:effectRef>
-          <a:fontRef idx="minor">
-            <a:schemeClr val="dk1"/>
-          </a:fontRef>
-        </p:style>
-        <p:txBody>
-          <a:bodyPr rtlCol="0" anchor="ctr"/>
-          <a:lstStyle/>
-          <a:p>
-            <a:pPr algn="ctr"/>
-            <a:endParaRPr lang="ko-KR" altLang="en-US"/>
-          </a:p>
-        </p:txBody>
-      </p:sp>
-      <p:sp>
-        <p:nvSpPr>
-          <p:cNvPr id="12" name="타원 11">
-            <a:extLst>
-              <a:ext uri="{FF2B5EF4-FFF2-40B4-BE49-F238E27FC236}">
-                <a16:creationId xmlns:a16="http://schemas.microsoft.com/office/drawing/2014/main" id="{CBE4B9EB-459D-46BA-9C2D-99ED9297724D}"/>
-              </a:ext>
-            </a:extLst>
-          </p:cNvPr>
-          <p:cNvSpPr/>
-          <p:nvPr/>
-        </p:nvSpPr>
-        <p:spPr>
-          <a:xfrm>
-            <a:off x="7208922" y="4396843"/>
-            <a:ext cx="236220" cy="229381"/>
-          </a:xfrm>
-          <a:prstGeom prst="ellipse">
-            <a:avLst/>
-          </a:prstGeom>
-        </p:spPr>
-        <p:style>
-          <a:lnRef idx="2">
-            <a:schemeClr val="accent6"/>
-          </a:lnRef>
-          <a:fillRef idx="1">
-            <a:schemeClr val="lt1"/>
-          </a:fillRef>
-          <a:effectRef idx="0">
-            <a:schemeClr val="accent6"/>
-          </a:effectRef>
-          <a:fontRef idx="minor">
-            <a:schemeClr val="dk1"/>
-          </a:fontRef>
-        </p:style>
-        <p:txBody>
-          <a:bodyPr rtlCol="0" anchor="ctr"/>
-          <a:lstStyle/>
-          <a:p>
-            <a:pPr algn="ctr"/>
-            <a:endParaRPr lang="ko-KR" altLang="en-US"/>
-          </a:p>
-        </p:txBody>
-      </p:sp>
-      <p:sp>
-        <p:nvSpPr>
-          <p:cNvPr id="13" name="타원 12">
-            <a:extLst>
-              <a:ext uri="{FF2B5EF4-FFF2-40B4-BE49-F238E27FC236}">
-                <a16:creationId xmlns:a16="http://schemas.microsoft.com/office/drawing/2014/main" id="{B7F4FC33-8A6B-4B1F-8447-9DE8E51DD3ED}"/>
-              </a:ext>
-            </a:extLst>
-          </p:cNvPr>
-          <p:cNvSpPr/>
-          <p:nvPr/>
-        </p:nvSpPr>
-        <p:spPr>
-          <a:xfrm>
-            <a:off x="6908885" y="4726236"/>
-            <a:ext cx="236220" cy="229381"/>
-          </a:xfrm>
-          <a:prstGeom prst="ellipse">
-            <a:avLst/>
-          </a:prstGeom>
-        </p:spPr>
-        <p:style>
-          <a:lnRef idx="2">
-            <a:schemeClr val="accent6"/>
-          </a:lnRef>
-          <a:fillRef idx="1">
-            <a:schemeClr val="lt1"/>
-          </a:fillRef>
-          <a:effectRef idx="0">
-            <a:schemeClr val="accent6"/>
-          </a:effectRef>
-          <a:fontRef idx="minor">
-            <a:schemeClr val="dk1"/>
-          </a:fontRef>
-        </p:style>
-        <p:txBody>
-          <a:bodyPr rtlCol="0" anchor="ctr"/>
-          <a:lstStyle/>
-          <a:p>
-            <a:pPr algn="ctr"/>
-            <a:endParaRPr lang="ko-KR" altLang="en-US"/>
-          </a:p>
-        </p:txBody>
-      </p:sp>
-      <p:sp>
-        <p:nvSpPr>
-          <p:cNvPr id="14" name="타원 13">
-            <a:extLst>
-              <a:ext uri="{FF2B5EF4-FFF2-40B4-BE49-F238E27FC236}">
-                <a16:creationId xmlns:a16="http://schemas.microsoft.com/office/drawing/2014/main" id="{9AFF05C3-BA39-4463-90E4-1543F196919B}"/>
-              </a:ext>
-            </a:extLst>
-          </p:cNvPr>
-          <p:cNvSpPr/>
-          <p:nvPr/>
-        </p:nvSpPr>
-        <p:spPr>
-          <a:xfrm>
-            <a:off x="5545858" y="4626224"/>
-            <a:ext cx="236220" cy="229381"/>
-          </a:xfrm>
-          <a:prstGeom prst="ellipse">
-            <a:avLst/>
-          </a:prstGeom>
-        </p:spPr>
-        <p:style>
-          <a:lnRef idx="2">
-            <a:schemeClr val="accent6"/>
-          </a:lnRef>
-          <a:fillRef idx="1">
-            <a:schemeClr val="lt1"/>
-          </a:fillRef>
-          <a:effectRef idx="0">
-            <a:schemeClr val="accent6"/>
-          </a:effectRef>
-          <a:fontRef idx="minor">
-            <a:schemeClr val="dk1"/>
-          </a:fontRef>
-        </p:style>
-        <p:txBody>
-          <a:bodyPr rtlCol="0" anchor="ctr"/>
-          <a:lstStyle/>
-          <a:p>
-            <a:pPr algn="ctr"/>
-            <a:endParaRPr lang="ko-KR" altLang="en-US"/>
-          </a:p>
-        </p:txBody>
-      </p:sp>
-      <p:sp>
-        <p:nvSpPr>
-          <p:cNvPr id="15" name="타원 14">
-            <a:extLst>
-              <a:ext uri="{FF2B5EF4-FFF2-40B4-BE49-F238E27FC236}">
-                <a16:creationId xmlns:a16="http://schemas.microsoft.com/office/drawing/2014/main" id="{CD65E81F-C36F-4A03-8B1F-3A59CF79861E}"/>
-              </a:ext>
-            </a:extLst>
-          </p:cNvPr>
-          <p:cNvSpPr/>
-          <p:nvPr/>
-        </p:nvSpPr>
-        <p:spPr>
-          <a:xfrm>
-            <a:off x="8924824" y="3459463"/>
-            <a:ext cx="236220" cy="229381"/>
-          </a:xfrm>
-          <a:prstGeom prst="ellipse">
-            <a:avLst/>
-          </a:prstGeom>
-        </p:spPr>
-        <p:style>
-          <a:lnRef idx="2">
-            <a:schemeClr val="accent6"/>
-          </a:lnRef>
-          <a:fillRef idx="1">
-            <a:schemeClr val="lt1"/>
-          </a:fillRef>
-          <a:effectRef idx="0">
-            <a:schemeClr val="accent6"/>
-          </a:effectRef>
-          <a:fontRef idx="minor">
-            <a:schemeClr val="dk1"/>
-          </a:fontRef>
-        </p:style>
-        <p:txBody>
-          <a:bodyPr rtlCol="0" anchor="ctr"/>
-          <a:lstStyle/>
-          <a:p>
-            <a:pPr algn="ctr"/>
-            <a:endParaRPr lang="ko-KR" altLang="en-US"/>
-          </a:p>
-        </p:txBody>
-      </p:sp>
-      <p:sp>
-        <p:nvSpPr>
-          <p:cNvPr id="16" name="타원 15">
-            <a:extLst>
-              <a:ext uri="{FF2B5EF4-FFF2-40B4-BE49-F238E27FC236}">
-                <a16:creationId xmlns:a16="http://schemas.microsoft.com/office/drawing/2014/main" id="{64A2EBDD-55BD-4AE3-A7BC-4F1159A3C170}"/>
-              </a:ext>
-            </a:extLst>
-          </p:cNvPr>
-          <p:cNvSpPr/>
-          <p:nvPr/>
-        </p:nvSpPr>
-        <p:spPr>
-          <a:xfrm>
-            <a:off x="7517475" y="2645024"/>
-            <a:ext cx="236220" cy="229381"/>
-          </a:xfrm>
-          <a:prstGeom prst="ellipse">
-            <a:avLst/>
-          </a:prstGeom>
-        </p:spPr>
-        <p:style>
-          <a:lnRef idx="2">
-            <a:schemeClr val="accent6"/>
-          </a:lnRef>
-          <a:fillRef idx="1">
-            <a:schemeClr val="lt1"/>
-          </a:fillRef>
-          <a:effectRef idx="0">
-            <a:schemeClr val="accent6"/>
-          </a:effectRef>
-          <a:fontRef idx="minor">
-            <a:schemeClr val="dk1"/>
-          </a:fontRef>
-        </p:style>
-        <p:txBody>
-          <a:bodyPr rtlCol="0" anchor="ctr"/>
-          <a:lstStyle/>
-          <a:p>
-            <a:pPr algn="ctr"/>
-            <a:endParaRPr lang="ko-KR" altLang="en-US"/>
-          </a:p>
-        </p:txBody>
-      </p:sp>
-      <p:sp>
-        <p:nvSpPr>
-          <p:cNvPr id="17" name="타원 16">
-            <a:extLst>
-              <a:ext uri="{FF2B5EF4-FFF2-40B4-BE49-F238E27FC236}">
-                <a16:creationId xmlns:a16="http://schemas.microsoft.com/office/drawing/2014/main" id="{8271486A-1A1C-4BB8-95B8-064C4C2E7CC9}"/>
-              </a:ext>
-            </a:extLst>
-          </p:cNvPr>
-          <p:cNvSpPr/>
-          <p:nvPr/>
-        </p:nvSpPr>
-        <p:spPr>
-          <a:xfrm>
-            <a:off x="7794710" y="3126036"/>
-            <a:ext cx="236220" cy="229381"/>
-          </a:xfrm>
-          <a:prstGeom prst="ellipse">
-            <a:avLst/>
-          </a:prstGeom>
-        </p:spPr>
-        <p:style>
-          <a:lnRef idx="2">
-            <a:schemeClr val="accent6"/>
-          </a:lnRef>
-          <a:fillRef idx="1">
-            <a:schemeClr val="lt1"/>
-          </a:fillRef>
-          <a:effectRef idx="0">
-            <a:schemeClr val="accent6"/>
-          </a:effectRef>
-          <a:fontRef idx="minor">
-            <a:schemeClr val="dk1"/>
-          </a:fontRef>
-        </p:style>
-        <p:txBody>
-          <a:bodyPr rtlCol="0" anchor="ctr"/>
-          <a:lstStyle/>
-          <a:p>
-            <a:pPr algn="ctr"/>
-            <a:endParaRPr lang="ko-KR" altLang="en-US"/>
-          </a:p>
-        </p:txBody>
-      </p:sp>
-      <p:sp>
-        <p:nvSpPr>
-          <p:cNvPr id="18" name="타원 17">
-            <a:extLst>
-              <a:ext uri="{FF2B5EF4-FFF2-40B4-BE49-F238E27FC236}">
-                <a16:creationId xmlns:a16="http://schemas.microsoft.com/office/drawing/2014/main" id="{3D73E149-A34A-41B4-8260-A1FC2D3F8B54}"/>
-              </a:ext>
-            </a:extLst>
-          </p:cNvPr>
-          <p:cNvSpPr/>
-          <p:nvPr/>
-        </p:nvSpPr>
-        <p:spPr>
-          <a:xfrm>
-            <a:off x="6645995" y="2797424"/>
-            <a:ext cx="236220" cy="229381"/>
-          </a:xfrm>
-          <a:prstGeom prst="ellipse">
-            <a:avLst/>
-          </a:prstGeom>
-        </p:spPr>
-        <p:style>
-          <a:lnRef idx="2">
-            <a:schemeClr val="accent6"/>
-          </a:lnRef>
-          <a:fillRef idx="1">
-            <a:schemeClr val="lt1"/>
-          </a:fillRef>
-          <a:effectRef idx="0">
-            <a:schemeClr val="accent6"/>
-          </a:effectRef>
-          <a:fontRef idx="minor">
-            <a:schemeClr val="dk1"/>
-          </a:fontRef>
-        </p:style>
-        <p:txBody>
-          <a:bodyPr rtlCol="0" anchor="ctr"/>
-          <a:lstStyle/>
-          <a:p>
-            <a:pPr algn="ctr"/>
-            <a:endParaRPr lang="ko-KR" altLang="en-US"/>
-          </a:p>
-        </p:txBody>
-      </p:sp>
-      <p:sp>
-        <p:nvSpPr>
-          <p:cNvPr id="19" name="타원 18">
-            <a:extLst>
-              <a:ext uri="{FF2B5EF4-FFF2-40B4-BE49-F238E27FC236}">
-                <a16:creationId xmlns:a16="http://schemas.microsoft.com/office/drawing/2014/main" id="{69F2E55C-2B57-4682-B288-2B177D0BDA98}"/>
-              </a:ext>
-            </a:extLst>
-          </p:cNvPr>
-          <p:cNvSpPr/>
-          <p:nvPr/>
-        </p:nvSpPr>
-        <p:spPr>
-          <a:xfrm>
-            <a:off x="8767213" y="4106551"/>
-            <a:ext cx="236220" cy="229381"/>
-          </a:xfrm>
-          <a:prstGeom prst="ellipse">
-            <a:avLst/>
-          </a:prstGeom>
-        </p:spPr>
-        <p:style>
-          <a:lnRef idx="2">
-            <a:schemeClr val="accent6"/>
-          </a:lnRef>
-          <a:fillRef idx="1">
-            <a:schemeClr val="lt1"/>
-          </a:fillRef>
-          <a:effectRef idx="0">
-            <a:schemeClr val="accent6"/>
-          </a:effectRef>
-          <a:fontRef idx="minor">
-            <a:schemeClr val="dk1"/>
-          </a:fontRef>
-        </p:style>
-        <p:txBody>
-          <a:bodyPr rtlCol="0" anchor="ctr"/>
-          <a:lstStyle/>
-          <a:p>
-            <a:pPr algn="ctr"/>
-            <a:endParaRPr lang="ko-KR" altLang="en-US"/>
-          </a:p>
-        </p:txBody>
-      </p:sp>
-      <p:sp>
-        <p:nvSpPr>
-          <p:cNvPr id="20" name="타원 19">
-            <a:extLst>
-              <a:ext uri="{FF2B5EF4-FFF2-40B4-BE49-F238E27FC236}">
-                <a16:creationId xmlns:a16="http://schemas.microsoft.com/office/drawing/2014/main" id="{E47EBACE-8207-4F23-AF37-40FA71528483}"/>
-              </a:ext>
-            </a:extLst>
-          </p:cNvPr>
-          <p:cNvSpPr/>
-          <p:nvPr/>
-        </p:nvSpPr>
-        <p:spPr>
-          <a:xfrm>
-            <a:off x="8717626" y="4511533"/>
-            <a:ext cx="236220" cy="229381"/>
-          </a:xfrm>
-          <a:prstGeom prst="ellipse">
-            <a:avLst/>
-          </a:prstGeom>
-        </p:spPr>
-        <p:style>
-          <a:lnRef idx="2">
-            <a:schemeClr val="accent6"/>
-          </a:lnRef>
-          <a:fillRef idx="1">
-            <a:schemeClr val="lt1"/>
-          </a:fillRef>
-          <a:effectRef idx="0">
-            <a:schemeClr val="accent6"/>
-          </a:effectRef>
-          <a:fontRef idx="minor">
-            <a:schemeClr val="dk1"/>
-          </a:fontRef>
-        </p:style>
-        <p:txBody>
-          <a:bodyPr rtlCol="0" anchor="ctr"/>
-          <a:lstStyle/>
-          <a:p>
-            <a:pPr algn="ctr"/>
-            <a:endParaRPr lang="ko-KR" altLang="en-US"/>
-          </a:p>
-        </p:txBody>
-      </p:sp>
-      <p:sp>
-        <p:nvSpPr>
-          <p:cNvPr id="21" name="타원 20">
-            <a:extLst>
-              <a:ext uri="{FF2B5EF4-FFF2-40B4-BE49-F238E27FC236}">
-                <a16:creationId xmlns:a16="http://schemas.microsoft.com/office/drawing/2014/main" id="{40CD71E5-166E-4581-9311-7588D44C5BE1}"/>
-              </a:ext>
-            </a:extLst>
-          </p:cNvPr>
-          <p:cNvSpPr/>
-          <p:nvPr/>
-        </p:nvSpPr>
-        <p:spPr>
-          <a:xfrm>
-            <a:off x="8481406" y="5163774"/>
-            <a:ext cx="236220" cy="229381"/>
-          </a:xfrm>
-          <a:prstGeom prst="ellipse">
-            <a:avLst/>
-          </a:prstGeom>
-        </p:spPr>
-        <p:style>
-          <a:lnRef idx="2">
-            <a:schemeClr val="accent6"/>
-          </a:lnRef>
-          <a:fillRef idx="1">
-            <a:schemeClr val="lt1"/>
-          </a:fillRef>
-          <a:effectRef idx="0">
-            <a:schemeClr val="accent6"/>
-          </a:effectRef>
-          <a:fontRef idx="minor">
-            <a:schemeClr val="dk1"/>
-          </a:fontRef>
-        </p:style>
-        <p:txBody>
-          <a:bodyPr rtlCol="0" anchor="ctr"/>
-          <a:lstStyle/>
-          <a:p>
-            <a:pPr algn="ctr"/>
-            <a:endParaRPr lang="ko-KR" altLang="en-US"/>
-          </a:p>
-        </p:txBody>
-      </p:sp>
-      <p:sp>
-        <p:nvSpPr>
-          <p:cNvPr id="22" name="타원 21">
-            <a:extLst>
-              <a:ext uri="{FF2B5EF4-FFF2-40B4-BE49-F238E27FC236}">
-                <a16:creationId xmlns:a16="http://schemas.microsoft.com/office/drawing/2014/main" id="{0F95D2CE-1979-4B15-BC3F-92A0E50E35F5}"/>
-              </a:ext>
-            </a:extLst>
-          </p:cNvPr>
-          <p:cNvSpPr/>
-          <p:nvPr/>
-        </p:nvSpPr>
-        <p:spPr>
-          <a:xfrm>
-            <a:off x="9140088" y="4955617"/>
-            <a:ext cx="236220" cy="229381"/>
-          </a:xfrm>
-          <a:prstGeom prst="ellipse">
-            <a:avLst/>
-          </a:prstGeom>
-        </p:spPr>
-        <p:style>
-          <a:lnRef idx="2">
-            <a:schemeClr val="accent6"/>
-          </a:lnRef>
-          <a:fillRef idx="1">
-            <a:schemeClr val="lt1"/>
-          </a:fillRef>
-          <a:effectRef idx="0">
-            <a:schemeClr val="accent6"/>
-          </a:effectRef>
-          <a:fontRef idx="minor">
-            <a:schemeClr val="dk1"/>
-          </a:fontRef>
-        </p:style>
-        <p:txBody>
-          <a:bodyPr rtlCol="0" anchor="ctr"/>
-          <a:lstStyle/>
-          <a:p>
-            <a:pPr algn="ctr"/>
-            <a:endParaRPr lang="ko-KR" altLang="en-US"/>
-          </a:p>
-        </p:txBody>
-      </p:sp>
       <p:grpSp>
         <p:nvGrpSpPr>
-          <p:cNvPr id="23" name="그룹 22">
-            <a:extLst>
-              <a:ext uri="{FF2B5EF4-FFF2-40B4-BE49-F238E27FC236}">
-                <a16:creationId xmlns:a16="http://schemas.microsoft.com/office/drawing/2014/main" id="{0A431B97-6F3C-4C7B-99A9-59A7A1279C45}"/>
+          <p:cNvPr id="42" name="그룹 41">
+            <a:extLst>
+              <a:ext uri="{FF2B5EF4-FFF2-40B4-BE49-F238E27FC236}">
+                <a16:creationId xmlns:a16="http://schemas.microsoft.com/office/drawing/2014/main" id="{8209AFCD-956A-4B16-86A8-CAB703BA579D}"/>
               </a:ext>
             </a:extLst>
           </p:cNvPr>
@@ -13641,7 +12798,7 @@
         </p:nvGrpSpPr>
         <p:grpSpPr>
           <a:xfrm>
-            <a:off x="4505899" y="0"/>
+            <a:off x="4494882" y="0"/>
             <a:ext cx="637601" cy="622525"/>
             <a:chOff x="4505899" y="0"/>
             <a:chExt cx="637601" cy="622525"/>
@@ -13649,10 +12806,10 @@
         </p:grpSpPr>
         <p:sp>
           <p:nvSpPr>
-            <p:cNvPr id="2" name="순서도: 대체 처리 1">
+            <p:cNvPr id="43" name="순서도: 대체 처리 42">
               <a:extLst>
                 <a:ext uri="{FF2B5EF4-FFF2-40B4-BE49-F238E27FC236}">
-                  <a16:creationId xmlns:a16="http://schemas.microsoft.com/office/drawing/2014/main" id="{990CEF20-5D2F-4E30-91FC-3DA85F942919}"/>
+                  <a16:creationId xmlns:a16="http://schemas.microsoft.com/office/drawing/2014/main" id="{3C45FB5A-0679-4371-89D9-549AA16FE77C}"/>
                 </a:ext>
               </a:extLst>
             </p:cNvPr>
@@ -13698,10 +12855,10 @@
         </p:sp>
         <p:pic>
           <p:nvPicPr>
-            <p:cNvPr id="7" name="그래픽 6" descr="돋보기 단색으로 채워진">
+            <p:cNvPr id="44" name="그래픽 43" descr="돋보기 단색으로 채워진">
               <a:extLst>
                 <a:ext uri="{FF2B5EF4-FFF2-40B4-BE49-F238E27FC236}">
-                  <a16:creationId xmlns:a16="http://schemas.microsoft.com/office/drawing/2014/main" id="{B82E5C64-4949-4EF2-900B-E2CD4DE095D7}"/>
+                  <a16:creationId xmlns:a16="http://schemas.microsoft.com/office/drawing/2014/main" id="{FD24AD3B-7D5D-40A7-B3A7-A39AF89C6223}"/>
                 </a:ext>
               </a:extLst>
             </p:cNvPr>
@@ -13711,13 +12868,13 @@
             <p:nvPr/>
           </p:nvPicPr>
           <p:blipFill>
-            <a:blip r:embed="rId2">
+            <a:blip r:embed="rId9">
               <a:extLst>
                 <a:ext uri="{28A0092B-C50C-407E-A947-70E740481C1C}">
                   <a14:useLocalDpi xmlns:a14="http://schemas.microsoft.com/office/drawing/2010/main" val="0"/>
                 </a:ext>
                 <a:ext uri="{96DAC541-7B7A-43D3-8B79-37D633B846F1}">
-                  <asvg:svgBlip xmlns:asvg="http://schemas.microsoft.com/office/drawing/2016/SVG/main" r:embed="rId3"/>
+                  <asvg:svgBlip xmlns:asvg="http://schemas.microsoft.com/office/drawing/2016/SVG/main" r:embed="rId10"/>
                 </a:ext>
               </a:extLst>
             </a:blip>
@@ -13736,6 +12893,734 @@
           </p:spPr>
         </p:pic>
       </p:grpSp>
+      <p:sp>
+        <p:nvSpPr>
+          <p:cNvPr id="48" name="사각형: 둥근 모서리 47">
+            <a:extLst>
+              <a:ext uri="{FF2B5EF4-FFF2-40B4-BE49-F238E27FC236}">
+                <a16:creationId xmlns:a16="http://schemas.microsoft.com/office/drawing/2014/main" id="{4D953CCB-4C8E-44B0-B536-07AEDA332DCB}"/>
+              </a:ext>
+            </a:extLst>
+          </p:cNvPr>
+          <p:cNvSpPr/>
+          <p:nvPr/>
+        </p:nvSpPr>
+        <p:spPr>
+          <a:xfrm>
+            <a:off x="0" y="7531018"/>
+            <a:ext cx="5132483" cy="1589647"/>
+          </a:xfrm>
+          <a:prstGeom prst="roundRect">
+            <a:avLst/>
+          </a:prstGeom>
+          <a:noFill/>
+        </p:spPr>
+        <p:style>
+          <a:lnRef idx="2">
+            <a:schemeClr val="accent1">
+              <a:shade val="50000"/>
+            </a:schemeClr>
+          </a:lnRef>
+          <a:fillRef idx="1">
+            <a:schemeClr val="accent1"/>
+          </a:fillRef>
+          <a:effectRef idx="0">
+            <a:schemeClr val="accent1"/>
+          </a:effectRef>
+          <a:fontRef idx="minor">
+            <a:schemeClr val="lt1"/>
+          </a:fontRef>
+        </p:style>
+        <p:txBody>
+          <a:bodyPr rtlCol="0" anchor="ctr"/>
+          <a:lstStyle/>
+          <a:p>
+            <a:pPr algn="ctr"/>
+            <a:endParaRPr lang="ko-KR" altLang="en-US"/>
+          </a:p>
+        </p:txBody>
+      </p:sp>
+    </p:spTree>
+    <p:extLst>
+      <p:ext uri="{BB962C8B-B14F-4D97-AF65-F5344CB8AC3E}">
+        <p14:creationId xmlns:p14="http://schemas.microsoft.com/office/powerpoint/2010/main" val="798762582"/>
+      </p:ext>
+    </p:extLst>
+  </p:cSld>
+  <p:clrMapOvr>
+    <a:masterClrMapping/>
+  </p:clrMapOvr>
+</p:sld>
+</file>
+
+<file path=ppt/slides/slide9.xml><?xml version="1.0" encoding="utf-8"?>
+<p:sld xmlns:a="http://schemas.openxmlformats.org/drawingml/2006/main" xmlns:r="http://schemas.openxmlformats.org/officeDocument/2006/relationships" xmlns:p="http://schemas.openxmlformats.org/presentationml/2006/main">
+  <p:cSld>
+    <p:spTree>
+      <p:nvGrpSpPr>
+        <p:cNvPr id="1" name=""/>
+        <p:cNvGrpSpPr/>
+        <p:nvPr/>
+      </p:nvGrpSpPr>
+      <p:grpSpPr>
+        <a:xfrm>
+          <a:off x="0" y="0"/>
+          <a:ext cx="0" cy="0"/>
+          <a:chOff x="0" y="0"/>
+          <a:chExt cx="0" cy="0"/>
+        </a:xfrm>
+      </p:grpSpPr>
+      <p:sp>
+        <p:nvSpPr>
+          <p:cNvPr id="6" name="TextBox 5">
+            <a:extLst>
+              <a:ext uri="{FF2B5EF4-FFF2-40B4-BE49-F238E27FC236}">
+                <a16:creationId xmlns:a16="http://schemas.microsoft.com/office/drawing/2014/main" id="{83A3AC0A-1B4E-4D47-8AAA-5E9078CED316}"/>
+              </a:ext>
+            </a:extLst>
+          </p:cNvPr>
+          <p:cNvSpPr txBox="1"/>
+          <p:nvPr/>
+        </p:nvSpPr>
+        <p:spPr>
+          <a:xfrm>
+            <a:off x="952556" y="122488"/>
+            <a:ext cx="3238387" cy="369332"/>
+          </a:xfrm>
+          <a:prstGeom prst="rect">
+            <a:avLst/>
+          </a:prstGeom>
+          <a:noFill/>
+        </p:spPr>
+        <p:txBody>
+          <a:bodyPr wrap="none" rtlCol="0">
+            <a:spAutoFit/>
+          </a:bodyPr>
+          <a:lstStyle/>
+          <a:p>
+            <a:r>
+              <a:rPr lang="ko-KR" altLang="en-US" dirty="0"/>
+              <a:t>성균관대학교 자연과학캠퍼스</a:t>
+            </a:r>
+          </a:p>
+        </p:txBody>
+      </p:sp>
+      <p:sp>
+        <p:nvSpPr>
+          <p:cNvPr id="9" name="타원 8">
+            <a:extLst>
+              <a:ext uri="{FF2B5EF4-FFF2-40B4-BE49-F238E27FC236}">
+                <a16:creationId xmlns:a16="http://schemas.microsoft.com/office/drawing/2014/main" id="{AB6B584B-2E03-4BD6-AA43-826515B44D8E}"/>
+              </a:ext>
+            </a:extLst>
+          </p:cNvPr>
+          <p:cNvSpPr/>
+          <p:nvPr/>
+        </p:nvSpPr>
+        <p:spPr>
+          <a:xfrm>
+            <a:off x="6026870" y="3196692"/>
+            <a:ext cx="236220" cy="229381"/>
+          </a:xfrm>
+          <a:prstGeom prst="ellipse">
+            <a:avLst/>
+          </a:prstGeom>
+        </p:spPr>
+        <p:style>
+          <a:lnRef idx="2">
+            <a:schemeClr val="accent6"/>
+          </a:lnRef>
+          <a:fillRef idx="1">
+            <a:schemeClr val="lt1"/>
+          </a:fillRef>
+          <a:effectRef idx="0">
+            <a:schemeClr val="accent6"/>
+          </a:effectRef>
+          <a:fontRef idx="minor">
+            <a:schemeClr val="dk1"/>
+          </a:fontRef>
+        </p:style>
+        <p:txBody>
+          <a:bodyPr rtlCol="0" anchor="ctr"/>
+          <a:lstStyle/>
+          <a:p>
+            <a:pPr algn="ctr"/>
+            <a:endParaRPr lang="ko-KR" altLang="en-US"/>
+          </a:p>
+        </p:txBody>
+      </p:sp>
+      <p:sp>
+        <p:nvSpPr>
+          <p:cNvPr id="10" name="타원 9">
+            <a:extLst>
+              <a:ext uri="{FF2B5EF4-FFF2-40B4-BE49-F238E27FC236}">
+                <a16:creationId xmlns:a16="http://schemas.microsoft.com/office/drawing/2014/main" id="{C2175F0C-BFB6-4C11-9DFA-E03398B86DDD}"/>
+              </a:ext>
+            </a:extLst>
+          </p:cNvPr>
+          <p:cNvSpPr/>
+          <p:nvPr/>
+        </p:nvSpPr>
+        <p:spPr>
+          <a:xfrm>
+            <a:off x="6403108" y="3577692"/>
+            <a:ext cx="236220" cy="229381"/>
+          </a:xfrm>
+          <a:prstGeom prst="ellipse">
+            <a:avLst/>
+          </a:prstGeom>
+        </p:spPr>
+        <p:style>
+          <a:lnRef idx="2">
+            <a:schemeClr val="accent6"/>
+          </a:lnRef>
+          <a:fillRef idx="1">
+            <a:schemeClr val="lt1"/>
+          </a:fillRef>
+          <a:effectRef idx="0">
+            <a:schemeClr val="accent6"/>
+          </a:effectRef>
+          <a:fontRef idx="minor">
+            <a:schemeClr val="dk1"/>
+          </a:fontRef>
+        </p:style>
+        <p:txBody>
+          <a:bodyPr rtlCol="0" anchor="ctr"/>
+          <a:lstStyle/>
+          <a:p>
+            <a:pPr algn="ctr"/>
+            <a:endParaRPr lang="ko-KR" altLang="en-US"/>
+          </a:p>
+        </p:txBody>
+      </p:sp>
+      <p:sp>
+        <p:nvSpPr>
+          <p:cNvPr id="11" name="타원 10">
+            <a:extLst>
+              <a:ext uri="{FF2B5EF4-FFF2-40B4-BE49-F238E27FC236}">
+                <a16:creationId xmlns:a16="http://schemas.microsoft.com/office/drawing/2014/main" id="{05099A18-FB7D-4DDF-AD28-9D2875B7E893}"/>
+              </a:ext>
+            </a:extLst>
+          </p:cNvPr>
+          <p:cNvSpPr/>
+          <p:nvPr/>
+        </p:nvSpPr>
+        <p:spPr>
+          <a:xfrm>
+            <a:off x="6850783" y="3953930"/>
+            <a:ext cx="236220" cy="229381"/>
+          </a:xfrm>
+          <a:prstGeom prst="ellipse">
+            <a:avLst/>
+          </a:prstGeom>
+        </p:spPr>
+        <p:style>
+          <a:lnRef idx="2">
+            <a:schemeClr val="accent6"/>
+          </a:lnRef>
+          <a:fillRef idx="1">
+            <a:schemeClr val="lt1"/>
+          </a:fillRef>
+          <a:effectRef idx="0">
+            <a:schemeClr val="accent6"/>
+          </a:effectRef>
+          <a:fontRef idx="minor">
+            <a:schemeClr val="dk1"/>
+          </a:fontRef>
+        </p:style>
+        <p:txBody>
+          <a:bodyPr rtlCol="0" anchor="ctr"/>
+          <a:lstStyle/>
+          <a:p>
+            <a:pPr algn="ctr"/>
+            <a:endParaRPr lang="ko-KR" altLang="en-US"/>
+          </a:p>
+        </p:txBody>
+      </p:sp>
+      <p:sp>
+        <p:nvSpPr>
+          <p:cNvPr id="12" name="타원 11">
+            <a:extLst>
+              <a:ext uri="{FF2B5EF4-FFF2-40B4-BE49-F238E27FC236}">
+                <a16:creationId xmlns:a16="http://schemas.microsoft.com/office/drawing/2014/main" id="{CBE4B9EB-459D-46BA-9C2D-99ED9297724D}"/>
+              </a:ext>
+            </a:extLst>
+          </p:cNvPr>
+          <p:cNvSpPr/>
+          <p:nvPr/>
+        </p:nvSpPr>
+        <p:spPr>
+          <a:xfrm>
+            <a:off x="7208922" y="4396843"/>
+            <a:ext cx="236220" cy="229381"/>
+          </a:xfrm>
+          <a:prstGeom prst="ellipse">
+            <a:avLst/>
+          </a:prstGeom>
+        </p:spPr>
+        <p:style>
+          <a:lnRef idx="2">
+            <a:schemeClr val="accent6"/>
+          </a:lnRef>
+          <a:fillRef idx="1">
+            <a:schemeClr val="lt1"/>
+          </a:fillRef>
+          <a:effectRef idx="0">
+            <a:schemeClr val="accent6"/>
+          </a:effectRef>
+          <a:fontRef idx="minor">
+            <a:schemeClr val="dk1"/>
+          </a:fontRef>
+        </p:style>
+        <p:txBody>
+          <a:bodyPr rtlCol="0" anchor="ctr"/>
+          <a:lstStyle/>
+          <a:p>
+            <a:pPr algn="ctr"/>
+            <a:endParaRPr lang="ko-KR" altLang="en-US"/>
+          </a:p>
+        </p:txBody>
+      </p:sp>
+      <p:sp>
+        <p:nvSpPr>
+          <p:cNvPr id="13" name="타원 12">
+            <a:extLst>
+              <a:ext uri="{FF2B5EF4-FFF2-40B4-BE49-F238E27FC236}">
+                <a16:creationId xmlns:a16="http://schemas.microsoft.com/office/drawing/2014/main" id="{B7F4FC33-8A6B-4B1F-8447-9DE8E51DD3ED}"/>
+              </a:ext>
+            </a:extLst>
+          </p:cNvPr>
+          <p:cNvSpPr/>
+          <p:nvPr/>
+        </p:nvSpPr>
+        <p:spPr>
+          <a:xfrm>
+            <a:off x="6908885" y="4726236"/>
+            <a:ext cx="236220" cy="229381"/>
+          </a:xfrm>
+          <a:prstGeom prst="ellipse">
+            <a:avLst/>
+          </a:prstGeom>
+        </p:spPr>
+        <p:style>
+          <a:lnRef idx="2">
+            <a:schemeClr val="accent6"/>
+          </a:lnRef>
+          <a:fillRef idx="1">
+            <a:schemeClr val="lt1"/>
+          </a:fillRef>
+          <a:effectRef idx="0">
+            <a:schemeClr val="accent6"/>
+          </a:effectRef>
+          <a:fontRef idx="minor">
+            <a:schemeClr val="dk1"/>
+          </a:fontRef>
+        </p:style>
+        <p:txBody>
+          <a:bodyPr rtlCol="0" anchor="ctr"/>
+          <a:lstStyle/>
+          <a:p>
+            <a:pPr algn="ctr"/>
+            <a:endParaRPr lang="ko-KR" altLang="en-US"/>
+          </a:p>
+        </p:txBody>
+      </p:sp>
+      <p:sp>
+        <p:nvSpPr>
+          <p:cNvPr id="14" name="타원 13">
+            <a:extLst>
+              <a:ext uri="{FF2B5EF4-FFF2-40B4-BE49-F238E27FC236}">
+                <a16:creationId xmlns:a16="http://schemas.microsoft.com/office/drawing/2014/main" id="{9AFF05C3-BA39-4463-90E4-1543F196919B}"/>
+              </a:ext>
+            </a:extLst>
+          </p:cNvPr>
+          <p:cNvSpPr/>
+          <p:nvPr/>
+        </p:nvSpPr>
+        <p:spPr>
+          <a:xfrm>
+            <a:off x="5545858" y="4626224"/>
+            <a:ext cx="236220" cy="229381"/>
+          </a:xfrm>
+          <a:prstGeom prst="ellipse">
+            <a:avLst/>
+          </a:prstGeom>
+        </p:spPr>
+        <p:style>
+          <a:lnRef idx="2">
+            <a:schemeClr val="accent6"/>
+          </a:lnRef>
+          <a:fillRef idx="1">
+            <a:schemeClr val="lt1"/>
+          </a:fillRef>
+          <a:effectRef idx="0">
+            <a:schemeClr val="accent6"/>
+          </a:effectRef>
+          <a:fontRef idx="minor">
+            <a:schemeClr val="dk1"/>
+          </a:fontRef>
+        </p:style>
+        <p:txBody>
+          <a:bodyPr rtlCol="0" anchor="ctr"/>
+          <a:lstStyle/>
+          <a:p>
+            <a:pPr algn="ctr"/>
+            <a:endParaRPr lang="ko-KR" altLang="en-US"/>
+          </a:p>
+        </p:txBody>
+      </p:sp>
+      <p:sp>
+        <p:nvSpPr>
+          <p:cNvPr id="15" name="타원 14">
+            <a:extLst>
+              <a:ext uri="{FF2B5EF4-FFF2-40B4-BE49-F238E27FC236}">
+                <a16:creationId xmlns:a16="http://schemas.microsoft.com/office/drawing/2014/main" id="{CD65E81F-C36F-4A03-8B1F-3A59CF79861E}"/>
+              </a:ext>
+            </a:extLst>
+          </p:cNvPr>
+          <p:cNvSpPr/>
+          <p:nvPr/>
+        </p:nvSpPr>
+        <p:spPr>
+          <a:xfrm>
+            <a:off x="8924824" y="3459463"/>
+            <a:ext cx="236220" cy="229381"/>
+          </a:xfrm>
+          <a:prstGeom prst="ellipse">
+            <a:avLst/>
+          </a:prstGeom>
+        </p:spPr>
+        <p:style>
+          <a:lnRef idx="2">
+            <a:schemeClr val="accent6"/>
+          </a:lnRef>
+          <a:fillRef idx="1">
+            <a:schemeClr val="lt1"/>
+          </a:fillRef>
+          <a:effectRef idx="0">
+            <a:schemeClr val="accent6"/>
+          </a:effectRef>
+          <a:fontRef idx="minor">
+            <a:schemeClr val="dk1"/>
+          </a:fontRef>
+        </p:style>
+        <p:txBody>
+          <a:bodyPr rtlCol="0" anchor="ctr"/>
+          <a:lstStyle/>
+          <a:p>
+            <a:pPr algn="ctr"/>
+            <a:endParaRPr lang="ko-KR" altLang="en-US"/>
+          </a:p>
+        </p:txBody>
+      </p:sp>
+      <p:sp>
+        <p:nvSpPr>
+          <p:cNvPr id="16" name="타원 15">
+            <a:extLst>
+              <a:ext uri="{FF2B5EF4-FFF2-40B4-BE49-F238E27FC236}">
+                <a16:creationId xmlns:a16="http://schemas.microsoft.com/office/drawing/2014/main" id="{64A2EBDD-55BD-4AE3-A7BC-4F1159A3C170}"/>
+              </a:ext>
+            </a:extLst>
+          </p:cNvPr>
+          <p:cNvSpPr/>
+          <p:nvPr/>
+        </p:nvSpPr>
+        <p:spPr>
+          <a:xfrm>
+            <a:off x="7517475" y="2645024"/>
+            <a:ext cx="236220" cy="229381"/>
+          </a:xfrm>
+          <a:prstGeom prst="ellipse">
+            <a:avLst/>
+          </a:prstGeom>
+        </p:spPr>
+        <p:style>
+          <a:lnRef idx="2">
+            <a:schemeClr val="accent6"/>
+          </a:lnRef>
+          <a:fillRef idx="1">
+            <a:schemeClr val="lt1"/>
+          </a:fillRef>
+          <a:effectRef idx="0">
+            <a:schemeClr val="accent6"/>
+          </a:effectRef>
+          <a:fontRef idx="minor">
+            <a:schemeClr val="dk1"/>
+          </a:fontRef>
+        </p:style>
+        <p:txBody>
+          <a:bodyPr rtlCol="0" anchor="ctr"/>
+          <a:lstStyle/>
+          <a:p>
+            <a:pPr algn="ctr"/>
+            <a:endParaRPr lang="ko-KR" altLang="en-US"/>
+          </a:p>
+        </p:txBody>
+      </p:sp>
+      <p:sp>
+        <p:nvSpPr>
+          <p:cNvPr id="17" name="타원 16">
+            <a:extLst>
+              <a:ext uri="{FF2B5EF4-FFF2-40B4-BE49-F238E27FC236}">
+                <a16:creationId xmlns:a16="http://schemas.microsoft.com/office/drawing/2014/main" id="{8271486A-1A1C-4BB8-95B8-064C4C2E7CC9}"/>
+              </a:ext>
+            </a:extLst>
+          </p:cNvPr>
+          <p:cNvSpPr/>
+          <p:nvPr/>
+        </p:nvSpPr>
+        <p:spPr>
+          <a:xfrm>
+            <a:off x="7794710" y="3126036"/>
+            <a:ext cx="236220" cy="229381"/>
+          </a:xfrm>
+          <a:prstGeom prst="ellipse">
+            <a:avLst/>
+          </a:prstGeom>
+        </p:spPr>
+        <p:style>
+          <a:lnRef idx="2">
+            <a:schemeClr val="accent6"/>
+          </a:lnRef>
+          <a:fillRef idx="1">
+            <a:schemeClr val="lt1"/>
+          </a:fillRef>
+          <a:effectRef idx="0">
+            <a:schemeClr val="accent6"/>
+          </a:effectRef>
+          <a:fontRef idx="minor">
+            <a:schemeClr val="dk1"/>
+          </a:fontRef>
+        </p:style>
+        <p:txBody>
+          <a:bodyPr rtlCol="0" anchor="ctr"/>
+          <a:lstStyle/>
+          <a:p>
+            <a:pPr algn="ctr"/>
+            <a:endParaRPr lang="ko-KR" altLang="en-US"/>
+          </a:p>
+        </p:txBody>
+      </p:sp>
+      <p:sp>
+        <p:nvSpPr>
+          <p:cNvPr id="18" name="타원 17">
+            <a:extLst>
+              <a:ext uri="{FF2B5EF4-FFF2-40B4-BE49-F238E27FC236}">
+                <a16:creationId xmlns:a16="http://schemas.microsoft.com/office/drawing/2014/main" id="{3D73E149-A34A-41B4-8260-A1FC2D3F8B54}"/>
+              </a:ext>
+            </a:extLst>
+          </p:cNvPr>
+          <p:cNvSpPr/>
+          <p:nvPr/>
+        </p:nvSpPr>
+        <p:spPr>
+          <a:xfrm>
+            <a:off x="6645995" y="2797424"/>
+            <a:ext cx="236220" cy="229381"/>
+          </a:xfrm>
+          <a:prstGeom prst="ellipse">
+            <a:avLst/>
+          </a:prstGeom>
+        </p:spPr>
+        <p:style>
+          <a:lnRef idx="2">
+            <a:schemeClr val="accent6"/>
+          </a:lnRef>
+          <a:fillRef idx="1">
+            <a:schemeClr val="lt1"/>
+          </a:fillRef>
+          <a:effectRef idx="0">
+            <a:schemeClr val="accent6"/>
+          </a:effectRef>
+          <a:fontRef idx="minor">
+            <a:schemeClr val="dk1"/>
+          </a:fontRef>
+        </p:style>
+        <p:txBody>
+          <a:bodyPr rtlCol="0" anchor="ctr"/>
+          <a:lstStyle/>
+          <a:p>
+            <a:pPr algn="ctr"/>
+            <a:endParaRPr lang="ko-KR" altLang="en-US"/>
+          </a:p>
+        </p:txBody>
+      </p:sp>
+      <p:sp>
+        <p:nvSpPr>
+          <p:cNvPr id="19" name="타원 18">
+            <a:extLst>
+              <a:ext uri="{FF2B5EF4-FFF2-40B4-BE49-F238E27FC236}">
+                <a16:creationId xmlns:a16="http://schemas.microsoft.com/office/drawing/2014/main" id="{69F2E55C-2B57-4682-B288-2B177D0BDA98}"/>
+              </a:ext>
+            </a:extLst>
+          </p:cNvPr>
+          <p:cNvSpPr/>
+          <p:nvPr/>
+        </p:nvSpPr>
+        <p:spPr>
+          <a:xfrm>
+            <a:off x="8767213" y="4106551"/>
+            <a:ext cx="236220" cy="229381"/>
+          </a:xfrm>
+          <a:prstGeom prst="ellipse">
+            <a:avLst/>
+          </a:prstGeom>
+        </p:spPr>
+        <p:style>
+          <a:lnRef idx="2">
+            <a:schemeClr val="accent6"/>
+          </a:lnRef>
+          <a:fillRef idx="1">
+            <a:schemeClr val="lt1"/>
+          </a:fillRef>
+          <a:effectRef idx="0">
+            <a:schemeClr val="accent6"/>
+          </a:effectRef>
+          <a:fontRef idx="minor">
+            <a:schemeClr val="dk1"/>
+          </a:fontRef>
+        </p:style>
+        <p:txBody>
+          <a:bodyPr rtlCol="0" anchor="ctr"/>
+          <a:lstStyle/>
+          <a:p>
+            <a:pPr algn="ctr"/>
+            <a:endParaRPr lang="ko-KR" altLang="en-US"/>
+          </a:p>
+        </p:txBody>
+      </p:sp>
+      <p:sp>
+        <p:nvSpPr>
+          <p:cNvPr id="20" name="타원 19">
+            <a:extLst>
+              <a:ext uri="{FF2B5EF4-FFF2-40B4-BE49-F238E27FC236}">
+                <a16:creationId xmlns:a16="http://schemas.microsoft.com/office/drawing/2014/main" id="{E47EBACE-8207-4F23-AF37-40FA71528483}"/>
+              </a:ext>
+            </a:extLst>
+          </p:cNvPr>
+          <p:cNvSpPr/>
+          <p:nvPr/>
+        </p:nvSpPr>
+        <p:spPr>
+          <a:xfrm>
+            <a:off x="8717626" y="4511533"/>
+            <a:ext cx="236220" cy="229381"/>
+          </a:xfrm>
+          <a:prstGeom prst="ellipse">
+            <a:avLst/>
+          </a:prstGeom>
+        </p:spPr>
+        <p:style>
+          <a:lnRef idx="2">
+            <a:schemeClr val="accent6"/>
+          </a:lnRef>
+          <a:fillRef idx="1">
+            <a:schemeClr val="lt1"/>
+          </a:fillRef>
+          <a:effectRef idx="0">
+            <a:schemeClr val="accent6"/>
+          </a:effectRef>
+          <a:fontRef idx="minor">
+            <a:schemeClr val="dk1"/>
+          </a:fontRef>
+        </p:style>
+        <p:txBody>
+          <a:bodyPr rtlCol="0" anchor="ctr"/>
+          <a:lstStyle/>
+          <a:p>
+            <a:pPr algn="ctr"/>
+            <a:endParaRPr lang="ko-KR" altLang="en-US"/>
+          </a:p>
+        </p:txBody>
+      </p:sp>
+      <p:sp>
+        <p:nvSpPr>
+          <p:cNvPr id="21" name="타원 20">
+            <a:extLst>
+              <a:ext uri="{FF2B5EF4-FFF2-40B4-BE49-F238E27FC236}">
+                <a16:creationId xmlns:a16="http://schemas.microsoft.com/office/drawing/2014/main" id="{40CD71E5-166E-4581-9311-7588D44C5BE1}"/>
+              </a:ext>
+            </a:extLst>
+          </p:cNvPr>
+          <p:cNvSpPr/>
+          <p:nvPr/>
+        </p:nvSpPr>
+        <p:spPr>
+          <a:xfrm>
+            <a:off x="8481406" y="5163774"/>
+            <a:ext cx="236220" cy="229381"/>
+          </a:xfrm>
+          <a:prstGeom prst="ellipse">
+            <a:avLst/>
+          </a:prstGeom>
+        </p:spPr>
+        <p:style>
+          <a:lnRef idx="2">
+            <a:schemeClr val="accent6"/>
+          </a:lnRef>
+          <a:fillRef idx="1">
+            <a:schemeClr val="lt1"/>
+          </a:fillRef>
+          <a:effectRef idx="0">
+            <a:schemeClr val="accent6"/>
+          </a:effectRef>
+          <a:fontRef idx="minor">
+            <a:schemeClr val="dk1"/>
+          </a:fontRef>
+        </p:style>
+        <p:txBody>
+          <a:bodyPr rtlCol="0" anchor="ctr"/>
+          <a:lstStyle/>
+          <a:p>
+            <a:pPr algn="ctr"/>
+            <a:endParaRPr lang="ko-KR" altLang="en-US"/>
+          </a:p>
+        </p:txBody>
+      </p:sp>
+      <p:sp>
+        <p:nvSpPr>
+          <p:cNvPr id="22" name="타원 21">
+            <a:extLst>
+              <a:ext uri="{FF2B5EF4-FFF2-40B4-BE49-F238E27FC236}">
+                <a16:creationId xmlns:a16="http://schemas.microsoft.com/office/drawing/2014/main" id="{0F95D2CE-1979-4B15-BC3F-92A0E50E35F5}"/>
+              </a:ext>
+            </a:extLst>
+          </p:cNvPr>
+          <p:cNvSpPr/>
+          <p:nvPr/>
+        </p:nvSpPr>
+        <p:spPr>
+          <a:xfrm>
+            <a:off x="9140088" y="4955617"/>
+            <a:ext cx="236220" cy="229381"/>
+          </a:xfrm>
+          <a:prstGeom prst="ellipse">
+            <a:avLst/>
+          </a:prstGeom>
+        </p:spPr>
+        <p:style>
+          <a:lnRef idx="2">
+            <a:schemeClr val="accent6"/>
+          </a:lnRef>
+          <a:fillRef idx="1">
+            <a:schemeClr val="lt1"/>
+          </a:fillRef>
+          <a:effectRef idx="0">
+            <a:schemeClr val="accent6"/>
+          </a:effectRef>
+          <a:fontRef idx="minor">
+            <a:schemeClr val="dk1"/>
+          </a:fontRef>
+        </p:style>
+        <p:txBody>
+          <a:bodyPr rtlCol="0" anchor="ctr"/>
+          <a:lstStyle/>
+          <a:p>
+            <a:pPr algn="ctr"/>
+            <a:endParaRPr lang="ko-KR" altLang="en-US"/>
+          </a:p>
+        </p:txBody>
+      </p:sp>
       <p:grpSp>
         <p:nvGrpSpPr>
           <p:cNvPr id="28" name="그룹 27">
@@ -13863,8 +13748,8 @@
         </p:nvSpPr>
         <p:spPr>
           <a:xfrm>
-            <a:off x="0" y="622525"/>
-            <a:ext cx="5143499" cy="8507051"/>
+            <a:off x="1" y="622525"/>
+            <a:ext cx="5123396" cy="8507051"/>
           </a:xfrm>
           <a:prstGeom prst="roundRect">
             <a:avLst>
@@ -14129,13 +14014,13 @@
           <p:nvPr/>
         </p:nvPicPr>
         <p:blipFill rotWithShape="1">
-          <a:blip r:embed="rId4">
+          <a:blip r:embed="rId2">
             <a:extLst>
               <a:ext uri="{28A0092B-C50C-407E-A947-70E740481C1C}">
                 <a14:useLocalDpi xmlns:a14="http://schemas.microsoft.com/office/drawing/2010/main" val="0"/>
               </a:ext>
               <a:ext uri="{96DAC541-7B7A-43D3-8B79-37D633B846F1}">
-                <asvg:svgBlip xmlns:asvg="http://schemas.microsoft.com/office/drawing/2016/SVG/main" r:embed="rId5"/>
+                <asvg:svgBlip xmlns:asvg="http://schemas.microsoft.com/office/drawing/2016/SVG/main" r:embed="rId3"/>
               </a:ext>
             </a:extLst>
           </a:blip>
@@ -14167,13 +14052,13 @@
           <p:nvPr/>
         </p:nvPicPr>
         <p:blipFill rotWithShape="1">
-          <a:blip r:embed="rId6">
+          <a:blip r:embed="rId4">
             <a:extLst>
               <a:ext uri="{28A0092B-C50C-407E-A947-70E740481C1C}">
                 <a14:useLocalDpi xmlns:a14="http://schemas.microsoft.com/office/drawing/2010/main" val="0"/>
               </a:ext>
               <a:ext uri="{96DAC541-7B7A-43D3-8B79-37D633B846F1}">
-                <asvg:svgBlip xmlns:asvg="http://schemas.microsoft.com/office/drawing/2016/SVG/main" r:embed="rId7"/>
+                <asvg:svgBlip xmlns:asvg="http://schemas.microsoft.com/office/drawing/2016/SVG/main" r:embed="rId5"/>
               </a:ext>
             </a:extLst>
           </a:blip>
@@ -14205,13 +14090,13 @@
           <p:nvPr/>
         </p:nvPicPr>
         <p:blipFill rotWithShape="1">
-          <a:blip r:embed="rId6">
+          <a:blip r:embed="rId4">
             <a:extLst>
               <a:ext uri="{28A0092B-C50C-407E-A947-70E740481C1C}">
                 <a14:useLocalDpi xmlns:a14="http://schemas.microsoft.com/office/drawing/2010/main" val="0"/>
               </a:ext>
               <a:ext uri="{96DAC541-7B7A-43D3-8B79-37D633B846F1}">
-                <asvg:svgBlip xmlns:asvg="http://schemas.microsoft.com/office/drawing/2016/SVG/main" r:embed="rId7"/>
+                <asvg:svgBlip xmlns:asvg="http://schemas.microsoft.com/office/drawing/2016/SVG/main" r:embed="rId5"/>
               </a:ext>
             </a:extLst>
           </a:blip>
@@ -14243,13 +14128,13 @@
           <p:nvPr/>
         </p:nvPicPr>
         <p:blipFill>
-          <a:blip r:embed="rId8">
+          <a:blip r:embed="rId6">
             <a:extLst>
               <a:ext uri="{28A0092B-C50C-407E-A947-70E740481C1C}">
                 <a14:useLocalDpi xmlns:a14="http://schemas.microsoft.com/office/drawing/2010/main" val="0"/>
               </a:ext>
               <a:ext uri="{96DAC541-7B7A-43D3-8B79-37D633B846F1}">
-                <asvg:svgBlip xmlns:asvg="http://schemas.microsoft.com/office/drawing/2016/SVG/main" r:embed="rId9"/>
+                <asvg:svgBlip xmlns:asvg="http://schemas.microsoft.com/office/drawing/2016/SVG/main" r:embed="rId7"/>
               </a:ext>
             </a:extLst>
           </a:blip>
@@ -14282,13 +14167,13 @@
           <p:nvPr/>
         </p:nvPicPr>
         <p:blipFill>
-          <a:blip r:embed="rId10">
+          <a:blip r:embed="rId8">
             <a:extLst>
               <a:ext uri="{28A0092B-C50C-407E-A947-70E740481C1C}">
                 <a14:useLocalDpi xmlns:a14="http://schemas.microsoft.com/office/drawing/2010/main" val="0"/>
               </a:ext>
               <a:ext uri="{96DAC541-7B7A-43D3-8B79-37D633B846F1}">
-                <asvg:svgBlip xmlns:asvg="http://schemas.microsoft.com/office/drawing/2016/SVG/main" r:embed="rId11"/>
+                <asvg:svgBlip xmlns:asvg="http://schemas.microsoft.com/office/drawing/2016/SVG/main" r:embed="rId9"/>
               </a:ext>
             </a:extLst>
           </a:blip>
@@ -14321,13 +14206,13 @@
           <p:nvPr/>
         </p:nvPicPr>
         <p:blipFill>
-          <a:blip r:embed="rId8">
+          <a:blip r:embed="rId6">
             <a:extLst>
               <a:ext uri="{28A0092B-C50C-407E-A947-70E740481C1C}">
                 <a14:useLocalDpi xmlns:a14="http://schemas.microsoft.com/office/drawing/2010/main" val="0"/>
               </a:ext>
               <a:ext uri="{96DAC541-7B7A-43D3-8B79-37D633B846F1}">
-                <asvg:svgBlip xmlns:asvg="http://schemas.microsoft.com/office/drawing/2016/SVG/main" r:embed="rId9"/>
+                <asvg:svgBlip xmlns:asvg="http://schemas.microsoft.com/office/drawing/2016/SVG/main" r:embed="rId7"/>
               </a:ext>
             </a:extLst>
           </a:blip>
@@ -14360,13 +14245,13 @@
           <p:nvPr/>
         </p:nvPicPr>
         <p:blipFill>
-          <a:blip r:embed="rId10">
+          <a:blip r:embed="rId8">
             <a:extLst>
               <a:ext uri="{28A0092B-C50C-407E-A947-70E740481C1C}">
                 <a14:useLocalDpi xmlns:a14="http://schemas.microsoft.com/office/drawing/2010/main" val="0"/>
               </a:ext>
               <a:ext uri="{96DAC541-7B7A-43D3-8B79-37D633B846F1}">
-                <asvg:svgBlip xmlns:asvg="http://schemas.microsoft.com/office/drawing/2016/SVG/main" r:embed="rId11"/>
+                <asvg:svgBlip xmlns:asvg="http://schemas.microsoft.com/office/drawing/2016/SVG/main" r:embed="rId9"/>
               </a:ext>
             </a:extLst>
           </a:blip>
@@ -14384,6 +14269,115 @@
           </a:prstGeom>
         </p:spPr>
       </p:pic>
+      <p:grpSp>
+        <p:nvGrpSpPr>
+          <p:cNvPr id="31" name="그룹 30">
+            <a:extLst>
+              <a:ext uri="{FF2B5EF4-FFF2-40B4-BE49-F238E27FC236}">
+                <a16:creationId xmlns:a16="http://schemas.microsoft.com/office/drawing/2014/main" id="{FA840DEE-0E2B-4D88-BF3A-071A43EA6D16}"/>
+              </a:ext>
+            </a:extLst>
+          </p:cNvPr>
+          <p:cNvGrpSpPr/>
+          <p:nvPr/>
+        </p:nvGrpSpPr>
+        <p:grpSpPr>
+          <a:xfrm>
+            <a:off x="4494882" y="0"/>
+            <a:ext cx="637601" cy="622525"/>
+            <a:chOff x="4505899" y="0"/>
+            <a:chExt cx="637601" cy="622525"/>
+          </a:xfrm>
+        </p:grpSpPr>
+        <p:sp>
+          <p:nvSpPr>
+            <p:cNvPr id="33" name="순서도: 대체 처리 32">
+              <a:extLst>
+                <a:ext uri="{FF2B5EF4-FFF2-40B4-BE49-F238E27FC236}">
+                  <a16:creationId xmlns:a16="http://schemas.microsoft.com/office/drawing/2014/main" id="{941DC38E-4C4A-4E3B-8EEE-938828EA7408}"/>
+                </a:ext>
+              </a:extLst>
+            </p:cNvPr>
+            <p:cNvSpPr/>
+            <p:nvPr/>
+          </p:nvSpPr>
+          <p:spPr>
+            <a:xfrm>
+              <a:off x="4505899" y="0"/>
+              <a:ext cx="637601" cy="622525"/>
+            </a:xfrm>
+            <a:prstGeom prst="flowChartAlternateProcess">
+              <a:avLst/>
+            </a:prstGeom>
+            <a:solidFill>
+              <a:schemeClr val="bg1"/>
+            </a:solidFill>
+          </p:spPr>
+          <p:style>
+            <a:lnRef idx="2">
+              <a:schemeClr val="accent1">
+                <a:shade val="50000"/>
+              </a:schemeClr>
+            </a:lnRef>
+            <a:fillRef idx="1">
+              <a:schemeClr val="accent1"/>
+            </a:fillRef>
+            <a:effectRef idx="0">
+              <a:schemeClr val="accent1"/>
+            </a:effectRef>
+            <a:fontRef idx="minor">
+              <a:schemeClr val="lt1"/>
+            </a:fontRef>
+          </p:style>
+          <p:txBody>
+            <a:bodyPr rtlCol="0" anchor="ctr"/>
+            <a:lstStyle/>
+            <a:p>
+              <a:pPr algn="ctr"/>
+              <a:endParaRPr lang="ko-KR" altLang="en-US"/>
+            </a:p>
+          </p:txBody>
+        </p:sp>
+        <p:pic>
+          <p:nvPicPr>
+            <p:cNvPr id="35" name="그래픽 34" descr="돋보기 단색으로 채워진">
+              <a:extLst>
+                <a:ext uri="{FF2B5EF4-FFF2-40B4-BE49-F238E27FC236}">
+                  <a16:creationId xmlns:a16="http://schemas.microsoft.com/office/drawing/2014/main" id="{6B59134E-376B-48A5-A66E-017DEA64EBB5}"/>
+                </a:ext>
+              </a:extLst>
+            </p:cNvPr>
+            <p:cNvPicPr>
+              <a:picLocks noChangeAspect="1"/>
+            </p:cNvPicPr>
+            <p:nvPr/>
+          </p:nvPicPr>
+          <p:blipFill>
+            <a:blip r:embed="rId10">
+              <a:extLst>
+                <a:ext uri="{28A0092B-C50C-407E-A947-70E740481C1C}">
+                  <a14:useLocalDpi xmlns:a14="http://schemas.microsoft.com/office/drawing/2010/main" val="0"/>
+                </a:ext>
+                <a:ext uri="{96DAC541-7B7A-43D3-8B79-37D633B846F1}">
+                  <asvg:svgBlip xmlns:asvg="http://schemas.microsoft.com/office/drawing/2016/SVG/main" r:embed="rId11"/>
+                </a:ext>
+              </a:extLst>
+            </a:blip>
+            <a:stretch>
+              <a:fillRect/>
+            </a:stretch>
+          </p:blipFill>
+          <p:spPr>
+            <a:xfrm>
+              <a:off x="4531967" y="14423"/>
+              <a:ext cx="585463" cy="585463"/>
+            </a:xfrm>
+            <a:prstGeom prst="rect">
+              <a:avLst/>
+            </a:prstGeom>
+          </p:spPr>
+        </p:pic>
+      </p:grpSp>
     </p:spTree>
     <p:extLst>
       <p:ext uri="{BB962C8B-B14F-4D97-AF65-F5344CB8AC3E}">
